--- a/Documentation/Reports/Final Presentation - Semester project.pptx
+++ b/Documentation/Reports/Final Presentation - Semester project.pptx
@@ -5,10 +5,10 @@
     <p:sldMasterId id="2147483660" r:id="rId4"/>
   </p:sldMasterIdLst>
   <p:notesMasterIdLst>
-    <p:notesMasterId r:id="rId25"/>
+    <p:notesMasterId r:id="rId20"/>
   </p:notesMasterIdLst>
   <p:handoutMasterIdLst>
-    <p:handoutMasterId r:id="rId26"/>
+    <p:handoutMasterId r:id="rId21"/>
   </p:handoutMasterIdLst>
   <p:sldIdLst>
     <p:sldId id="256" r:id="rId5"/>
@@ -16,21 +16,16 @@
     <p:sldId id="257" r:id="rId7"/>
     <p:sldId id="272" r:id="rId8"/>
     <p:sldId id="283" r:id="rId9"/>
-    <p:sldId id="258" r:id="rId10"/>
+    <p:sldId id="291" r:id="rId10"/>
     <p:sldId id="273" r:id="rId11"/>
-    <p:sldId id="277" r:id="rId12"/>
-    <p:sldId id="290" r:id="rId13"/>
-    <p:sldId id="280" r:id="rId14"/>
-    <p:sldId id="279" r:id="rId15"/>
-    <p:sldId id="274" r:id="rId16"/>
-    <p:sldId id="288" r:id="rId17"/>
-    <p:sldId id="281" r:id="rId18"/>
-    <p:sldId id="289" r:id="rId19"/>
-    <p:sldId id="259" r:id="rId20"/>
-    <p:sldId id="284" r:id="rId21"/>
-    <p:sldId id="287" r:id="rId22"/>
-    <p:sldId id="285" r:id="rId23"/>
-    <p:sldId id="286" r:id="rId24"/>
+    <p:sldId id="280" r:id="rId12"/>
+    <p:sldId id="279" r:id="rId13"/>
+    <p:sldId id="293" r:id="rId14"/>
+    <p:sldId id="288" r:id="rId15"/>
+    <p:sldId id="292" r:id="rId16"/>
+    <p:sldId id="259" r:id="rId17"/>
+    <p:sldId id="285" r:id="rId18"/>
+    <p:sldId id="286" r:id="rId19"/>
   </p:sldIdLst>
   <p:sldSz cx="9144000" cy="5143500" type="screen16x9"/>
   <p:notesSz cx="6858000" cy="9144000"/>
@@ -139,19 +134,14 @@
             <p14:sldId id="257"/>
             <p14:sldId id="272"/>
             <p14:sldId id="283"/>
-            <p14:sldId id="258"/>
+            <p14:sldId id="291"/>
             <p14:sldId id="273"/>
-            <p14:sldId id="277"/>
-            <p14:sldId id="290"/>
             <p14:sldId id="280"/>
             <p14:sldId id="279"/>
-            <p14:sldId id="274"/>
+            <p14:sldId id="293"/>
             <p14:sldId id="288"/>
-            <p14:sldId id="281"/>
-            <p14:sldId id="289"/>
+            <p14:sldId id="292"/>
             <p14:sldId id="259"/>
-            <p14:sldId id="284"/>
-            <p14:sldId id="287"/>
             <p14:sldId id="285"/>
             <p14:sldId id="286"/>
           </p14:sldIdLst>
@@ -265,7 +255,7 @@
               <a:rPr lang="fr-CH" smtClean="0">
                 <a:latin typeface="Arial" panose="020B0604020202020204" pitchFamily="34" charset="0"/>
               </a:rPr>
-              <a:t>30.05.2024</a:t>
+              <a:t>01.06.2024</a:t>
             </a:fld>
             <a:endParaRPr lang="fr-CH" dirty="0">
               <a:latin typeface="Arial" panose="020B0604020202020204" pitchFamily="34" charset="0"/>
@@ -443,7 +433,7 @@
             <a:fld id="{F8103E42-5239-1A40-AD33-3EE7E9DDF5FD}" type="datetimeFigureOut">
               <a:rPr lang="fr-FR" smtClean="0"/>
               <a:pPr/>
-              <a:t>30/05/2024</a:t>
+              <a:t>01/06/2024</a:t>
             </a:fld>
             <a:endParaRPr lang="fr-FR" dirty="0"/>
           </a:p>
@@ -915,18 +905,71 @@
           <a:bodyPr/>
           <a:lstStyle/>
           <a:p>
-            <a:r>
-              <a:rPr lang="en-GB" dirty="0"/>
-              <a:t>Not sure whether this is relevant, maybe just say got same results in both Apollo/</a:t>
-            </a:r>
-            <a:r>
-              <a:rPr lang="en-GB" dirty="0" err="1"/>
-              <a:t>Biogeme</a:t>
-            </a:r>
-            <a:r>
-              <a:rPr lang="en-GB" dirty="0"/>
-              <a:t> go through the slide quickly)</a:t>
-            </a:r>
+            <a:pPr algn="l"/>
+            <a:r>
+              <a:rPr lang="en-US" sz="1800" b="0" i="0" u="none" strike="noStrike" baseline="0" dirty="0">
+                <a:latin typeface="CMR12"/>
+              </a:rPr>
+              <a:t>Instead of assuming fixed effect for travel time, i.e. assuming that </a:t>
+            </a:r>
+            <a:r>
+              <a:rPr lang="en-US" sz="1800" b="0" i="0" u="none" strike="noStrike" baseline="0" dirty="0">
+                <a:latin typeface="CMMI12"/>
+              </a:rPr>
+              <a:t>β</a:t>
+            </a:r>
+            <a:r>
+              <a:rPr lang="en-US" sz="1800" b="0" i="0" u="none" strike="noStrike" baseline="0" dirty="0">
+                <a:latin typeface="CMMI8"/>
+              </a:rPr>
+              <a:t>time </a:t>
+            </a:r>
+            <a:r>
+              <a:rPr lang="en-US" sz="1800" b="0" i="0" u="none" strike="noStrike" baseline="0" dirty="0" err="1">
+                <a:latin typeface="CMMI8"/>
+              </a:rPr>
+              <a:t>rnd</a:t>
+            </a:r>
+            <a:r>
+              <a:rPr lang="en-US" sz="1800" b="0" i="0" u="none" strike="noStrike" baseline="0" dirty="0">
+                <a:latin typeface="CMMI8"/>
+              </a:rPr>
+              <a:t> </a:t>
+            </a:r>
+            <a:r>
+              <a:rPr lang="en-US" sz="1800" b="0" i="0" u="none" strike="noStrike" baseline="0" dirty="0">
+                <a:latin typeface="CMR12"/>
+              </a:rPr>
+              <a:t>is constant across</a:t>
+            </a:r>
+          </a:p>
+          <a:p>
+            <a:pPr algn="l"/>
+            <a:r>
+              <a:rPr lang="en-US" sz="1800" b="0" i="0" u="none" strike="noStrike" baseline="0" dirty="0">
+                <a:latin typeface="CMR12"/>
+              </a:rPr>
+              <a:t>all individuals, the model allows for the possibility that different individuals have different</a:t>
+            </a:r>
+          </a:p>
+          <a:p>
+            <a:pPr algn="l"/>
+            <a:r>
+              <a:rPr lang="en-US" sz="1800" b="0" i="0" u="none" strike="noStrike" baseline="0" dirty="0">
+                <a:latin typeface="CMR12"/>
+              </a:rPr>
+              <a:t>sensitivities or preferences travel time. This reflects the heterogeneity in preferences or behaviors</a:t>
+            </a:r>
+          </a:p>
+          <a:p>
+            <a:pPr algn="l"/>
+            <a:r>
+              <a:rPr lang="en-GB" sz="1800" b="0" i="0" u="none" strike="noStrike" baseline="0" dirty="0">
+                <a:latin typeface="CMR12"/>
+              </a:rPr>
+              <a:t>across the sample</a:t>
+            </a:r>
+            <a:endParaRPr lang="en-GB" dirty="0"/>
           </a:p>
         </p:txBody>
       </p:sp>
@@ -948,7 +991,7 @@
             <a:fld id="{4CF50783-AAED-1941-8BCC-9F6140F0A6B1}" type="slidenum">
               <a:rPr lang="fr-FR" smtClean="0"/>
               <a:pPr/>
-              <a:t>8</a:t>
+              <a:t>10</a:t>
             </a:fld>
             <a:endParaRPr lang="fr-FR" dirty="0"/>
           </a:p>
@@ -957,7 +1000,7 @@
     </p:spTree>
     <p:extLst>
       <p:ext uri="{BB962C8B-B14F-4D97-AF65-F5344CB8AC3E}">
-        <p14:creationId xmlns:p14="http://schemas.microsoft.com/office/powerpoint/2010/main" val="4057686820"/>
+        <p14:creationId xmlns:p14="http://schemas.microsoft.com/office/powerpoint/2010/main" val="3393057854"/>
       </p:ext>
     </p:extLst>
   </p:cSld>
@@ -1013,15 +1056,15 @@
           <a:p>
             <a:r>
               <a:rPr lang="en-GB" dirty="0"/>
-              <a:t>Have a table (statistics results) (FL, time </a:t>
+              <a:t>Not sure whether this is relevant, maybe just say got same results in both Apollo/</a:t>
             </a:r>
             <a:r>
               <a:rPr lang="en-GB" dirty="0" err="1"/>
-              <a:t>estimage</a:t>
+              <a:t>Biogeme</a:t>
             </a:r>
             <a:r>
               <a:rPr lang="en-GB" dirty="0"/>
-              <a:t>, image of CPU and RAM) (maybe try to simplify code)</a:t>
+              <a:t> go through the slide quickly)</a:t>
             </a:r>
           </a:p>
         </p:txBody>
@@ -1044,103 +1087,7 @@
             <a:fld id="{4CF50783-AAED-1941-8BCC-9F6140F0A6B1}" type="slidenum">
               <a:rPr lang="fr-FR" smtClean="0"/>
               <a:pPr/>
-              <a:t>9</a:t>
-            </a:fld>
-            <a:endParaRPr lang="fr-FR" dirty="0"/>
-          </a:p>
-        </p:txBody>
-      </p:sp>
-    </p:spTree>
-    <p:extLst>
-      <p:ext uri="{BB962C8B-B14F-4D97-AF65-F5344CB8AC3E}">
-        <p14:creationId xmlns:p14="http://schemas.microsoft.com/office/powerpoint/2010/main" val="2122684236"/>
-      </p:ext>
-    </p:extLst>
-  </p:cSld>
-  <p:clrMapOvr>
-    <a:masterClrMapping/>
-  </p:clrMapOvr>
-</p:notes>
-</file>
-
-<file path=ppt/notesSlides/notesSlide5.xml><?xml version="1.0" encoding="utf-8"?>
-<p:notes xmlns:a="http://schemas.openxmlformats.org/drawingml/2006/main" xmlns:r="http://schemas.openxmlformats.org/officeDocument/2006/relationships" xmlns:p="http://schemas.openxmlformats.org/presentationml/2006/main">
-  <p:cSld>
-    <p:spTree>
-      <p:nvGrpSpPr>
-        <p:cNvPr id="1" name=""/>
-        <p:cNvGrpSpPr/>
-        <p:nvPr/>
-      </p:nvGrpSpPr>
-      <p:grpSpPr>
-        <a:xfrm>
-          <a:off x="0" y="0"/>
-          <a:ext cx="0" cy="0"/>
-          <a:chOff x="0" y="0"/>
-          <a:chExt cx="0" cy="0"/>
-        </a:xfrm>
-      </p:grpSpPr>
-      <p:sp>
-        <p:nvSpPr>
-          <p:cNvPr id="2" name="Espace réservé de l'image des diapositives 1"/>
-          <p:cNvSpPr>
-            <a:spLocks noGrp="1" noRot="1" noChangeAspect="1"/>
-          </p:cNvSpPr>
-          <p:nvPr>
-            <p:ph type="sldImg"/>
-          </p:nvPr>
-        </p:nvSpPr>
-        <p:spPr/>
-      </p:sp>
-      <p:sp>
-        <p:nvSpPr>
-          <p:cNvPr id="3" name="Espace réservé des notes 2"/>
-          <p:cNvSpPr>
-            <a:spLocks noGrp="1"/>
-          </p:cNvSpPr>
-          <p:nvPr>
-            <p:ph type="body" idx="1"/>
-          </p:nvPr>
-        </p:nvSpPr>
-        <p:spPr/>
-        <p:txBody>
-          <a:bodyPr/>
-          <a:lstStyle/>
-          <a:p>
-            <a:r>
-              <a:rPr lang="en-GB" dirty="0"/>
-              <a:t>Not sure whether this is relevant, maybe just say got same results in both Apollo/</a:t>
-            </a:r>
-            <a:r>
-              <a:rPr lang="en-GB" dirty="0" err="1"/>
-              <a:t>Biogeme</a:t>
-            </a:r>
-            <a:r>
-              <a:rPr lang="en-GB" dirty="0"/>
-              <a:t> go through the slide quickly)</a:t>
-            </a:r>
-          </a:p>
-        </p:txBody>
-      </p:sp>
-      <p:sp>
-        <p:nvSpPr>
-          <p:cNvPr id="4" name="Espace réservé du numéro de diapositive 3"/>
-          <p:cNvSpPr>
-            <a:spLocks noGrp="1"/>
-          </p:cNvSpPr>
-          <p:nvPr>
-            <p:ph type="sldNum" sz="quarter" idx="5"/>
-          </p:nvPr>
-        </p:nvSpPr>
-        <p:spPr/>
-        <p:txBody>
-          <a:bodyPr/>
-          <a:lstStyle/>
-          <a:p>
-            <a:fld id="{4CF50783-AAED-1941-8BCC-9F6140F0A6B1}" type="slidenum">
-              <a:rPr lang="fr-FR" smtClean="0"/>
-              <a:pPr/>
-              <a:t>13</a:t>
+              <a:t>11</a:t>
             </a:fld>
             <a:endParaRPr lang="fr-FR" dirty="0"/>
           </a:p>
@@ -1150,102 +1097,6 @@
     <p:extLst>
       <p:ext uri="{BB962C8B-B14F-4D97-AF65-F5344CB8AC3E}">
         <p14:creationId xmlns:p14="http://schemas.microsoft.com/office/powerpoint/2010/main" val="4215437469"/>
-      </p:ext>
-    </p:extLst>
-  </p:cSld>
-  <p:clrMapOvr>
-    <a:masterClrMapping/>
-  </p:clrMapOvr>
-</p:notes>
-</file>
-
-<file path=ppt/notesSlides/notesSlide6.xml><?xml version="1.0" encoding="utf-8"?>
-<p:notes xmlns:a="http://schemas.openxmlformats.org/drawingml/2006/main" xmlns:r="http://schemas.openxmlformats.org/officeDocument/2006/relationships" xmlns:p="http://schemas.openxmlformats.org/presentationml/2006/main">
-  <p:cSld>
-    <p:spTree>
-      <p:nvGrpSpPr>
-        <p:cNvPr id="1" name=""/>
-        <p:cNvGrpSpPr/>
-        <p:nvPr/>
-      </p:nvGrpSpPr>
-      <p:grpSpPr>
-        <a:xfrm>
-          <a:off x="0" y="0"/>
-          <a:ext cx="0" cy="0"/>
-          <a:chOff x="0" y="0"/>
-          <a:chExt cx="0" cy="0"/>
-        </a:xfrm>
-      </p:grpSpPr>
-      <p:sp>
-        <p:nvSpPr>
-          <p:cNvPr id="2" name="Espace réservé de l'image des diapositives 1"/>
-          <p:cNvSpPr>
-            <a:spLocks noGrp="1" noRot="1" noChangeAspect="1"/>
-          </p:cNvSpPr>
-          <p:nvPr>
-            <p:ph type="sldImg"/>
-          </p:nvPr>
-        </p:nvSpPr>
-        <p:spPr/>
-      </p:sp>
-      <p:sp>
-        <p:nvSpPr>
-          <p:cNvPr id="3" name="Espace réservé des notes 2"/>
-          <p:cNvSpPr>
-            <a:spLocks noGrp="1"/>
-          </p:cNvSpPr>
-          <p:nvPr>
-            <p:ph type="body" idx="1"/>
-          </p:nvPr>
-        </p:nvSpPr>
-        <p:spPr/>
-        <p:txBody>
-          <a:bodyPr/>
-          <a:lstStyle/>
-          <a:p>
-            <a:r>
-              <a:rPr lang="en-GB" dirty="0"/>
-              <a:t>Have a table (statistics results) (FL, time </a:t>
-            </a:r>
-            <a:r>
-              <a:rPr lang="en-GB" dirty="0" err="1"/>
-              <a:t>estimage</a:t>
-            </a:r>
-            <a:r>
-              <a:rPr lang="en-GB" dirty="0"/>
-              <a:t>, image of CPU and RAM) (maybe try to simplify code)</a:t>
-            </a:r>
-          </a:p>
-        </p:txBody>
-      </p:sp>
-      <p:sp>
-        <p:nvSpPr>
-          <p:cNvPr id="4" name="Espace réservé du numéro de diapositive 3"/>
-          <p:cNvSpPr>
-            <a:spLocks noGrp="1"/>
-          </p:cNvSpPr>
-          <p:nvPr>
-            <p:ph type="sldNum" sz="quarter" idx="5"/>
-          </p:nvPr>
-        </p:nvSpPr>
-        <p:spPr/>
-        <p:txBody>
-          <a:bodyPr/>
-          <a:lstStyle/>
-          <a:p>
-            <a:fld id="{4CF50783-AAED-1941-8BCC-9F6140F0A6B1}" type="slidenum">
-              <a:rPr lang="fr-FR" smtClean="0"/>
-              <a:pPr/>
-              <a:t>14</a:t>
-            </a:fld>
-            <a:endParaRPr lang="fr-FR" dirty="0"/>
-          </a:p>
-        </p:txBody>
-      </p:sp>
-    </p:spTree>
-    <p:extLst>
-      <p:ext uri="{BB962C8B-B14F-4D97-AF65-F5344CB8AC3E}">
-        <p14:creationId xmlns:p14="http://schemas.microsoft.com/office/powerpoint/2010/main" val="3928232362"/>
       </p:ext>
     </p:extLst>
   </p:cSld>
@@ -5639,7 +5490,7 @@
               <a:rPr lang="en-GB" sz="2000" dirty="0">
                 <a:latin typeface="CMR12"/>
               </a:rPr>
-              <a:t>Semester project, Midterm Presentation</a:t>
+              <a:t>Semester project, Final Presentation</a:t>
             </a:r>
           </a:p>
           <a:p>
@@ -5770,20 +5621,1111 @@
           <a:chExt cx="0" cy="0"/>
         </a:xfrm>
       </p:grpSpPr>
-      <p:sp>
-        <p:nvSpPr>
-          <p:cNvPr id="2" name="Titre 1">
-            <a:extLst>
-              <a:ext uri="{FF2B5EF4-FFF2-40B4-BE49-F238E27FC236}">
-                <a16:creationId xmlns:a16="http://schemas.microsoft.com/office/drawing/2014/main" id="{F18C2303-32F1-B840-8826-D5D2A570F50B}"/>
-              </a:ext>
-            </a:extLst>
-          </p:cNvPr>
-          <p:cNvSpPr>
-            <a:spLocks noGrp="1"/>
-          </p:cNvSpPr>
-          <p:nvPr>
-            <p:ph type="title"/>
+      <mc:AlternateContent xmlns:mc="http://schemas.openxmlformats.org/markup-compatibility/2006">
+        <mc:Choice xmlns:a14="http://schemas.microsoft.com/office/drawing/2010/main" Requires="a14">
+          <p:sp>
+            <p:nvSpPr>
+              <p:cNvPr id="3" name="Espace réservé du texte 2">
+                <a:extLst>
+                  <a:ext uri="{FF2B5EF4-FFF2-40B4-BE49-F238E27FC236}">
+                    <a16:creationId xmlns:a16="http://schemas.microsoft.com/office/drawing/2014/main" id="{334C28A0-A184-8649-A9A4-2BFB1D02EBB5}"/>
+                  </a:ext>
+                </a:extLst>
+              </p:cNvPr>
+              <p:cNvSpPr>
+                <a:spLocks noGrp="1"/>
+              </p:cNvSpPr>
+              <p:nvPr>
+                <p:ph type="body" sz="quarter" idx="17"/>
+              </p:nvPr>
+            </p:nvSpPr>
+            <p:spPr>
+              <a:xfrm>
+                <a:off x="532737" y="1214638"/>
+                <a:ext cx="8019126" cy="3573067"/>
+              </a:xfrm>
+            </p:spPr>
+            <p:txBody>
+              <a:bodyPr>
+                <a:normAutofit/>
+              </a:bodyPr>
+              <a:lstStyle/>
+              <a:p>
+                <a:pPr marL="0" indent="0">
+                  <a:buNone/>
+                </a:pPr>
+                <a14:m>
+                  <m:oMathPara xmlns:m="http://schemas.openxmlformats.org/officeDocument/2006/math">
+                    <m:oMathParaPr>
+                      <m:jc m:val="centerGroup"/>
+                    </m:oMathParaPr>
+                    <m:oMath xmlns:m="http://schemas.openxmlformats.org/officeDocument/2006/math">
+                      <m:sSub>
+                        <m:sSubPr>
+                          <m:ctrlPr>
+                            <a:rPr lang="fr-CH" sz="1800" b="0" i="1" u="none" strike="noStrike" baseline="0" smtClean="0">
+                              <a:latin typeface="Cambria Math" panose="02040503050406030204" pitchFamily="18" charset="0"/>
+                            </a:rPr>
+                          </m:ctrlPr>
+                        </m:sSubPr>
+                        <m:e>
+                          <m:r>
+                            <a:rPr lang="fr-CH" sz="1800" b="0" i="1" u="none" strike="noStrike" baseline="0" smtClean="0">
+                              <a:latin typeface="Cambria Math" panose="02040503050406030204" pitchFamily="18" charset="0"/>
+                            </a:rPr>
+                            <m:t>𝑉</m:t>
+                          </m:r>
+                        </m:e>
+                        <m:sub>
+                          <m:r>
+                            <a:rPr lang="fr-CH" sz="1800" b="0" i="1" u="none" strike="noStrike" baseline="0" smtClean="0">
+                              <a:latin typeface="Cambria Math" panose="02040503050406030204" pitchFamily="18" charset="0"/>
+                            </a:rPr>
+                            <m:t>𝑡𝑟𝑎𝑖𝑛</m:t>
+                          </m:r>
+                          <m:r>
+                            <a:rPr lang="fr-CH" sz="1800" b="0" i="1" u="none" strike="noStrike" baseline="0" smtClean="0">
+                              <a:latin typeface="Cambria Math" panose="02040503050406030204" pitchFamily="18" charset="0"/>
+                            </a:rPr>
+                            <m:t> </m:t>
+                          </m:r>
+                        </m:sub>
+                      </m:sSub>
+                      <m:r>
+                        <a:rPr lang="fr-CH" sz="1800" b="0" i="1" u="none" strike="noStrike" baseline="0" smtClean="0">
+                          <a:latin typeface="Cambria Math" panose="02040503050406030204" pitchFamily="18" charset="0"/>
+                        </a:rPr>
+                        <m:t>=</m:t>
+                      </m:r>
+                      <m:r>
+                        <a:rPr lang="fr-CH" sz="1800" b="1" i="1" u="none" strike="noStrike" baseline="0" smtClean="0">
+                          <a:latin typeface="Cambria Math" panose="02040503050406030204" pitchFamily="18" charset="0"/>
+                        </a:rPr>
+                        <m:t>𝒂𝒔𝒄</m:t>
+                      </m:r>
+                      <m:r>
+                        <m:rPr>
+                          <m:lit/>
+                        </m:rPr>
+                        <a:rPr lang="fr-CH" sz="1800" b="1" i="1" u="none" strike="noStrike" baseline="0" smtClean="0">
+                          <a:latin typeface="Cambria Math" panose="02040503050406030204" pitchFamily="18" charset="0"/>
+                        </a:rPr>
+                        <m:t>_</m:t>
+                      </m:r>
+                      <m:r>
+                        <a:rPr lang="fr-CH" sz="1800" b="1" i="1" u="none" strike="noStrike" baseline="0" smtClean="0">
+                          <a:latin typeface="Cambria Math" panose="02040503050406030204" pitchFamily="18" charset="0"/>
+                        </a:rPr>
+                        <m:t>𝒕𝒓𝒂𝒊𝒏</m:t>
+                      </m:r>
+                      <m:r>
+                        <a:rPr lang="fr-CH" sz="1800" b="0" i="1" u="none" strike="noStrike" baseline="0" smtClean="0">
+                          <a:latin typeface="Cambria Math" panose="02040503050406030204" pitchFamily="18" charset="0"/>
+                        </a:rPr>
+                        <m:t>+</m:t>
+                      </m:r>
+                      <m:sSub>
+                        <m:sSubPr>
+                          <m:ctrlPr>
+                            <a:rPr lang="fr-CH" sz="1800" b="1" i="1" u="none" strike="noStrike" baseline="0" smtClean="0">
+                              <a:latin typeface="Cambria Math" panose="02040503050406030204" pitchFamily="18" charset="0"/>
+                            </a:rPr>
+                          </m:ctrlPr>
+                        </m:sSubPr>
+                        <m:e>
+                          <m:r>
+                            <a:rPr lang="fr-CH" sz="1800" b="1" i="1" u="none" strike="noStrike" baseline="0" smtClean="0">
+                              <a:latin typeface="Cambria Math" panose="02040503050406030204" pitchFamily="18" charset="0"/>
+                            </a:rPr>
+                            <m:t>𝜷</m:t>
+                          </m:r>
+                        </m:e>
+                        <m:sub>
+                          <m:r>
+                            <a:rPr lang="fr-CH" sz="1800" b="1" i="1" u="none" strike="noStrike" baseline="0" smtClean="0">
+                              <a:latin typeface="Cambria Math" panose="02040503050406030204" pitchFamily="18" charset="0"/>
+                            </a:rPr>
+                            <m:t>𝒕𝒊𝒎𝒆</m:t>
+                          </m:r>
+                          <m:r>
+                            <m:rPr>
+                              <m:lit/>
+                            </m:rPr>
+                            <a:rPr lang="fr-CH" sz="1800" b="1" i="1" u="none" strike="noStrike" baseline="0" smtClean="0">
+                              <a:latin typeface="Cambria Math" panose="02040503050406030204" pitchFamily="18" charset="0"/>
+                            </a:rPr>
+                            <m:t>_</m:t>
+                          </m:r>
+                          <m:r>
+                            <a:rPr lang="fr-CH" sz="1800" b="1" i="1" u="none" strike="noStrike" baseline="0" smtClean="0">
+                              <a:latin typeface="Cambria Math" panose="02040503050406030204" pitchFamily="18" charset="0"/>
+                            </a:rPr>
+                            <m:t>𝒓𝒏𝒅</m:t>
+                          </m:r>
+                        </m:sub>
+                      </m:sSub>
+                      <m:r>
+                        <a:rPr lang="fr-CH" sz="1800" b="0" i="1" u="none" strike="noStrike" baseline="0" smtClean="0">
+                          <a:latin typeface="Cambria Math" panose="02040503050406030204" pitchFamily="18" charset="0"/>
+                        </a:rPr>
+                        <m:t>⋅</m:t>
+                      </m:r>
+                      <m:r>
+                        <a:rPr lang="fr-CH" sz="1800" b="0" i="1" u="none" strike="noStrike" baseline="0" smtClean="0">
+                          <a:latin typeface="Cambria Math" panose="02040503050406030204" pitchFamily="18" charset="0"/>
+                        </a:rPr>
+                        <m:t>𝑡𝑟𝑎𝑖𝑛</m:t>
+                      </m:r>
+                      <m:r>
+                        <m:rPr>
+                          <m:lit/>
+                        </m:rPr>
+                        <a:rPr lang="fr-CH" sz="1800" b="0" i="1" u="none" strike="noStrike" baseline="0" smtClean="0">
+                          <a:latin typeface="Cambria Math" panose="02040503050406030204" pitchFamily="18" charset="0"/>
+                        </a:rPr>
+                        <m:t>_</m:t>
+                      </m:r>
+                      <m:r>
+                        <a:rPr lang="fr-CH" sz="1800" b="0" i="1" u="none" strike="noStrike" baseline="0" smtClean="0">
+                          <a:latin typeface="Cambria Math" panose="02040503050406030204" pitchFamily="18" charset="0"/>
+                        </a:rPr>
+                        <m:t>𝑡𝑡</m:t>
+                      </m:r>
+                      <m:r>
+                        <m:rPr>
+                          <m:lit/>
+                        </m:rPr>
+                        <a:rPr lang="fr-CH" sz="1800" b="0" i="1" u="none" strike="noStrike" baseline="0" smtClean="0">
+                          <a:latin typeface="Cambria Math" panose="02040503050406030204" pitchFamily="18" charset="0"/>
+                        </a:rPr>
+                        <m:t>_</m:t>
+                      </m:r>
+                      <m:r>
+                        <a:rPr lang="fr-CH" sz="1800" b="0" i="1" u="none" strike="noStrike" baseline="0" smtClean="0">
+                          <a:latin typeface="Cambria Math" panose="02040503050406030204" pitchFamily="18" charset="0"/>
+                        </a:rPr>
+                        <m:t>𝑠𝑐𝑎𝑙𝑒𝑑</m:t>
+                      </m:r>
+                      <m:r>
+                        <a:rPr lang="fr-CH" sz="1800" b="0" i="1" u="none" strike="noStrike" baseline="0" smtClean="0">
+                          <a:latin typeface="Cambria Math" panose="02040503050406030204" pitchFamily="18" charset="0"/>
+                        </a:rPr>
+                        <m:t>+</m:t>
+                      </m:r>
+                      <m:sSub>
+                        <m:sSubPr>
+                          <m:ctrlPr>
+                            <a:rPr lang="fr-CH" sz="1800" b="1" i="1" u="none" strike="noStrike" baseline="0" smtClean="0">
+                              <a:latin typeface="Cambria Math" panose="02040503050406030204" pitchFamily="18" charset="0"/>
+                            </a:rPr>
+                          </m:ctrlPr>
+                        </m:sSubPr>
+                        <m:e>
+                          <m:r>
+                            <a:rPr lang="fr-CH" sz="1800" b="1" i="1" u="none" strike="noStrike" baseline="0" smtClean="0">
+                              <a:latin typeface="Cambria Math" panose="02040503050406030204" pitchFamily="18" charset="0"/>
+                            </a:rPr>
+                            <m:t>𝜷</m:t>
+                          </m:r>
+                        </m:e>
+                        <m:sub>
+                          <m:r>
+                            <a:rPr lang="fr-CH" sz="1800" b="1" i="1" u="none" strike="noStrike" baseline="0" smtClean="0">
+                              <a:latin typeface="Cambria Math" panose="02040503050406030204" pitchFamily="18" charset="0"/>
+                            </a:rPr>
+                            <m:t>𝒄𝒐𝒔𝒕</m:t>
+                          </m:r>
+                        </m:sub>
+                      </m:sSub>
+                      <m:r>
+                        <a:rPr lang="fr-CH" sz="1800" b="0" i="1" u="none" strike="noStrike" baseline="0" smtClean="0">
+                          <a:latin typeface="Cambria Math" panose="02040503050406030204" pitchFamily="18" charset="0"/>
+                        </a:rPr>
+                        <m:t>⋅</m:t>
+                      </m:r>
+                      <m:r>
+                        <a:rPr lang="fr-CH" sz="1800" b="0" i="1" u="none" strike="noStrike" baseline="0" smtClean="0">
+                          <a:latin typeface="Cambria Math" panose="02040503050406030204" pitchFamily="18" charset="0"/>
+                        </a:rPr>
+                        <m:t>𝑡𝑟𝑎𝑖𝑛</m:t>
+                      </m:r>
+                      <m:r>
+                        <m:rPr>
+                          <m:lit/>
+                        </m:rPr>
+                        <a:rPr lang="fr-CH" sz="1800" b="0" i="1" u="none" strike="noStrike" baseline="0" smtClean="0">
+                          <a:latin typeface="Cambria Math" panose="02040503050406030204" pitchFamily="18" charset="0"/>
+                        </a:rPr>
+                        <m:t>_</m:t>
+                      </m:r>
+                      <m:r>
+                        <a:rPr lang="fr-CH" sz="1800" b="0" i="1" u="none" strike="noStrike" baseline="0" smtClean="0">
+                          <a:latin typeface="Cambria Math" panose="02040503050406030204" pitchFamily="18" charset="0"/>
+                        </a:rPr>
+                        <m:t>𝑐𝑜𝑠𝑡</m:t>
+                      </m:r>
+                      <m:r>
+                        <m:rPr>
+                          <m:lit/>
+                        </m:rPr>
+                        <a:rPr lang="fr-CH" sz="1800" b="0" i="1" u="none" strike="noStrike" baseline="0" smtClean="0">
+                          <a:latin typeface="Cambria Math" panose="02040503050406030204" pitchFamily="18" charset="0"/>
+                        </a:rPr>
+                        <m:t>_</m:t>
+                      </m:r>
+                      <m:r>
+                        <a:rPr lang="fr-CH" sz="1800" b="0" i="1" u="none" strike="noStrike" baseline="0" smtClean="0">
+                          <a:latin typeface="Cambria Math" panose="02040503050406030204" pitchFamily="18" charset="0"/>
+                        </a:rPr>
+                        <m:t>𝑠𝑐𝑎𝑙𝑒𝑑</m:t>
+                      </m:r>
+                    </m:oMath>
+                  </m:oMathPara>
+                </a14:m>
+                <a:endParaRPr lang="fr-CH" i="1" dirty="0">
+                  <a:latin typeface="Cambria Math" panose="02040503050406030204" pitchFamily="18" charset="0"/>
+                </a:endParaRPr>
+              </a:p>
+              <a:p>
+                <a:pPr marL="0" indent="0">
+                  <a:buNone/>
+                </a:pPr>
+                <a:endParaRPr lang="fr-CH" i="1" dirty="0">
+                  <a:latin typeface="Cambria Math" panose="02040503050406030204" pitchFamily="18" charset="0"/>
+                </a:endParaRPr>
+              </a:p>
+              <a:p>
+                <a:pPr marL="0" indent="0">
+                  <a:buNone/>
+                </a:pPr>
+                <a14:m>
+                  <m:oMathPara xmlns:m="http://schemas.openxmlformats.org/officeDocument/2006/math">
+                    <m:oMathParaPr>
+                      <m:jc m:val="centerGroup"/>
+                    </m:oMathParaPr>
+                    <m:oMath xmlns:m="http://schemas.openxmlformats.org/officeDocument/2006/math">
+                      <m:sSub>
+                        <m:sSubPr>
+                          <m:ctrlPr>
+                            <a:rPr lang="fr-CH" sz="1800" b="0" i="1" u="none" strike="noStrike" baseline="0" smtClean="0">
+                              <a:latin typeface="Cambria Math" panose="02040503050406030204" pitchFamily="18" charset="0"/>
+                            </a:rPr>
+                          </m:ctrlPr>
+                        </m:sSubPr>
+                        <m:e>
+                          <m:r>
+                            <a:rPr lang="fr-CH" sz="1800" b="0" i="1" u="none" strike="noStrike" baseline="0" smtClean="0">
+                              <a:latin typeface="Cambria Math" panose="02040503050406030204" pitchFamily="18" charset="0"/>
+                            </a:rPr>
+                            <m:t>𝑉</m:t>
+                          </m:r>
+                        </m:e>
+                        <m:sub>
+                          <m:r>
+                            <a:rPr lang="fr-CH" sz="1800" b="0" i="1" u="none" strike="noStrike" baseline="0" smtClean="0">
+                              <a:latin typeface="Cambria Math" panose="02040503050406030204" pitchFamily="18" charset="0"/>
+                            </a:rPr>
+                            <m:t>𝑐𝑎𝑟</m:t>
+                          </m:r>
+                        </m:sub>
+                      </m:sSub>
+                      <m:r>
+                        <a:rPr lang="fr-CH" sz="1800" b="0" i="1" u="none" strike="noStrike" baseline="0" smtClean="0">
+                          <a:latin typeface="Cambria Math" panose="02040503050406030204" pitchFamily="18" charset="0"/>
+                        </a:rPr>
+                        <m:t>=</m:t>
+                      </m:r>
+                      <m:r>
+                        <a:rPr lang="fr-CH" sz="1800" b="1" i="1" u="none" strike="noStrike" baseline="0" smtClean="0">
+                          <a:latin typeface="Cambria Math" panose="02040503050406030204" pitchFamily="18" charset="0"/>
+                        </a:rPr>
+                        <m:t>𝒂𝒔𝒄</m:t>
+                      </m:r>
+                      <m:r>
+                        <m:rPr>
+                          <m:lit/>
+                        </m:rPr>
+                        <a:rPr lang="fr-CH" sz="1800" b="1" i="1" u="none" strike="noStrike" baseline="0" smtClean="0">
+                          <a:latin typeface="Cambria Math" panose="02040503050406030204" pitchFamily="18" charset="0"/>
+                        </a:rPr>
+                        <m:t>_</m:t>
+                      </m:r>
+                      <m:r>
+                        <a:rPr lang="fr-CH" sz="1800" b="1" i="1" u="none" strike="noStrike" baseline="0" smtClean="0">
+                          <a:latin typeface="Cambria Math" panose="02040503050406030204" pitchFamily="18" charset="0"/>
+                        </a:rPr>
+                        <m:t>𝒄𝒂𝒓</m:t>
+                      </m:r>
+                      <m:r>
+                        <a:rPr lang="fr-CH" sz="1800" b="1" i="1" u="none" strike="noStrike" baseline="0" smtClean="0">
+                          <a:latin typeface="Cambria Math" panose="02040503050406030204" pitchFamily="18" charset="0"/>
+                        </a:rPr>
+                        <m:t>+</m:t>
+                      </m:r>
+                      <m:sSub>
+                        <m:sSubPr>
+                          <m:ctrlPr>
+                            <a:rPr lang="fr-CH" sz="1800" b="1" i="1" u="none" strike="noStrike" baseline="0" smtClean="0">
+                              <a:latin typeface="Cambria Math" panose="02040503050406030204" pitchFamily="18" charset="0"/>
+                            </a:rPr>
+                          </m:ctrlPr>
+                        </m:sSubPr>
+                        <m:e>
+                          <m:r>
+                            <a:rPr lang="fr-CH" sz="1800" b="1" i="1" u="none" strike="noStrike" baseline="0" smtClean="0">
+                              <a:latin typeface="Cambria Math" panose="02040503050406030204" pitchFamily="18" charset="0"/>
+                            </a:rPr>
+                            <m:t>𝜷</m:t>
+                          </m:r>
+                        </m:e>
+                        <m:sub>
+                          <m:r>
+                            <a:rPr lang="fr-CH" sz="1800" b="1" i="1" u="none" strike="noStrike" baseline="0" smtClean="0">
+                              <a:latin typeface="Cambria Math" panose="02040503050406030204" pitchFamily="18" charset="0"/>
+                            </a:rPr>
+                            <m:t>𝒕𝒊𝒎𝒆</m:t>
+                          </m:r>
+                          <m:r>
+                            <m:rPr>
+                              <m:lit/>
+                            </m:rPr>
+                            <a:rPr lang="fr-CH" sz="1800" b="1" i="1" u="none" strike="noStrike" baseline="0" smtClean="0">
+                              <a:latin typeface="Cambria Math" panose="02040503050406030204" pitchFamily="18" charset="0"/>
+                            </a:rPr>
+                            <m:t>_</m:t>
+                          </m:r>
+                          <m:r>
+                            <a:rPr lang="fr-CH" sz="1800" b="1" i="1" u="none" strike="noStrike" baseline="0" smtClean="0">
+                              <a:latin typeface="Cambria Math" panose="02040503050406030204" pitchFamily="18" charset="0"/>
+                            </a:rPr>
+                            <m:t>𝒓𝒏𝒅</m:t>
+                          </m:r>
+                        </m:sub>
+                      </m:sSub>
+                      <m:r>
+                        <a:rPr lang="fr-CH" sz="1800" b="0" i="1" u="none" strike="noStrike" baseline="0" smtClean="0">
+                          <a:latin typeface="Cambria Math" panose="02040503050406030204" pitchFamily="18" charset="0"/>
+                        </a:rPr>
+                        <m:t>⋅</m:t>
+                      </m:r>
+                      <m:r>
+                        <a:rPr lang="fr-CH" sz="1800" b="0" i="1" u="none" strike="noStrike" baseline="0" smtClean="0">
+                          <a:latin typeface="Cambria Math" panose="02040503050406030204" pitchFamily="18" charset="0"/>
+                        </a:rPr>
+                        <m:t>𝑐𝑎𝑟</m:t>
+                      </m:r>
+                      <m:r>
+                        <m:rPr>
+                          <m:lit/>
+                        </m:rPr>
+                        <a:rPr lang="fr-CH" sz="1800" b="0" i="1" u="none" strike="noStrike" baseline="0" smtClean="0">
+                          <a:latin typeface="Cambria Math" panose="02040503050406030204" pitchFamily="18" charset="0"/>
+                        </a:rPr>
+                        <m:t>_</m:t>
+                      </m:r>
+                      <m:r>
+                        <m:rPr>
+                          <m:sty m:val="p"/>
+                        </m:rPr>
+                        <a:rPr lang="fr-CH" sz="1800" b="0" i="1" u="none" strike="noStrike" baseline="0" smtClean="0">
+                          <a:latin typeface="Cambria Math" panose="02040503050406030204" pitchFamily="18" charset="0"/>
+                        </a:rPr>
+                        <m:t>tt</m:t>
+                      </m:r>
+                      <m:r>
+                        <m:rPr>
+                          <m:lit/>
+                        </m:rPr>
+                        <a:rPr lang="fr-CH" sz="1800" b="0" i="1" u="none" strike="noStrike" baseline="0" smtClean="0">
+                          <a:latin typeface="Cambria Math" panose="02040503050406030204" pitchFamily="18" charset="0"/>
+                        </a:rPr>
+                        <m:t>_</m:t>
+                      </m:r>
+                      <m:r>
+                        <a:rPr lang="fr-CH" sz="1800" b="0" i="1" u="none" strike="noStrike" baseline="0" smtClean="0">
+                          <a:latin typeface="Cambria Math" panose="02040503050406030204" pitchFamily="18" charset="0"/>
+                        </a:rPr>
+                        <m:t>𝑠𝑐𝑎𝑙𝑒𝑑</m:t>
+                      </m:r>
+                      <m:r>
+                        <a:rPr lang="fr-CH" sz="1800" b="0" i="1" u="none" strike="noStrike" baseline="0" smtClean="0">
+                          <a:latin typeface="Cambria Math" panose="02040503050406030204" pitchFamily="18" charset="0"/>
+                        </a:rPr>
+                        <m:t> +</m:t>
+                      </m:r>
+                      <m:sSub>
+                        <m:sSubPr>
+                          <m:ctrlPr>
+                            <a:rPr lang="fr-CH" sz="1800" b="1" i="1" u="none" strike="noStrike" baseline="0" smtClean="0">
+                              <a:latin typeface="Cambria Math" panose="02040503050406030204" pitchFamily="18" charset="0"/>
+                            </a:rPr>
+                          </m:ctrlPr>
+                        </m:sSubPr>
+                        <m:e>
+                          <m:r>
+                            <a:rPr lang="fr-CH" sz="1800" b="1" i="1" u="none" strike="noStrike" baseline="0" smtClean="0">
+                              <a:latin typeface="Cambria Math" panose="02040503050406030204" pitchFamily="18" charset="0"/>
+                            </a:rPr>
+                            <m:t>𝜷</m:t>
+                          </m:r>
+                        </m:e>
+                        <m:sub>
+                          <m:r>
+                            <a:rPr lang="fr-CH" sz="1800" b="1" i="1" u="none" strike="noStrike" baseline="0" smtClean="0">
+                              <a:latin typeface="Cambria Math" panose="02040503050406030204" pitchFamily="18" charset="0"/>
+                            </a:rPr>
+                            <m:t>𝒄𝒐𝒔𝒕</m:t>
+                          </m:r>
+                        </m:sub>
+                      </m:sSub>
+                      <m:r>
+                        <a:rPr lang="fr-CH" sz="1800" b="0" i="1" u="none" strike="noStrike" baseline="0" smtClean="0">
+                          <a:latin typeface="Cambria Math" panose="02040503050406030204" pitchFamily="18" charset="0"/>
+                        </a:rPr>
+                        <m:t>⋅</m:t>
+                      </m:r>
+                      <m:r>
+                        <a:rPr lang="fr-CH" sz="1800" b="0" i="1" u="none" strike="noStrike" baseline="0" smtClean="0">
+                          <a:latin typeface="Cambria Math" panose="02040503050406030204" pitchFamily="18" charset="0"/>
+                        </a:rPr>
+                        <m:t>𝑐𝑎𝑟</m:t>
+                      </m:r>
+                      <m:r>
+                        <m:rPr>
+                          <m:lit/>
+                        </m:rPr>
+                        <a:rPr lang="fr-CH" sz="1800" b="0" i="1" u="none" strike="noStrike" baseline="0" smtClean="0">
+                          <a:latin typeface="Cambria Math" panose="02040503050406030204" pitchFamily="18" charset="0"/>
+                        </a:rPr>
+                        <m:t>_</m:t>
+                      </m:r>
+                      <m:r>
+                        <a:rPr lang="fr-CH" sz="1800" b="0" i="1" u="none" strike="noStrike" baseline="0" smtClean="0">
+                          <a:latin typeface="Cambria Math" panose="02040503050406030204" pitchFamily="18" charset="0"/>
+                        </a:rPr>
+                        <m:t>𝑐𝑜𝑠𝑡</m:t>
+                      </m:r>
+                      <m:r>
+                        <m:rPr>
+                          <m:lit/>
+                        </m:rPr>
+                        <a:rPr lang="fr-CH" sz="1800" b="0" i="1" u="none" strike="noStrike" baseline="0" smtClean="0">
+                          <a:latin typeface="Cambria Math" panose="02040503050406030204" pitchFamily="18" charset="0"/>
+                        </a:rPr>
+                        <m:t>_</m:t>
+                      </m:r>
+                      <m:r>
+                        <a:rPr lang="fr-CH" sz="1800" b="0" i="1" u="none" strike="noStrike" baseline="0" smtClean="0">
+                          <a:latin typeface="Cambria Math" panose="02040503050406030204" pitchFamily="18" charset="0"/>
+                        </a:rPr>
+                        <m:t>𝑠𝑐𝑎𝑙𝑒𝑑</m:t>
+                      </m:r>
+                    </m:oMath>
+                  </m:oMathPara>
+                </a14:m>
+                <a:endParaRPr lang="fr-CH" sz="1800" b="0" i="0" u="none" strike="noStrike" baseline="0" dirty="0">
+                  <a:latin typeface="CMR12"/>
+                </a:endParaRPr>
+              </a:p>
+              <a:p>
+                <a:pPr marL="0" indent="0">
+                  <a:buNone/>
+                </a:pPr>
+                <a:endParaRPr lang="fr-CH" dirty="0">
+                  <a:latin typeface="CMR12"/>
+                </a:endParaRPr>
+              </a:p>
+              <a:p>
+                <a:pPr marL="0" indent="0">
+                  <a:buNone/>
+                </a:pPr>
+                <a14:m>
+                  <m:oMathPara xmlns:m="http://schemas.openxmlformats.org/officeDocument/2006/math">
+                    <m:oMathParaPr>
+                      <m:jc m:val="centerGroup"/>
+                    </m:oMathParaPr>
+                    <m:oMath xmlns:m="http://schemas.openxmlformats.org/officeDocument/2006/math">
+                      <m:sSub>
+                        <m:sSubPr>
+                          <m:ctrlPr>
+                            <a:rPr lang="fr-CH" sz="1800" b="0" i="1" u="none" strike="noStrike" baseline="0" smtClean="0">
+                              <a:latin typeface="Cambria Math" panose="02040503050406030204" pitchFamily="18" charset="0"/>
+                            </a:rPr>
+                          </m:ctrlPr>
+                        </m:sSubPr>
+                        <m:e>
+                          <m:r>
+                            <a:rPr lang="fr-CH" sz="1800" b="0" i="1" u="none" strike="noStrike" baseline="0" smtClean="0">
+                              <a:latin typeface="Cambria Math" panose="02040503050406030204" pitchFamily="18" charset="0"/>
+                            </a:rPr>
+                            <m:t>𝑉</m:t>
+                          </m:r>
+                        </m:e>
+                        <m:sub>
+                          <m:r>
+                            <a:rPr lang="fr-CH" sz="1800" b="0" i="1" u="none" strike="noStrike" baseline="0" smtClean="0">
+                              <a:latin typeface="Cambria Math" panose="02040503050406030204" pitchFamily="18" charset="0"/>
+                            </a:rPr>
+                            <m:t>𝑠𝑚</m:t>
+                          </m:r>
+                        </m:sub>
+                      </m:sSub>
+                      <m:r>
+                        <a:rPr lang="fr-CH" sz="1800" b="0" i="0" u="none" strike="noStrike" baseline="0" smtClean="0">
+                          <a:latin typeface="Cambria Math" panose="02040503050406030204" pitchFamily="18" charset="0"/>
+                        </a:rPr>
+                        <m:t>=</m:t>
+                      </m:r>
+                      <m:r>
+                        <a:rPr lang="fr-CH" sz="1800" b="0" i="1" u="none" strike="noStrike" baseline="0" smtClean="0">
+                          <a:latin typeface="Cambria Math" panose="02040503050406030204" pitchFamily="18" charset="0"/>
+                        </a:rPr>
+                        <m:t>0+ </m:t>
+                      </m:r>
+                      <m:sSub>
+                        <m:sSubPr>
+                          <m:ctrlPr>
+                            <a:rPr lang="fr-CH" sz="1800" b="1" i="1" u="none" strike="noStrike" baseline="0" smtClean="0">
+                              <a:latin typeface="Cambria Math" panose="02040503050406030204" pitchFamily="18" charset="0"/>
+                            </a:rPr>
+                          </m:ctrlPr>
+                        </m:sSubPr>
+                        <m:e>
+                          <m:r>
+                            <a:rPr lang="fr-CH" sz="1800" b="1" i="1" u="none" strike="noStrike" baseline="0" smtClean="0">
+                              <a:latin typeface="Cambria Math" panose="02040503050406030204" pitchFamily="18" charset="0"/>
+                            </a:rPr>
+                            <m:t>𝜷</m:t>
+                          </m:r>
+                        </m:e>
+                        <m:sub>
+                          <m:r>
+                            <a:rPr lang="fr-CH" sz="1800" b="1" i="1" u="none" strike="noStrike" baseline="0" smtClean="0">
+                              <a:latin typeface="Cambria Math" panose="02040503050406030204" pitchFamily="18" charset="0"/>
+                            </a:rPr>
+                            <m:t>𝒕𝒊𝒎𝒆</m:t>
+                          </m:r>
+                          <m:r>
+                            <m:rPr>
+                              <m:lit/>
+                            </m:rPr>
+                            <a:rPr lang="fr-CH" sz="1800" b="1" i="1" u="none" strike="noStrike" baseline="0" smtClean="0">
+                              <a:latin typeface="Cambria Math" panose="02040503050406030204" pitchFamily="18" charset="0"/>
+                            </a:rPr>
+                            <m:t>_</m:t>
+                          </m:r>
+                          <m:r>
+                            <a:rPr lang="fr-CH" sz="1800" b="1" i="1" u="none" strike="noStrike" baseline="0" smtClean="0">
+                              <a:latin typeface="Cambria Math" panose="02040503050406030204" pitchFamily="18" charset="0"/>
+                            </a:rPr>
+                            <m:t>𝒓𝒏𝒅</m:t>
+                          </m:r>
+                        </m:sub>
+                      </m:sSub>
+                      <m:r>
+                        <a:rPr lang="fr-CH" sz="1800" b="0" i="1" u="none" strike="noStrike" baseline="0" smtClean="0">
+                          <a:latin typeface="Cambria Math" panose="02040503050406030204" pitchFamily="18" charset="0"/>
+                        </a:rPr>
+                        <m:t>⋅</m:t>
+                      </m:r>
+                      <m:r>
+                        <a:rPr lang="fr-CH" sz="1800" b="0" i="1" u="none" strike="noStrike" baseline="0" smtClean="0">
+                          <a:latin typeface="Cambria Math" panose="02040503050406030204" pitchFamily="18" charset="0"/>
+                        </a:rPr>
+                        <m:t>𝑠𝑚</m:t>
+                      </m:r>
+                      <m:r>
+                        <m:rPr>
+                          <m:lit/>
+                        </m:rPr>
+                        <a:rPr lang="fr-CH" sz="1800" b="0" i="1" u="none" strike="noStrike" baseline="0" smtClean="0">
+                          <a:latin typeface="Cambria Math" panose="02040503050406030204" pitchFamily="18" charset="0"/>
+                        </a:rPr>
+                        <m:t>_</m:t>
+                      </m:r>
+                      <m:r>
+                        <m:rPr>
+                          <m:sty m:val="p"/>
+                        </m:rPr>
+                        <a:rPr lang="fr-CH" sz="1800" b="0" i="1" u="none" strike="noStrike" baseline="0" smtClean="0">
+                          <a:latin typeface="Cambria Math" panose="02040503050406030204" pitchFamily="18" charset="0"/>
+                        </a:rPr>
+                        <m:t>tt</m:t>
+                      </m:r>
+                      <m:r>
+                        <m:rPr>
+                          <m:lit/>
+                        </m:rPr>
+                        <a:rPr lang="fr-CH" sz="1800" b="0" i="1" u="none" strike="noStrike" baseline="0" smtClean="0">
+                          <a:latin typeface="Cambria Math" panose="02040503050406030204" pitchFamily="18" charset="0"/>
+                        </a:rPr>
+                        <m:t>_</m:t>
+                      </m:r>
+                      <m:r>
+                        <a:rPr lang="fr-CH" sz="1800" b="0" i="1" u="none" strike="noStrike" baseline="0" smtClean="0">
+                          <a:latin typeface="Cambria Math" panose="02040503050406030204" pitchFamily="18" charset="0"/>
+                        </a:rPr>
+                        <m:t>𝑠𝑐𝑎𝑙𝑒𝑑</m:t>
+                      </m:r>
+                      <m:r>
+                        <a:rPr lang="fr-CH" sz="1800" b="0" i="1" u="none" strike="noStrike" baseline="0" smtClean="0">
+                          <a:latin typeface="Cambria Math" panose="02040503050406030204" pitchFamily="18" charset="0"/>
+                        </a:rPr>
+                        <m:t> +</m:t>
+                      </m:r>
+                      <m:sSub>
+                        <m:sSubPr>
+                          <m:ctrlPr>
+                            <a:rPr lang="fr-CH" sz="1800" b="1" i="1" u="none" strike="noStrike" baseline="0" smtClean="0">
+                              <a:latin typeface="Cambria Math" panose="02040503050406030204" pitchFamily="18" charset="0"/>
+                            </a:rPr>
+                          </m:ctrlPr>
+                        </m:sSubPr>
+                        <m:e>
+                          <m:r>
+                            <a:rPr lang="fr-CH" sz="1800" b="1" i="1" u="none" strike="noStrike" baseline="0" smtClean="0">
+                              <a:latin typeface="Cambria Math" panose="02040503050406030204" pitchFamily="18" charset="0"/>
+                            </a:rPr>
+                            <m:t>𝜷</m:t>
+                          </m:r>
+                        </m:e>
+                        <m:sub>
+                          <m:r>
+                            <a:rPr lang="fr-CH" sz="1800" b="1" i="1" u="none" strike="noStrike" baseline="0" smtClean="0">
+                              <a:latin typeface="Cambria Math" panose="02040503050406030204" pitchFamily="18" charset="0"/>
+                            </a:rPr>
+                            <m:t>𝒄𝒐𝒔𝒕</m:t>
+                          </m:r>
+                        </m:sub>
+                      </m:sSub>
+                      <m:r>
+                        <a:rPr lang="fr-CH" sz="1800" b="0" i="1" u="none" strike="noStrike" baseline="0" smtClean="0">
+                          <a:latin typeface="Cambria Math" panose="02040503050406030204" pitchFamily="18" charset="0"/>
+                        </a:rPr>
+                        <m:t>⋅</m:t>
+                      </m:r>
+                      <m:r>
+                        <a:rPr lang="fr-CH" sz="1800" b="0" i="1" u="none" strike="noStrike" baseline="0" smtClean="0">
+                          <a:latin typeface="Cambria Math" panose="02040503050406030204" pitchFamily="18" charset="0"/>
+                        </a:rPr>
+                        <m:t>𝑠𝑚</m:t>
+                      </m:r>
+                      <m:r>
+                        <m:rPr>
+                          <m:lit/>
+                        </m:rPr>
+                        <a:rPr lang="fr-CH" sz="1800" b="0" i="1" u="none" strike="noStrike" baseline="0" smtClean="0">
+                          <a:latin typeface="Cambria Math" panose="02040503050406030204" pitchFamily="18" charset="0"/>
+                        </a:rPr>
+                        <m:t>_</m:t>
+                      </m:r>
+                      <m:r>
+                        <a:rPr lang="fr-CH" sz="1800" b="0" i="1" u="none" strike="noStrike" baseline="0" smtClean="0">
+                          <a:latin typeface="Cambria Math" panose="02040503050406030204" pitchFamily="18" charset="0"/>
+                        </a:rPr>
+                        <m:t>𝑐𝑜𝑠𝑡</m:t>
+                      </m:r>
+                      <m:r>
+                        <m:rPr>
+                          <m:lit/>
+                        </m:rPr>
+                        <a:rPr lang="fr-CH" sz="1800" b="0" i="1" u="none" strike="noStrike" baseline="0" smtClean="0">
+                          <a:latin typeface="Cambria Math" panose="02040503050406030204" pitchFamily="18" charset="0"/>
+                        </a:rPr>
+                        <m:t>_</m:t>
+                      </m:r>
+                      <m:r>
+                        <a:rPr lang="fr-CH" sz="1800" b="0" i="1" u="none" strike="noStrike" baseline="0" smtClean="0">
+                          <a:latin typeface="Cambria Math" panose="02040503050406030204" pitchFamily="18" charset="0"/>
+                        </a:rPr>
+                        <m:t>𝑠𝑐𝑎𝑙𝑒𝑑</m:t>
+                      </m:r>
+                    </m:oMath>
+                  </m:oMathPara>
+                </a14:m>
+                <a:endParaRPr lang="fr-CH" sz="1800" b="0" i="0" u="none" strike="noStrike" baseline="0" dirty="0">
+                  <a:latin typeface="CMR12"/>
+                </a:endParaRPr>
+              </a:p>
+              <a:p>
+                <a:pPr marL="0" indent="0">
+                  <a:buNone/>
+                </a:pPr>
+                <a:endParaRPr lang="fr-CH" sz="1800" b="0" i="0" u="none" strike="noStrike" baseline="0" dirty="0">
+                  <a:latin typeface="CMR12"/>
+                </a:endParaRPr>
+              </a:p>
+              <a:p>
+                <a:pPr marL="0" indent="0">
+                  <a:buNone/>
+                </a:pPr>
+                <a:endParaRPr lang="fr-CH" sz="1800" b="0" i="0" u="none" strike="noStrike" baseline="0" dirty="0">
+                  <a:latin typeface="CMR12"/>
+                </a:endParaRPr>
+              </a:p>
+              <a:p>
+                <a:pPr marL="0" indent="0">
+                  <a:buNone/>
+                </a:pPr>
+                <a:r>
+                  <a:rPr lang="fr-CH" dirty="0">
+                    <a:latin typeface="CMR12"/>
+                  </a:rPr>
+                  <a:t>	</a:t>
+                </a:r>
+                <a14:m>
+                  <m:oMath xmlns:m="http://schemas.openxmlformats.org/officeDocument/2006/math">
+                    <m:sSub>
+                      <m:sSubPr>
+                        <m:ctrlPr>
+                          <a:rPr lang="fr-CH" sz="1800" b="1" i="1" u="none" strike="noStrike" baseline="0" smtClean="0">
+                            <a:latin typeface="Cambria Math" panose="02040503050406030204" pitchFamily="18" charset="0"/>
+                          </a:rPr>
+                        </m:ctrlPr>
+                      </m:sSubPr>
+                      <m:e>
+                        <m:r>
+                          <a:rPr lang="fr-CH" sz="1800" b="1" i="1" u="none" strike="noStrike" baseline="0" smtClean="0">
+                            <a:latin typeface="Cambria Math" panose="02040503050406030204" pitchFamily="18" charset="0"/>
+                          </a:rPr>
+                          <m:t>𝜷</m:t>
+                        </m:r>
+                      </m:e>
+                      <m:sub>
+                        <m:r>
+                          <a:rPr lang="fr-CH" sz="1800" b="1" i="1" u="none" strike="noStrike" baseline="0" smtClean="0">
+                            <a:latin typeface="Cambria Math" panose="02040503050406030204" pitchFamily="18" charset="0"/>
+                          </a:rPr>
+                          <m:t>𝒕𝒊𝒎𝒆</m:t>
+                        </m:r>
+                        <m:r>
+                          <m:rPr>
+                            <m:lit/>
+                          </m:rPr>
+                          <a:rPr lang="fr-CH" sz="1800" b="1" i="1" u="none" strike="noStrike" baseline="0" smtClean="0">
+                            <a:latin typeface="Cambria Math" panose="02040503050406030204" pitchFamily="18" charset="0"/>
+                          </a:rPr>
+                          <m:t>_</m:t>
+                        </m:r>
+                        <m:r>
+                          <a:rPr lang="fr-CH" sz="1800" b="1" i="1" u="none" strike="noStrike" baseline="0" smtClean="0">
+                            <a:latin typeface="Cambria Math" panose="02040503050406030204" pitchFamily="18" charset="0"/>
+                          </a:rPr>
+                          <m:t>𝒓𝒏𝒅</m:t>
+                        </m:r>
+                      </m:sub>
+                    </m:sSub>
+                    <m:r>
+                      <a:rPr lang="fr-CH" sz="1800" b="0" i="1" u="none" strike="noStrike" baseline="0" smtClean="0">
+                        <a:latin typeface="Cambria Math" panose="02040503050406030204" pitchFamily="18" charset="0"/>
+                      </a:rPr>
+                      <m:t>=</m:t>
+                    </m:r>
+                    <m:sSub>
+                      <m:sSubPr>
+                        <m:ctrlPr>
+                          <a:rPr lang="fr-CH" sz="1800" b="1" i="1" u="none" strike="noStrike" baseline="0" smtClean="0">
+                            <a:latin typeface="Cambria Math" panose="02040503050406030204" pitchFamily="18" charset="0"/>
+                          </a:rPr>
+                        </m:ctrlPr>
+                      </m:sSubPr>
+                      <m:e>
+                        <m:r>
+                          <a:rPr lang="fr-CH" sz="1800" b="1" i="1" u="none" strike="noStrike" baseline="0" smtClean="0">
+                            <a:latin typeface="Cambria Math" panose="02040503050406030204" pitchFamily="18" charset="0"/>
+                          </a:rPr>
+                          <m:t>𝜷</m:t>
+                        </m:r>
+                      </m:e>
+                      <m:sub>
+                        <m:r>
+                          <a:rPr lang="fr-CH" sz="1800" b="1" i="1" u="none" strike="noStrike" baseline="0" smtClean="0">
+                            <a:latin typeface="Cambria Math" panose="02040503050406030204" pitchFamily="18" charset="0"/>
+                          </a:rPr>
+                          <m:t>𝒕𝒊𝒎𝒆</m:t>
+                        </m:r>
+                      </m:sub>
+                    </m:sSub>
+                  </m:oMath>
+                </a14:m>
+                <a:endParaRPr lang="fr-CH" sz="1800" b="1" i="1" u="none" strike="noStrike" baseline="0" dirty="0">
+                  <a:latin typeface="Cambria Math" panose="02040503050406030204" pitchFamily="18" charset="0"/>
+                </a:endParaRPr>
+              </a:p>
+              <a:p>
+                <a:pPr marL="0" indent="0">
+                  <a:buNone/>
+                </a:pPr>
+                <a:r>
+                  <a:rPr lang="fr-CH" sz="1800" b="0" u="none" strike="noStrike" baseline="0" dirty="0"/>
+                  <a:t>		</a:t>
+                </a:r>
+                <a14:m>
+                  <m:oMath xmlns:m="http://schemas.openxmlformats.org/officeDocument/2006/math">
+                    <m:r>
+                      <a:rPr lang="fr-CH" sz="1800" b="0" i="0" u="none" strike="noStrike" baseline="0" smtClean="0">
+                        <a:latin typeface="Cambria Math" panose="02040503050406030204" pitchFamily="18" charset="0"/>
+                      </a:rPr>
+                      <m:t>      </m:t>
+                    </m:r>
+                    <m:r>
+                      <a:rPr lang="fr-CH" sz="1800" b="0" i="1" u="none" strike="noStrike" baseline="0" smtClean="0">
+                        <a:latin typeface="Cambria Math" panose="02040503050406030204" pitchFamily="18" charset="0"/>
+                      </a:rPr>
+                      <m:t>+</m:t>
+                    </m:r>
+                    <m:sSub>
+                      <m:sSubPr>
+                        <m:ctrlPr>
+                          <a:rPr lang="fr-CH" sz="1800" b="1" i="1" u="none" strike="noStrike" baseline="0" smtClean="0">
+                            <a:latin typeface="Cambria Math" panose="02040503050406030204" pitchFamily="18" charset="0"/>
+                          </a:rPr>
+                        </m:ctrlPr>
+                      </m:sSubPr>
+                      <m:e>
+                        <m:r>
+                          <a:rPr lang="fr-CH" sz="1800" b="1" i="1" u="none" strike="noStrike" baseline="0" smtClean="0">
+                            <a:latin typeface="Cambria Math" panose="02040503050406030204" pitchFamily="18" charset="0"/>
+                          </a:rPr>
+                          <m:t> </m:t>
+                        </m:r>
+                        <m:r>
+                          <a:rPr lang="fr-CH" sz="1800" b="1" i="1" u="none" strike="noStrike" baseline="0" smtClean="0">
+                            <a:latin typeface="Cambria Math" panose="02040503050406030204" pitchFamily="18" charset="0"/>
+                          </a:rPr>
+                          <m:t>𝜷</m:t>
+                        </m:r>
+                      </m:e>
+                      <m:sub>
+                        <m:r>
+                          <a:rPr lang="fr-CH" sz="1800" b="1" i="1" u="none" strike="noStrike" baseline="0" smtClean="0">
+                            <a:latin typeface="Cambria Math" panose="02040503050406030204" pitchFamily="18" charset="0"/>
+                          </a:rPr>
+                          <m:t>𝒕𝒊𝒎𝒆</m:t>
+                        </m:r>
+                        <m:r>
+                          <m:rPr>
+                            <m:lit/>
+                          </m:rPr>
+                          <a:rPr lang="fr-CH" sz="1800" b="1" i="1" u="none" strike="noStrike" baseline="0" smtClean="0">
+                            <a:latin typeface="Cambria Math" panose="02040503050406030204" pitchFamily="18" charset="0"/>
+                          </a:rPr>
+                          <m:t>_</m:t>
+                        </m:r>
+                        <m:r>
+                          <a:rPr lang="fr-CH" sz="1800" b="1" i="1" u="none" strike="noStrike" baseline="0" smtClean="0">
+                            <a:latin typeface="Cambria Math" panose="02040503050406030204" pitchFamily="18" charset="0"/>
+                          </a:rPr>
+                          <m:t>𝒔𝒏</m:t>
+                        </m:r>
+                      </m:sub>
+                    </m:sSub>
+                    <m:r>
+                      <a:rPr lang="fr-CH" sz="1800" b="0" i="1" u="none" strike="noStrike" baseline="0" smtClean="0">
+                        <a:latin typeface="Cambria Math" panose="02040503050406030204" pitchFamily="18" charset="0"/>
+                      </a:rPr>
+                      <m:t>⋅</m:t>
+                    </m:r>
+                    <m:r>
+                      <m:rPr>
+                        <m:nor/>
+                      </m:rPr>
+                      <a:rPr lang="fr-CH" sz="1800" b="0" i="0" u="none" strike="noStrike" baseline="0" smtClean="0">
+                        <a:latin typeface="Cambria Math" panose="02040503050406030204" pitchFamily="18" charset="0"/>
+                      </a:rPr>
+                      <m:t> </m:t>
+                    </m:r>
+                    <m:r>
+                      <m:rPr>
+                        <m:nor/>
+                      </m:rPr>
+                      <a:rPr lang="fr-CH" sz="1800" b="0" i="0" u="none" strike="noStrike" baseline="0" smtClean="0">
+                        <a:latin typeface="Cambria Math" panose="02040503050406030204" pitchFamily="18" charset="0"/>
+                      </a:rPr>
+                      <m:t>bioDraws</m:t>
+                    </m:r>
+                    <m:r>
+                      <m:rPr>
+                        <m:nor/>
+                      </m:rPr>
+                      <a:rPr lang="fr-CH" sz="1800" b="0" i="0" u="none" strike="noStrike" baseline="0" smtClean="0">
+                        <a:latin typeface="Cambria Math" panose="02040503050406030204" pitchFamily="18" charset="0"/>
+                      </a:rPr>
+                      <m:t>('</m:t>
+                    </m:r>
+                    <m:r>
+                      <m:rPr>
+                        <m:nor/>
+                      </m:rPr>
+                      <a:rPr lang="fr-CH" sz="1800" b="0" i="0" u="none" strike="noStrike" baseline="0" smtClean="0">
+                        <a:latin typeface="Cambria Math" panose="02040503050406030204" pitchFamily="18" charset="0"/>
+                      </a:rPr>
+                      <m:t>B</m:t>
+                    </m:r>
+                    <m:r>
+                      <m:rPr>
+                        <m:nor/>
+                      </m:rPr>
+                      <a:rPr lang="fr-CH" sz="1800" b="0" i="0" u="none" strike="noStrike" baseline="0" smtClean="0">
+                        <a:latin typeface="Cambria Math" panose="02040503050406030204" pitchFamily="18" charset="0"/>
+                      </a:rPr>
+                      <m:t>_</m:t>
+                    </m:r>
+                    <m:r>
+                      <m:rPr>
+                        <m:nor/>
+                      </m:rPr>
+                      <a:rPr lang="fr-CH" sz="1800" b="0" i="0" u="none" strike="noStrike" baseline="0" smtClean="0">
+                        <a:latin typeface="Cambria Math" panose="02040503050406030204" pitchFamily="18" charset="0"/>
+                      </a:rPr>
+                      <m:t>TIME</m:t>
+                    </m:r>
+                    <m:r>
+                      <m:rPr>
+                        <m:nor/>
+                      </m:rPr>
+                      <a:rPr lang="fr-CH" sz="1800" b="0" i="0" u="none" strike="noStrike" baseline="0" smtClean="0">
+                        <a:latin typeface="Cambria Math" panose="02040503050406030204" pitchFamily="18" charset="0"/>
+                      </a:rPr>
+                      <m:t>_</m:t>
+                    </m:r>
+                    <m:r>
+                      <m:rPr>
+                        <m:nor/>
+                      </m:rPr>
+                      <a:rPr lang="fr-CH" sz="1800" b="0" i="0" u="none" strike="noStrike" baseline="0" smtClean="0">
+                        <a:latin typeface="Cambria Math" panose="02040503050406030204" pitchFamily="18" charset="0"/>
+                      </a:rPr>
+                      <m:t>RND</m:t>
+                    </m:r>
+                    <m:r>
+                      <m:rPr>
+                        <m:nor/>
+                      </m:rPr>
+                      <a:rPr lang="fr-CH" sz="1800" b="0" i="0" u="none" strike="noStrike" baseline="0" smtClean="0">
+                        <a:latin typeface="Cambria Math" panose="02040503050406030204" pitchFamily="18" charset="0"/>
+                      </a:rPr>
+                      <m:t>', '</m:t>
+                    </m:r>
+                    <m:r>
+                      <m:rPr>
+                        <m:nor/>
+                      </m:rPr>
+                      <a:rPr lang="fr-CH" sz="1800" b="0" i="0" u="none" strike="noStrike" baseline="0" smtClean="0">
+                        <a:latin typeface="Cambria Math" panose="02040503050406030204" pitchFamily="18" charset="0"/>
+                      </a:rPr>
+                      <m:t>NORMAL</m:t>
+                    </m:r>
+                    <m:r>
+                      <m:rPr>
+                        <m:nor/>
+                      </m:rPr>
+                      <a:rPr lang="fr-CH" sz="1800" b="0" i="0" u="none" strike="noStrike" baseline="0" smtClean="0">
+                        <a:latin typeface="Cambria Math" panose="02040503050406030204" pitchFamily="18" charset="0"/>
+                      </a:rPr>
+                      <m:t>_</m:t>
+                    </m:r>
+                    <m:r>
+                      <m:rPr>
+                        <m:nor/>
+                      </m:rPr>
+                      <a:rPr lang="fr-CH" sz="1800" b="0" i="0" u="none" strike="noStrike" baseline="0" smtClean="0">
+                        <a:latin typeface="Cambria Math" panose="02040503050406030204" pitchFamily="18" charset="0"/>
+                      </a:rPr>
+                      <m:t>HALTON</m:t>
+                    </m:r>
+                    <m:r>
+                      <m:rPr>
+                        <m:nor/>
+                      </m:rPr>
+                      <a:rPr lang="fr-CH" sz="1800" b="0" i="0" u="none" strike="noStrike" baseline="0" smtClean="0">
+                        <a:latin typeface="Cambria Math" panose="02040503050406030204" pitchFamily="18" charset="0"/>
+                      </a:rPr>
+                      <m:t>3')</m:t>
+                    </m:r>
+                  </m:oMath>
+                </a14:m>
+                <a:endParaRPr lang="fr-CH" sz="1800" b="0" i="0" u="none" strike="noStrike" baseline="0" dirty="0">
+                  <a:latin typeface="CMR12"/>
+                </a:endParaRPr>
+              </a:p>
+              <a:p>
+                <a:pPr marL="0" indent="0">
+                  <a:buNone/>
+                </a:pPr>
+                <a:endParaRPr lang="fr-CH" sz="1800" b="0" i="0" u="none" strike="noStrike" baseline="0" dirty="0">
+                  <a:latin typeface="CMR12"/>
+                </a:endParaRPr>
+              </a:p>
+              <a:p>
+                <a:pPr marL="0" indent="0">
+                  <a:buNone/>
+                </a:pPr>
+                <a:endParaRPr lang="en-US" sz="1800" b="0" i="0" u="none" strike="noStrike" baseline="0" dirty="0">
+                  <a:latin typeface="CMR12"/>
+                </a:endParaRPr>
+              </a:p>
+            </p:txBody>
+          </p:sp>
+        </mc:Choice>
+        <mc:Fallback>
+          <p:sp>
+            <p:nvSpPr>
+              <p:cNvPr id="3" name="Espace réservé du texte 2">
+                <a:extLst>
+                  <a:ext uri="{FF2B5EF4-FFF2-40B4-BE49-F238E27FC236}">
+                    <a16:creationId xmlns:a16="http://schemas.microsoft.com/office/drawing/2014/main" id="{334C28A0-A184-8649-A9A4-2BFB1D02EBB5}"/>
+                  </a:ext>
+                </a:extLst>
+              </p:cNvPr>
+              <p:cNvSpPr>
+                <a:spLocks noGrp="1" noRot="1" noChangeAspect="1" noMove="1" noResize="1" noEditPoints="1" noAdjustHandles="1" noChangeArrowheads="1" noChangeShapeType="1" noTextEdit="1"/>
+              </p:cNvSpPr>
+              <p:nvPr>
+                <p:ph type="body" sz="quarter" idx="17"/>
+              </p:nvPr>
+            </p:nvSpPr>
+            <p:spPr>
+              <a:xfrm>
+                <a:off x="532737" y="1214638"/>
+                <a:ext cx="8019126" cy="3573067"/>
+              </a:xfrm>
+              <a:blipFill>
+                <a:blip r:embed="rId3"/>
+                <a:stretch>
+                  <a:fillRect/>
+                </a:stretch>
+              </a:blipFill>
+            </p:spPr>
+            <p:txBody>
+              <a:bodyPr/>
+              <a:lstStyle/>
+              <a:p>
+                <a:r>
+                  <a:rPr lang="en-GB">
+                    <a:noFill/>
+                  </a:rPr>
+                  <a:t> </a:t>
+                </a:r>
+              </a:p>
+            </p:txBody>
+          </p:sp>
+        </mc:Fallback>
+      </mc:AlternateContent>
+      <p:sp>
+        <p:nvSpPr>
+          <p:cNvPr id="4" name="Espace réservé de la date 3">
+            <a:extLst>
+              <a:ext uri="{FF2B5EF4-FFF2-40B4-BE49-F238E27FC236}">
+                <a16:creationId xmlns:a16="http://schemas.microsoft.com/office/drawing/2014/main" id="{A468D869-FEAE-4E41-8088-2B1F1C600E34}"/>
+              </a:ext>
+            </a:extLst>
+          </p:cNvPr>
+          <p:cNvSpPr>
+            <a:spLocks noGrp="1"/>
+          </p:cNvSpPr>
+          <p:nvPr>
+            <p:ph type="dt" sz="half" idx="18"/>
           </p:nvPr>
         </p:nvSpPr>
         <p:spPr/>
@@ -5792,72 +6734,8 @@
           <a:lstStyle/>
           <a:p>
             <a:r>
-              <a:rPr lang="fr-FR" dirty="0"/>
-              <a:t>Second Model</a:t>
-            </a:r>
-          </a:p>
-        </p:txBody>
-      </p:sp>
-      <p:sp>
-        <p:nvSpPr>
-          <p:cNvPr id="3" name="Espace réservé du texte 2">
-            <a:extLst>
-              <a:ext uri="{FF2B5EF4-FFF2-40B4-BE49-F238E27FC236}">
-                <a16:creationId xmlns:a16="http://schemas.microsoft.com/office/drawing/2014/main" id="{935D3C24-6B99-BB48-AB10-AA3CB1F67CB4}"/>
-              </a:ext>
-            </a:extLst>
-          </p:cNvPr>
-          <p:cNvSpPr>
-            <a:spLocks noGrp="1"/>
-          </p:cNvSpPr>
-          <p:nvPr>
-            <p:ph type="body" idx="1"/>
-          </p:nvPr>
-        </p:nvSpPr>
-        <p:spPr/>
-        <p:txBody>
-          <a:bodyPr/>
-          <a:lstStyle/>
-          <a:p>
-            <a:r>
-              <a:rPr lang="fr-FR" i="1" dirty="0"/>
-              <a:t>MMNL </a:t>
-            </a:r>
-            <a:r>
-              <a:rPr lang="en-GB" i="1" dirty="0"/>
-              <a:t>Preferences</a:t>
-            </a:r>
-            <a:r>
-              <a:rPr lang="fr-FR" i="1" dirty="0"/>
-              <a:t> Model</a:t>
-            </a:r>
-          </a:p>
-        </p:txBody>
-      </p:sp>
-      <p:sp>
-        <p:nvSpPr>
-          <p:cNvPr id="5" name="Espace réservé de la date 4">
-            <a:extLst>
-              <a:ext uri="{FF2B5EF4-FFF2-40B4-BE49-F238E27FC236}">
-                <a16:creationId xmlns:a16="http://schemas.microsoft.com/office/drawing/2014/main" id="{78B9CEE1-BEF6-B540-A7CE-B486EF936241}"/>
-              </a:ext>
-            </a:extLst>
-          </p:cNvPr>
-          <p:cNvSpPr>
-            <a:spLocks noGrp="1"/>
-          </p:cNvSpPr>
-          <p:nvPr>
-            <p:ph type="dt" sz="half" idx="14"/>
-          </p:nvPr>
-        </p:nvSpPr>
-        <p:spPr/>
-        <p:txBody>
-          <a:bodyPr/>
-          <a:lstStyle/>
-          <a:p>
-            <a:r>
               <a:rPr lang="fr-CH" dirty="0"/>
-              <a:t>ALEXIA PARATTE / SEMESTER PROJECT MIDTERM PRESENTATION</a:t>
+              <a:t>ALEXIA PARATTE / SEMESTER PROJECT FINAL PRESENTATION</a:t>
             </a:r>
             <a:endParaRPr lang="fr-FR" dirty="0"/>
           </a:p>
@@ -5865,18 +6743,52 @@
       </p:sp>
       <p:sp>
         <p:nvSpPr>
-          <p:cNvPr id="7" name="Espace réservé du numéro de diapositive 6">
-            <a:extLst>
-              <a:ext uri="{FF2B5EF4-FFF2-40B4-BE49-F238E27FC236}">
-                <a16:creationId xmlns:a16="http://schemas.microsoft.com/office/drawing/2014/main" id="{DF64CCD5-5BA5-E94A-A85A-BF62861AABF7}"/>
-              </a:ext>
-            </a:extLst>
-          </p:cNvPr>
-          <p:cNvSpPr>
-            <a:spLocks noGrp="1"/>
-          </p:cNvSpPr>
-          <p:nvPr>
-            <p:ph type="sldNum" sz="quarter" idx="16"/>
+          <p:cNvPr id="5" name="Espace réservé du pied de page 4">
+            <a:extLst>
+              <a:ext uri="{FF2B5EF4-FFF2-40B4-BE49-F238E27FC236}">
+                <a16:creationId xmlns:a16="http://schemas.microsoft.com/office/drawing/2014/main" id="{E2DA19A9-7B92-DE45-BDD7-1BC0F4B0E8A0}"/>
+              </a:ext>
+            </a:extLst>
+          </p:cNvPr>
+          <p:cNvSpPr>
+            <a:spLocks noGrp="1"/>
+          </p:cNvSpPr>
+          <p:nvPr>
+            <p:ph type="ftr" sz="quarter" idx="19"/>
+          </p:nvPr>
+        </p:nvSpPr>
+        <p:spPr>
+          <a:xfrm rot="16200000">
+            <a:off x="7820359" y="1169694"/>
+            <a:ext cx="2134520" cy="512762"/>
+          </a:xfrm>
+        </p:spPr>
+        <p:txBody>
+          <a:bodyPr/>
+          <a:lstStyle/>
+          <a:p>
+            <a:r>
+              <a:rPr lang="fr-FR" sz="1050" dirty="0" err="1"/>
+              <a:t>Swissmetro</a:t>
+            </a:r>
+            <a:endParaRPr lang="fr-FR" sz="1050" dirty="0"/>
+          </a:p>
+        </p:txBody>
+      </p:sp>
+      <p:sp>
+        <p:nvSpPr>
+          <p:cNvPr id="6" name="Espace réservé du numéro de diapositive 5">
+            <a:extLst>
+              <a:ext uri="{FF2B5EF4-FFF2-40B4-BE49-F238E27FC236}">
+                <a16:creationId xmlns:a16="http://schemas.microsoft.com/office/drawing/2014/main" id="{881B401C-18BC-4649-B2B0-EB3EECC87645}"/>
+              </a:ext>
+            </a:extLst>
+          </p:cNvPr>
+          <p:cNvSpPr>
+            <a:spLocks noGrp="1"/>
+          </p:cNvSpPr>
+          <p:nvPr>
+            <p:ph type="sldNum" sz="quarter" idx="20"/>
           </p:nvPr>
         </p:nvSpPr>
         <p:spPr/>
@@ -5893,10 +6805,43 @@
           </a:p>
         </p:txBody>
       </p:sp>
+      <p:sp>
+        <p:nvSpPr>
+          <p:cNvPr id="7" name="Titre 6">
+            <a:extLst>
+              <a:ext uri="{FF2B5EF4-FFF2-40B4-BE49-F238E27FC236}">
+                <a16:creationId xmlns:a16="http://schemas.microsoft.com/office/drawing/2014/main" id="{B2CF7EEE-D0B7-6648-AE4B-B2B65E993964}"/>
+              </a:ext>
+            </a:extLst>
+          </p:cNvPr>
+          <p:cNvSpPr>
+            <a:spLocks noGrp="1"/>
+          </p:cNvSpPr>
+          <p:nvPr>
+            <p:ph type="title"/>
+          </p:nvPr>
+        </p:nvSpPr>
+        <p:spPr>
+          <a:xfrm>
+            <a:off x="904875" y="358815"/>
+            <a:ext cx="4698483" cy="568249"/>
+          </a:xfrm>
+        </p:spPr>
+        <p:txBody>
+          <a:bodyPr/>
+          <a:lstStyle/>
+          <a:p>
+            <a:r>
+              <a:rPr lang="fr-FR" dirty="0"/>
+              <a:t>Utilities</a:t>
+            </a:r>
+          </a:p>
+        </p:txBody>
+      </p:sp>
     </p:spTree>
     <p:extLst>
       <p:ext uri="{BB962C8B-B14F-4D97-AF65-F5344CB8AC3E}">
-        <p14:creationId xmlns:p14="http://schemas.microsoft.com/office/powerpoint/2010/main" val="1777885383"/>
+        <p14:creationId xmlns:p14="http://schemas.microsoft.com/office/powerpoint/2010/main" val="3704032556"/>
       </p:ext>
     </p:extLst>
   </p:cSld>
@@ -5925,148 +6870,6 @@
       </p:grpSpPr>
       <p:sp>
         <p:nvSpPr>
-          <p:cNvPr id="3" name="Espace réservé du texte 2">
-            <a:extLst>
-              <a:ext uri="{FF2B5EF4-FFF2-40B4-BE49-F238E27FC236}">
-                <a16:creationId xmlns:a16="http://schemas.microsoft.com/office/drawing/2014/main" id="{334C28A0-A184-8649-A9A4-2BFB1D02EBB5}"/>
-              </a:ext>
-            </a:extLst>
-          </p:cNvPr>
-          <p:cNvSpPr>
-            <a:spLocks noGrp="1"/>
-          </p:cNvSpPr>
-          <p:nvPr>
-            <p:ph type="body" sz="quarter" idx="17"/>
-          </p:nvPr>
-        </p:nvSpPr>
-        <p:spPr>
-          <a:xfrm>
-            <a:off x="904875" y="1211618"/>
-            <a:ext cx="7646988" cy="3573067"/>
-          </a:xfrm>
-        </p:spPr>
-        <p:txBody>
-          <a:bodyPr>
-            <a:normAutofit/>
-          </a:bodyPr>
-          <a:lstStyle/>
-          <a:p>
-            <a:r>
-              <a:rPr lang="en-US" sz="1800" b="0" i="0" u="none" strike="noStrike" baseline="0" dirty="0">
-                <a:latin typeface="CMR12"/>
-              </a:rPr>
-              <a:t>MMNL Model (Multinomial Mixture logit model), called </a:t>
-            </a:r>
-            <a:r>
-              <a:rPr lang="en-US" sz="1600" b="0" i="0" u="none" strike="noStrike" baseline="0" dirty="0">
-                <a:latin typeface="Cascadia Code Light" panose="020B0609020000020004" pitchFamily="49" charset="0"/>
-                <a:ea typeface="Cascadia Code Light" panose="020B0609020000020004" pitchFamily="49" charset="0"/>
-                <a:cs typeface="Cascadia Code Light" panose="020B0609020000020004" pitchFamily="49" charset="0"/>
-              </a:rPr>
-              <a:t>MMNL_Preference_Model</a:t>
-            </a:r>
-          </a:p>
-          <a:p>
-            <a:r>
-              <a:rPr lang="en-US" sz="1600" dirty="0" err="1">
-                <a:latin typeface="Cascadia Code Light" panose="020B0609020000020004" pitchFamily="49" charset="0"/>
-                <a:ea typeface="Cascadia Code Light" panose="020B0609020000020004" pitchFamily="49" charset="0"/>
-                <a:cs typeface="Cascadia Code Light" panose="020B0609020000020004" pitchFamily="49" charset="0"/>
-              </a:rPr>
-              <a:t>apollo_swissChoiceRouteData</a:t>
-            </a:r>
-            <a:r>
-              <a:rPr lang="en-US" sz="1600" dirty="0">
-                <a:latin typeface="Cascadia Code Light" panose="020B0609020000020004" pitchFamily="49" charset="0"/>
-                <a:ea typeface="Cascadia Code Light" panose="020B0609020000020004" pitchFamily="49" charset="0"/>
-                <a:cs typeface="Cascadia Code Light" panose="020B0609020000020004" pitchFamily="49" charset="0"/>
-              </a:rPr>
-              <a:t>,</a:t>
-            </a:r>
-            <a:r>
-              <a:rPr lang="en-US" dirty="0">
-                <a:latin typeface="CMR12"/>
-              </a:rPr>
-              <a:t> comes from a SP survey of public transport route choice conducted in Switzerland (</a:t>
-            </a:r>
-            <a:r>
-              <a:rPr lang="en-US" i="1" dirty="0" err="1">
-                <a:latin typeface="CMR12"/>
-              </a:rPr>
-              <a:t>Axhausen</a:t>
-            </a:r>
-            <a:r>
-              <a:rPr lang="en-US" i="1" dirty="0">
-                <a:latin typeface="CMR12"/>
-              </a:rPr>
-              <a:t> et al., 2008</a:t>
-            </a:r>
-            <a:r>
-              <a:rPr lang="en-US" dirty="0">
-                <a:latin typeface="CMR12"/>
-              </a:rPr>
-              <a:t>).</a:t>
-            </a:r>
-          </a:p>
-          <a:p>
-            <a:r>
-              <a:rPr lang="en-US" sz="1800" b="0" i="0" u="none" strike="noStrike" baseline="0" dirty="0">
-                <a:latin typeface="CMR12"/>
-              </a:rPr>
-              <a:t>388 people, two public transport routes </a:t>
-            </a:r>
-          </a:p>
-          <a:p>
-            <a:r>
-              <a:rPr lang="en-US" sz="1800" b="0" i="0" u="none" strike="noStrike" baseline="0" dirty="0">
-                <a:latin typeface="CMTI12"/>
-              </a:rPr>
-              <a:t>Panel data</a:t>
-            </a:r>
-          </a:p>
-          <a:p>
-            <a:r>
-              <a:rPr lang="en-US" dirty="0">
-                <a:latin typeface="CMR12"/>
-              </a:rPr>
-              <a:t>No availabilities </a:t>
-            </a:r>
-            <a:endParaRPr lang="en-US" sz="1800" b="0" i="0" u="none" strike="noStrike" baseline="0" dirty="0">
-              <a:latin typeface="CMR12"/>
-            </a:endParaRPr>
-          </a:p>
-          <a:p>
-            <a:r>
-              <a:rPr lang="en-US" sz="1800" b="0" i="0" u="none" strike="noStrike" baseline="0" dirty="0">
-                <a:latin typeface="CMR12"/>
-              </a:rPr>
-              <a:t>Parameters: travel time, travel cost, headway, number of interchanges</a:t>
-            </a:r>
-            <a:endParaRPr lang="en-US" dirty="0">
-              <a:latin typeface="CMR12"/>
-            </a:endParaRPr>
-          </a:p>
-          <a:p>
-            <a:r>
-              <a:rPr lang="en-US" sz="1800" b="0" i="0" u="none" strike="noStrike" baseline="0" dirty="0">
-                <a:latin typeface="CMR12"/>
-              </a:rPr>
-              <a:t>500 Halton Draws with Monte-Carlo Estimation. </a:t>
-            </a:r>
-            <a:r>
-              <a:rPr lang="en-US" dirty="0">
-                <a:latin typeface="CMR12"/>
-              </a:rPr>
-              <a:t>Estimation of means and standard deviations of the random coefficients</a:t>
-            </a:r>
-            <a:endParaRPr lang="en-US" sz="1800" b="0" i="0" u="none" strike="noStrike" baseline="0" dirty="0">
-              <a:latin typeface="CMR12"/>
-            </a:endParaRPr>
-          </a:p>
-        </p:txBody>
-      </p:sp>
-      <p:sp>
-        <p:nvSpPr>
           <p:cNvPr id="4" name="Espace réservé de la date 3">
             <a:extLst>
               <a:ext uri="{FF2B5EF4-FFF2-40B4-BE49-F238E27FC236}">
@@ -6088,7 +6891,7 @@
           <a:p>
             <a:r>
               <a:rPr lang="fr-CH" dirty="0"/>
-              <a:t>ALEXIA PARATTE / SEMESTER PROJECT MIDTERM PRESENTATION</a:t>
+              <a:t>ALEXIA PARATTE / SEMESTER PROJECT FINAL PRESENTATION</a:t>
             </a:r>
             <a:endParaRPr lang="fr-FR" dirty="0"/>
           </a:p>
@@ -6175,71 +6978,8 @@
         </p:nvSpPr>
         <p:spPr>
           <a:xfrm>
-            <a:off x="904875" y="358815"/>
-            <a:ext cx="4698483" cy="568249"/>
-          </a:xfrm>
-        </p:spPr>
-        <p:txBody>
-          <a:bodyPr/>
-          <a:lstStyle/>
-          <a:p>
-            <a:r>
-              <a:rPr lang="fr-FR" dirty="0"/>
-              <a:t>Model and data description</a:t>
-            </a:r>
-          </a:p>
-        </p:txBody>
-      </p:sp>
-    </p:spTree>
-    <p:extLst>
-      <p:ext uri="{BB962C8B-B14F-4D97-AF65-F5344CB8AC3E}">
-        <p14:creationId xmlns:p14="http://schemas.microsoft.com/office/powerpoint/2010/main" val="2344891514"/>
-      </p:ext>
-    </p:extLst>
-  </p:cSld>
-  <p:clrMapOvr>
-    <a:masterClrMapping/>
-  </p:clrMapOvr>
-</p:sld>
-</file>
-
-<file path=ppt/slides/slide12.xml><?xml version="1.0" encoding="utf-8"?>
-<p:sld xmlns:a="http://schemas.openxmlformats.org/drawingml/2006/main" xmlns:r="http://schemas.openxmlformats.org/officeDocument/2006/relationships" xmlns:p="http://schemas.openxmlformats.org/presentationml/2006/main">
-  <p:cSld>
-    <p:spTree>
-      <p:nvGrpSpPr>
-        <p:cNvPr id="1" name=""/>
-        <p:cNvGrpSpPr/>
-        <p:nvPr/>
-      </p:nvGrpSpPr>
-      <p:grpSpPr>
-        <a:xfrm>
-          <a:off x="0" y="0"/>
-          <a:ext cx="0" cy="0"/>
-          <a:chOff x="0" y="0"/>
-          <a:chExt cx="0" cy="0"/>
-        </a:xfrm>
-      </p:grpSpPr>
-      <p:sp>
-        <p:nvSpPr>
-          <p:cNvPr id="3" name="Espace réservé du texte 2">
-            <a:extLst>
-              <a:ext uri="{FF2B5EF4-FFF2-40B4-BE49-F238E27FC236}">
-                <a16:creationId xmlns:a16="http://schemas.microsoft.com/office/drawing/2014/main" id="{334C28A0-A184-8649-A9A4-2BFB1D02EBB5}"/>
-              </a:ext>
-            </a:extLst>
-          </p:cNvPr>
-          <p:cNvSpPr>
-            <a:spLocks noGrp="1"/>
-          </p:cNvSpPr>
-          <p:nvPr>
-            <p:ph type="body" sz="quarter" idx="17"/>
-          </p:nvPr>
-        </p:nvSpPr>
-        <p:spPr>
-          <a:xfrm>
-            <a:off x="904875" y="1016978"/>
-            <a:ext cx="7646988" cy="3820176"/>
+            <a:off x="904874" y="358815"/>
+            <a:ext cx="6155883" cy="579439"/>
           </a:xfrm>
         </p:spPr>
         <p:txBody>
@@ -6248,497 +6988,1144 @@
           </a:bodyPr>
           <a:lstStyle/>
           <a:p>
-            <a:pPr marL="0" indent="0">
-              <a:buNone/>
-            </a:pPr>
-            <a:r>
-              <a:rPr lang="en-GB" dirty="0">
-                <a:latin typeface="CMR12"/>
-              </a:rPr>
-              <a:t>First Model: </a:t>
-            </a:r>
-            <a:r>
-              <a:rPr lang="en-GB" sz="1600" dirty="0">
-                <a:latin typeface="Cascadia Code Light" panose="020B0609020000020004" pitchFamily="49" charset="0"/>
-                <a:ea typeface="Cascadia Code Light" panose="020B0609020000020004" pitchFamily="49" charset="0"/>
-                <a:cs typeface="Cascadia Code Light" panose="020B0609020000020004" pitchFamily="49" charset="0"/>
-              </a:rPr>
-              <a:t>MMNL_Preference_Model_Biogeme_0</a:t>
-            </a:r>
-            <a:endParaRPr lang="en-GB" dirty="0">
-              <a:latin typeface="Cascadia Code Light" panose="020B0609020000020004" pitchFamily="49" charset="0"/>
-              <a:ea typeface="Cascadia Code Light" panose="020B0609020000020004" pitchFamily="49" charset="0"/>
-              <a:cs typeface="Cascadia Code Light" panose="020B0609020000020004" pitchFamily="49" charset="0"/>
-            </a:endParaRPr>
-          </a:p>
-          <a:p>
-            <a:r>
-              <a:rPr lang="en-GB" dirty="0">
-                <a:latin typeface="CMR12"/>
-                <a:ea typeface="Cascadia Code Light" panose="020B0609020000020004" pitchFamily="49" charset="0"/>
-                <a:cs typeface="Cascadia Code Light" panose="020B0609020000020004" pitchFamily="49" charset="0"/>
-              </a:rPr>
-              <a:t>No use of Panel Data (error in translation from Apollo to Biogeme)</a:t>
-            </a:r>
-          </a:p>
-          <a:p>
-            <a:r>
-              <a:rPr lang="en-GB" dirty="0">
-                <a:latin typeface="CMR12"/>
-                <a:ea typeface="Cascadia Code Light" panose="020B0609020000020004" pitchFamily="49" charset="0"/>
-                <a:cs typeface="Cascadia Code Light" panose="020B0609020000020004" pitchFamily="49" charset="0"/>
-              </a:rPr>
-              <a:t>Starting estimation values in Biogeme same a starting values in Apollo</a:t>
-            </a:r>
-          </a:p>
-          <a:p>
-            <a:pPr marL="0" indent="0">
-              <a:buNone/>
-            </a:pPr>
-            <a:endParaRPr lang="en-GB" dirty="0">
-              <a:latin typeface="CMR12"/>
-              <a:ea typeface="Cascadia Code Light" panose="020B0609020000020004" pitchFamily="49" charset="0"/>
-              <a:cs typeface="Cascadia Code Light" panose="020B0609020000020004" pitchFamily="49" charset="0"/>
-            </a:endParaRPr>
-          </a:p>
-          <a:p>
-            <a:pPr marL="0" indent="0">
-              <a:buNone/>
-            </a:pPr>
-            <a:r>
-              <a:rPr lang="en-GB" dirty="0">
-                <a:latin typeface="CMR12"/>
-              </a:rPr>
-              <a:t>Second Model: </a:t>
-            </a:r>
-            <a:r>
-              <a:rPr lang="en-GB" sz="1600" dirty="0">
-                <a:latin typeface="Cascadia Code Light" panose="020B0609020000020004" pitchFamily="49" charset="0"/>
-                <a:ea typeface="Cascadia Code Light" panose="020B0609020000020004" pitchFamily="49" charset="0"/>
-                <a:cs typeface="Cascadia Code Light" panose="020B0609020000020004" pitchFamily="49" charset="0"/>
-              </a:rPr>
-              <a:t>MMNL_Preference_Model_Biogeme_1</a:t>
-            </a:r>
-          </a:p>
-          <a:p>
-            <a:r>
-              <a:rPr lang="en-GB" dirty="0">
-                <a:latin typeface="CMR12"/>
-                <a:ea typeface="Cascadia Code Light" panose="020B0609020000020004" pitchFamily="49" charset="0"/>
-                <a:cs typeface="Cascadia Code Light" panose="020B0609020000020004" pitchFamily="49" charset="0"/>
-              </a:rPr>
-              <a:t>No use of Panel Data again</a:t>
-            </a:r>
-          </a:p>
-          <a:p>
-            <a:r>
-              <a:rPr lang="en-GB" dirty="0">
-                <a:latin typeface="CMR12"/>
-                <a:ea typeface="Cascadia Code Light" panose="020B0609020000020004" pitchFamily="49" charset="0"/>
-                <a:cs typeface="Cascadia Code Light" panose="020B0609020000020004" pitchFamily="49" charset="0"/>
-              </a:rPr>
-              <a:t>Starting estimation values in Biogeme same as estimated parameters in Apollo (local solution)</a:t>
-            </a:r>
-          </a:p>
-          <a:p>
-            <a:endParaRPr lang="en-GB" dirty="0">
-              <a:latin typeface="CMR12"/>
-              <a:ea typeface="Cascadia Code Light" panose="020B0609020000020004" pitchFamily="49" charset="0"/>
-              <a:cs typeface="Cascadia Code Light" panose="020B0609020000020004" pitchFamily="49" charset="0"/>
-            </a:endParaRPr>
-          </a:p>
-          <a:p>
-            <a:pPr marL="0" indent="0">
-              <a:buNone/>
-            </a:pPr>
-            <a:r>
-              <a:rPr lang="en-GB" dirty="0">
-                <a:latin typeface="CMR12"/>
-              </a:rPr>
-              <a:t>Final Model: </a:t>
-            </a:r>
-            <a:r>
-              <a:rPr lang="en-GB" sz="1600" dirty="0">
-                <a:latin typeface="Cascadia Code Light" panose="020B0609020000020004" pitchFamily="49" charset="0"/>
-                <a:ea typeface="Cascadia Code Light" panose="020B0609020000020004" pitchFamily="49" charset="0"/>
-                <a:cs typeface="Cascadia Code Light" panose="020B0609020000020004" pitchFamily="49" charset="0"/>
-              </a:rPr>
-              <a:t>MMNL_Preference_Model_Biogeme_final</a:t>
-            </a:r>
-          </a:p>
-          <a:p>
-            <a:r>
-              <a:rPr lang="en-GB" dirty="0">
-                <a:latin typeface="CMR12"/>
-                <a:ea typeface="Cascadia Code Light" panose="020B0609020000020004" pitchFamily="49" charset="0"/>
-                <a:cs typeface="Cascadia Code Light" panose="020B0609020000020004" pitchFamily="49" charset="0"/>
-              </a:rPr>
-              <a:t>Considering Panel Data</a:t>
-            </a:r>
-          </a:p>
-          <a:p>
-            <a:pPr marL="0" indent="0">
-              <a:buNone/>
-            </a:pPr>
-            <a:endParaRPr lang="fr-FR" sz="1600" dirty="0">
-              <a:latin typeface="Cascadia Code Light" panose="020B0609020000020004" pitchFamily="49" charset="0"/>
-              <a:ea typeface="Cascadia Code Light" panose="020B0609020000020004" pitchFamily="49" charset="0"/>
-              <a:cs typeface="Cascadia Code Light" panose="020B0609020000020004" pitchFamily="49" charset="0"/>
-            </a:endParaRPr>
-          </a:p>
-          <a:p>
-            <a:pPr marL="0" indent="0">
-              <a:buNone/>
-            </a:pPr>
-            <a:endParaRPr lang="fr-FR" sz="1600" dirty="0">
-              <a:latin typeface="Cascadia Code Light" panose="020B0609020000020004" pitchFamily="49" charset="0"/>
-              <a:ea typeface="Cascadia Code Light" panose="020B0609020000020004" pitchFamily="49" charset="0"/>
-              <a:cs typeface="Cascadia Code Light" panose="020B0609020000020004" pitchFamily="49" charset="0"/>
-            </a:endParaRPr>
-          </a:p>
-          <a:p>
-            <a:pPr marL="0" indent="0">
-              <a:buNone/>
-            </a:pPr>
-            <a:endParaRPr lang="fr-FR" sz="1600" dirty="0">
-              <a:latin typeface="Cascadia Code Light" panose="020B0609020000020004" pitchFamily="49" charset="0"/>
-              <a:ea typeface="Cascadia Code Light" panose="020B0609020000020004" pitchFamily="49" charset="0"/>
-              <a:cs typeface="Cascadia Code Light" panose="020B0609020000020004" pitchFamily="49" charset="0"/>
-            </a:endParaRPr>
-          </a:p>
-          <a:p>
-            <a:pPr marL="0" indent="0">
-              <a:buNone/>
-            </a:pPr>
-            <a:endParaRPr lang="fr-FR" sz="1600" dirty="0">
-              <a:latin typeface="Cascadia Code Light" panose="020B0609020000020004" pitchFamily="49" charset="0"/>
-              <a:ea typeface="Cascadia Code Light" panose="020B0609020000020004" pitchFamily="49" charset="0"/>
-              <a:cs typeface="Cascadia Code Light" panose="020B0609020000020004" pitchFamily="49" charset="0"/>
-            </a:endParaRPr>
-          </a:p>
-          <a:p>
-            <a:pPr marL="0" indent="0">
-              <a:buNone/>
-            </a:pPr>
-            <a:endParaRPr lang="fr-FR" sz="1600" dirty="0">
-              <a:latin typeface="Cascadia Code Light" panose="020B0609020000020004" pitchFamily="49" charset="0"/>
-              <a:ea typeface="Cascadia Code Light" panose="020B0609020000020004" pitchFamily="49" charset="0"/>
-              <a:cs typeface="Cascadia Code Light" panose="020B0609020000020004" pitchFamily="49" charset="0"/>
-            </a:endParaRPr>
-          </a:p>
-          <a:p>
-            <a:pPr marL="0" indent="0">
-              <a:buNone/>
-            </a:pPr>
-            <a:endParaRPr lang="fr-FR" sz="1600" dirty="0">
-              <a:latin typeface="Cascadia Code Light" panose="020B0609020000020004" pitchFamily="49" charset="0"/>
-              <a:ea typeface="Cascadia Code Light" panose="020B0609020000020004" pitchFamily="49" charset="0"/>
-              <a:cs typeface="Cascadia Code Light" panose="020B0609020000020004" pitchFamily="49" charset="0"/>
-            </a:endParaRPr>
-          </a:p>
-        </p:txBody>
-      </p:sp>
-      <p:sp>
-        <p:nvSpPr>
-          <p:cNvPr id="4" name="Espace réservé de la date 3">
-            <a:extLst>
-              <a:ext uri="{FF2B5EF4-FFF2-40B4-BE49-F238E27FC236}">
-                <a16:creationId xmlns:a16="http://schemas.microsoft.com/office/drawing/2014/main" id="{A468D869-FEAE-4E41-8088-2B1F1C600E34}"/>
-              </a:ext>
-            </a:extLst>
-          </p:cNvPr>
-          <p:cNvSpPr>
-            <a:spLocks noGrp="1"/>
-          </p:cNvSpPr>
-          <p:nvPr>
-            <p:ph type="dt" sz="half" idx="18"/>
-          </p:nvPr>
-        </p:nvSpPr>
-        <p:spPr/>
-        <p:txBody>
-          <a:bodyPr/>
-          <a:lstStyle/>
-          <a:p>
-            <a:r>
-              <a:rPr lang="fr-CH" dirty="0"/>
-              <a:t>ALEXIA PARATTE / SEMESTER PROJECT MIDTERM PRESENTATION</a:t>
-            </a:r>
-            <a:endParaRPr lang="fr-FR" dirty="0"/>
-          </a:p>
-        </p:txBody>
-      </p:sp>
-      <p:sp>
-        <p:nvSpPr>
-          <p:cNvPr id="5" name="Espace réservé du pied de page 4">
-            <a:extLst>
-              <a:ext uri="{FF2B5EF4-FFF2-40B4-BE49-F238E27FC236}">
-                <a16:creationId xmlns:a16="http://schemas.microsoft.com/office/drawing/2014/main" id="{E2DA19A9-7B92-DE45-BDD7-1BC0F4B0E8A0}"/>
-              </a:ext>
-            </a:extLst>
-          </p:cNvPr>
-          <p:cNvSpPr>
-            <a:spLocks noGrp="1"/>
-          </p:cNvSpPr>
-          <p:nvPr>
-            <p:ph type="ftr" sz="quarter" idx="19"/>
-          </p:nvPr>
-        </p:nvSpPr>
-        <p:spPr>
-          <a:xfrm rot="16200000">
-            <a:off x="7820359" y="1169694"/>
-            <a:ext cx="2134520" cy="512762"/>
-          </a:xfrm>
-        </p:spPr>
-        <p:txBody>
-          <a:bodyPr/>
-          <a:lstStyle/>
-          <a:p>
-            <a:r>
-              <a:rPr lang="fr-FR" sz="1050" dirty="0"/>
-              <a:t>Second Model</a:t>
-            </a:r>
-          </a:p>
-        </p:txBody>
-      </p:sp>
-      <p:sp>
-        <p:nvSpPr>
-          <p:cNvPr id="6" name="Espace réservé du numéro de diapositive 5">
-            <a:extLst>
-              <a:ext uri="{FF2B5EF4-FFF2-40B4-BE49-F238E27FC236}">
-                <a16:creationId xmlns:a16="http://schemas.microsoft.com/office/drawing/2014/main" id="{881B401C-18BC-4649-B2B0-EB3EECC87645}"/>
-              </a:ext>
-            </a:extLst>
-          </p:cNvPr>
-          <p:cNvSpPr>
-            <a:spLocks noGrp="1"/>
-          </p:cNvSpPr>
-          <p:nvPr>
-            <p:ph type="sldNum" sz="quarter" idx="20"/>
-          </p:nvPr>
-        </p:nvSpPr>
-        <p:spPr/>
-        <p:txBody>
-          <a:bodyPr/>
-          <a:lstStyle/>
-          <a:p>
-            <a:fld id="{E1E1CD7C-2161-7D43-862E-CE4C333CD873}" type="slidenum">
-              <a:rPr lang="fr-FR" smtClean="0"/>
-              <a:pPr/>
-              <a:t>12</a:t>
-            </a:fld>
-            <a:endParaRPr lang="fr-FR" dirty="0"/>
-          </a:p>
-        </p:txBody>
-      </p:sp>
-      <p:sp>
-        <p:nvSpPr>
-          <p:cNvPr id="7" name="Titre 6">
-            <a:extLst>
-              <a:ext uri="{FF2B5EF4-FFF2-40B4-BE49-F238E27FC236}">
-                <a16:creationId xmlns:a16="http://schemas.microsoft.com/office/drawing/2014/main" id="{B2CF7EEE-D0B7-6648-AE4B-B2B65E993964}"/>
-              </a:ext>
-            </a:extLst>
-          </p:cNvPr>
-          <p:cNvSpPr>
-            <a:spLocks noGrp="1"/>
-          </p:cNvSpPr>
-          <p:nvPr>
-            <p:ph type="title"/>
-          </p:nvPr>
-        </p:nvSpPr>
-        <p:spPr>
-          <a:xfrm>
-            <a:off x="904875" y="358815"/>
-            <a:ext cx="3667125" cy="533986"/>
-          </a:xfrm>
-        </p:spPr>
-        <p:txBody>
-          <a:bodyPr/>
-          <a:lstStyle/>
-          <a:p>
             <a:r>
               <a:rPr lang="fr-FR" dirty="0"/>
-              <a:t>All </a:t>
+              <a:t>Estimation and </a:t>
             </a:r>
             <a:r>
               <a:rPr lang="fr-FR" dirty="0" err="1"/>
-              <a:t>MMNL_Models</a:t>
-            </a:r>
-            <a:endParaRPr lang="fr-FR" dirty="0"/>
-          </a:p>
-        </p:txBody>
-      </p:sp>
-    </p:spTree>
-    <p:extLst>
-      <p:ext uri="{BB962C8B-B14F-4D97-AF65-F5344CB8AC3E}">
-        <p14:creationId xmlns:p14="http://schemas.microsoft.com/office/powerpoint/2010/main" val="1609789564"/>
-      </p:ext>
-    </p:extLst>
-  </p:cSld>
-  <p:clrMapOvr>
-    <a:masterClrMapping/>
-  </p:clrMapOvr>
-</p:sld>
-</file>
-
-<file path=ppt/slides/slide13.xml><?xml version="1.0" encoding="utf-8"?>
-<p:sld xmlns:a="http://schemas.openxmlformats.org/drawingml/2006/main" xmlns:r="http://schemas.openxmlformats.org/officeDocument/2006/relationships" xmlns:p="http://schemas.openxmlformats.org/presentationml/2006/main">
-  <p:cSld>
-    <p:spTree>
-      <p:nvGrpSpPr>
-        <p:cNvPr id="1" name=""/>
-        <p:cNvGrpSpPr/>
-        <p:nvPr/>
-      </p:nvGrpSpPr>
-      <p:grpSpPr>
-        <a:xfrm>
-          <a:off x="0" y="0"/>
-          <a:ext cx="0" cy="0"/>
-          <a:chOff x="0" y="0"/>
-          <a:chExt cx="0" cy="0"/>
-        </a:xfrm>
-      </p:grpSpPr>
-      <p:sp>
-        <p:nvSpPr>
-          <p:cNvPr id="4" name="Espace réservé de la date 3">
-            <a:extLst>
-              <a:ext uri="{FF2B5EF4-FFF2-40B4-BE49-F238E27FC236}">
-                <a16:creationId xmlns:a16="http://schemas.microsoft.com/office/drawing/2014/main" id="{A468D869-FEAE-4E41-8088-2B1F1C600E34}"/>
-              </a:ext>
-            </a:extLst>
-          </p:cNvPr>
-          <p:cNvSpPr>
-            <a:spLocks noGrp="1"/>
-          </p:cNvSpPr>
-          <p:nvPr>
-            <p:ph type="dt" sz="half" idx="18"/>
-          </p:nvPr>
-        </p:nvSpPr>
-        <p:spPr/>
-        <p:txBody>
-          <a:bodyPr/>
-          <a:lstStyle/>
-          <a:p>
-            <a:r>
-              <a:rPr lang="fr-CH" dirty="0"/>
-              <a:t>ALEXIA PARATTE / SEMESTER PROJECT MIDTERM PRESENTATION</a:t>
-            </a:r>
-            <a:endParaRPr lang="fr-FR" dirty="0"/>
-          </a:p>
-        </p:txBody>
-      </p:sp>
-      <p:sp>
-        <p:nvSpPr>
-          <p:cNvPr id="5" name="Espace réservé du pied de page 4">
-            <a:extLst>
-              <a:ext uri="{FF2B5EF4-FFF2-40B4-BE49-F238E27FC236}">
-                <a16:creationId xmlns:a16="http://schemas.microsoft.com/office/drawing/2014/main" id="{E2DA19A9-7B92-DE45-BDD7-1BC0F4B0E8A0}"/>
-              </a:ext>
-            </a:extLst>
-          </p:cNvPr>
-          <p:cNvSpPr>
-            <a:spLocks noGrp="1"/>
-          </p:cNvSpPr>
-          <p:nvPr>
-            <p:ph type="ftr" sz="quarter" idx="19"/>
-          </p:nvPr>
-        </p:nvSpPr>
-        <p:spPr>
-          <a:xfrm rot="16200000">
-            <a:off x="7820359" y="1169694"/>
-            <a:ext cx="2134520" cy="512762"/>
-          </a:xfrm>
-        </p:spPr>
-        <p:txBody>
-          <a:bodyPr/>
-          <a:lstStyle/>
-          <a:p>
-            <a:r>
-              <a:rPr lang="fr-FR" sz="1050" dirty="0"/>
-              <a:t>Second Model</a:t>
-            </a:r>
-          </a:p>
-        </p:txBody>
-      </p:sp>
-      <p:sp>
-        <p:nvSpPr>
-          <p:cNvPr id="6" name="Espace réservé du numéro de diapositive 5">
-            <a:extLst>
-              <a:ext uri="{FF2B5EF4-FFF2-40B4-BE49-F238E27FC236}">
-                <a16:creationId xmlns:a16="http://schemas.microsoft.com/office/drawing/2014/main" id="{881B401C-18BC-4649-B2B0-EB3EECC87645}"/>
-              </a:ext>
-            </a:extLst>
-          </p:cNvPr>
-          <p:cNvSpPr>
-            <a:spLocks noGrp="1"/>
-          </p:cNvSpPr>
-          <p:nvPr>
-            <p:ph type="sldNum" sz="quarter" idx="20"/>
-          </p:nvPr>
-        </p:nvSpPr>
-        <p:spPr/>
-        <p:txBody>
-          <a:bodyPr/>
-          <a:lstStyle/>
-          <a:p>
-            <a:fld id="{E1E1CD7C-2161-7D43-862E-CE4C333CD873}" type="slidenum">
-              <a:rPr lang="fr-FR" smtClean="0"/>
-              <a:pPr/>
-              <a:t>13</a:t>
-            </a:fld>
-            <a:endParaRPr lang="fr-FR" dirty="0"/>
-          </a:p>
-        </p:txBody>
-      </p:sp>
-      <p:sp>
-        <p:nvSpPr>
-          <p:cNvPr id="7" name="Titre 6">
-            <a:extLst>
-              <a:ext uri="{FF2B5EF4-FFF2-40B4-BE49-F238E27FC236}">
-                <a16:creationId xmlns:a16="http://schemas.microsoft.com/office/drawing/2014/main" id="{B2CF7EEE-D0B7-6648-AE4B-B2B65E993964}"/>
-              </a:ext>
-            </a:extLst>
-          </p:cNvPr>
-          <p:cNvSpPr>
-            <a:spLocks noGrp="1"/>
-          </p:cNvSpPr>
-          <p:nvPr>
-            <p:ph type="title"/>
-          </p:nvPr>
-        </p:nvSpPr>
-        <p:spPr>
-          <a:xfrm>
-            <a:off x="904875" y="358815"/>
-            <a:ext cx="5440266" cy="579439"/>
-          </a:xfrm>
-        </p:spPr>
-        <p:txBody>
-          <a:bodyPr>
-            <a:normAutofit/>
-          </a:bodyPr>
-          <a:lstStyle/>
-          <a:p>
+              <a:t>statistics</a:t>
+            </a:r>
             <a:r>
               <a:rPr lang="fr-FR" dirty="0"/>
-              <a:t>Estimation </a:t>
+              <a:t> (100 </a:t>
             </a:r>
             <a:r>
               <a:rPr lang="fr-FR" dirty="0" err="1"/>
-              <a:t>Results</a:t>
+              <a:t>draws</a:t>
             </a:r>
             <a:r>
               <a:rPr lang="fr-FR" dirty="0"/>
-              <a:t> Final MMNL</a:t>
-            </a:r>
-          </a:p>
-        </p:txBody>
-      </p:sp>
+              <a:t>)</a:t>
+            </a:r>
+          </a:p>
+        </p:txBody>
+      </p:sp>
+      <mc:AlternateContent xmlns:mc="http://schemas.openxmlformats.org/markup-compatibility/2006">
+        <mc:Choice xmlns:a14="http://schemas.microsoft.com/office/drawing/2010/main" Requires="a14">
+          <p:graphicFrame>
+            <p:nvGraphicFramePr>
+              <p:cNvPr id="2" name="Tableau 1">
+                <a:extLst>
+                  <a:ext uri="{FF2B5EF4-FFF2-40B4-BE49-F238E27FC236}">
+                    <a16:creationId xmlns:a16="http://schemas.microsoft.com/office/drawing/2014/main" id="{DDC193A3-489A-38B3-2AA3-82B8F49313F0}"/>
+                  </a:ext>
+                </a:extLst>
+              </p:cNvPr>
+              <p:cNvGraphicFramePr>
+                <a:graphicFrameLocks noGrp="1"/>
+              </p:cNvGraphicFramePr>
+              <p:nvPr>
+                <p:extLst>
+                  <p:ext uri="{D42A27DB-BD31-4B8C-83A1-F6EECF244321}">
+                    <p14:modId xmlns:p14="http://schemas.microsoft.com/office/powerpoint/2010/main" val="3657424124"/>
+                  </p:ext>
+                </p:extLst>
+              </p:nvPr>
+            </p:nvGraphicFramePr>
+            <p:xfrm>
+              <a:off x="1289721" y="1010488"/>
+              <a:ext cx="6564557" cy="1821180"/>
+            </p:xfrm>
+            <a:graphic>
+              <a:graphicData uri="http://schemas.openxmlformats.org/drawingml/2006/table">
+                <a:tbl>
+                  <a:tblPr firstRow="1" bandRow="1">
+                    <a:tableStyleId>{21E4AEA4-8DFA-4A89-87EB-49C32662AFE0}</a:tableStyleId>
+                  </a:tblPr>
+                  <a:tblGrid>
+                    <a:gridCol w="2395501">
+                      <a:extLst>
+                        <a:ext uri="{9D8B030D-6E8A-4147-A177-3AD203B41FA5}">
+                          <a16:colId xmlns:a16="http://schemas.microsoft.com/office/drawing/2014/main" val="1806313233"/>
+                        </a:ext>
+                      </a:extLst>
+                    </a:gridCol>
+                    <a:gridCol w="1981931">
+                      <a:extLst>
+                        <a:ext uri="{9D8B030D-6E8A-4147-A177-3AD203B41FA5}">
+                          <a16:colId xmlns:a16="http://schemas.microsoft.com/office/drawing/2014/main" val="1721530599"/>
+                        </a:ext>
+                      </a:extLst>
+                    </a:gridCol>
+                    <a:gridCol w="2187125">
+                      <a:extLst>
+                        <a:ext uri="{9D8B030D-6E8A-4147-A177-3AD203B41FA5}">
+                          <a16:colId xmlns:a16="http://schemas.microsoft.com/office/drawing/2014/main" val="441806123"/>
+                        </a:ext>
+                      </a:extLst>
+                    </a:gridCol>
+                  </a:tblGrid>
+                  <a:tr h="0">
+                    <a:tc>
+                      <a:txBody>
+                        <a:bodyPr/>
+                        <a:lstStyle/>
+                        <a:p>
+                          <a:pPr algn="l"/>
+                          <a:r>
+                            <a:rPr lang="en-GB" dirty="0"/>
+                            <a:t>PARAMETERS</a:t>
+                          </a:r>
+                        </a:p>
+                      </a:txBody>
+                      <a:tcPr/>
+                    </a:tc>
+                    <a:tc>
+                      <a:txBody>
+                        <a:bodyPr/>
+                        <a:lstStyle/>
+                        <a:p>
+                          <a:pPr algn="ctr"/>
+                          <a:r>
+                            <a:rPr lang="en-GB" dirty="0"/>
+                            <a:t>VALUE IN APOLLO</a:t>
+                          </a:r>
+                        </a:p>
+                      </a:txBody>
+                      <a:tcPr/>
+                    </a:tc>
+                    <a:tc>
+                      <a:txBody>
+                        <a:bodyPr/>
+                        <a:lstStyle/>
+                        <a:p>
+                          <a:pPr algn="ctr"/>
+                          <a:r>
+                            <a:rPr lang="en-GB" dirty="0"/>
+                            <a:t>VALUE IN BIOGEME</a:t>
+                          </a:r>
+                        </a:p>
+                      </a:txBody>
+                      <a:tcPr/>
+                    </a:tc>
+                    <a:extLst>
+                      <a:ext uri="{0D108BD9-81ED-4DB2-BD59-A6C34878D82A}">
+                        <a16:rowId xmlns:a16="http://schemas.microsoft.com/office/drawing/2014/main" val="3574925640"/>
+                      </a:ext>
+                    </a:extLst>
+                  </a:tr>
+                  <a:tr h="0">
+                    <a:tc>
+                      <a:txBody>
+                        <a:bodyPr/>
+                        <a:lstStyle/>
+                        <a:p>
+                          <a:pPr marL="0" marR="0" lvl="0" indent="0" algn="l" defTabSz="685800" rtl="0" eaLnBrk="1" fontAlgn="auto" latinLnBrk="0" hangingPunct="1">
+                            <a:lnSpc>
+                              <a:spcPct val="100000"/>
+                            </a:lnSpc>
+                            <a:spcBef>
+                              <a:spcPts val="0"/>
+                            </a:spcBef>
+                            <a:spcAft>
+                              <a:spcPts val="0"/>
+                            </a:spcAft>
+                            <a:buClrTx/>
+                            <a:buSzTx/>
+                            <a:buFontTx/>
+                            <a:buNone/>
+                            <a:tabLst/>
+                            <a:defRPr/>
+                          </a:pPr>
+                          <a:r>
+                            <a:rPr lang="en-GB" sz="1400" dirty="0" err="1">
+                              <a:latin typeface="Cascadia Code Light" panose="020B0609020000020004" pitchFamily="49" charset="0"/>
+                              <a:ea typeface="Cascadia Code Light" panose="020B0609020000020004" pitchFamily="49" charset="0"/>
+                              <a:cs typeface="Cascadia Code Light" panose="020B0609020000020004" pitchFamily="49" charset="0"/>
+                            </a:rPr>
+                            <a:t>asc_car</a:t>
+                          </a:r>
+                          <a:endParaRPr lang="en-GB" sz="1400" dirty="0">
+                            <a:latin typeface="Cascadia Code Light" panose="020B0609020000020004" pitchFamily="49" charset="0"/>
+                            <a:ea typeface="Cascadia Code Light" panose="020B0609020000020004" pitchFamily="49" charset="0"/>
+                            <a:cs typeface="Cascadia Code Light" panose="020B0609020000020004" pitchFamily="49" charset="0"/>
+                          </a:endParaRPr>
+                        </a:p>
+                      </a:txBody>
+                      <a:tcPr/>
+                    </a:tc>
+                    <a:tc>
+                      <a:txBody>
+                        <a:bodyPr/>
+                        <a:lstStyle/>
+                        <a:p>
+                          <a:pPr algn="r"/>
+                          <a:r>
+                            <a:rPr lang="en-GB" sz="1400" b="1" i="0" u="none" strike="noStrike" kern="1200" baseline="0" dirty="0">
+                              <a:solidFill>
+                                <a:schemeClr val="dk1"/>
+                              </a:solidFill>
+                              <a:latin typeface="Abadi Extra Light" panose="020B0204020104020204" pitchFamily="34" charset="0"/>
+                              <a:ea typeface="+mn-ea"/>
+                              <a:cs typeface="+mn-cs"/>
+                            </a:rPr>
+                            <a:t>0.281 </a:t>
+                          </a:r>
+                          <a:endParaRPr lang="en-GB" sz="1400" b="1" dirty="0">
+                            <a:latin typeface="Abadi Extra Light" panose="020B0204020104020204" pitchFamily="34" charset="0"/>
+                          </a:endParaRPr>
+                        </a:p>
+                      </a:txBody>
+                      <a:tcPr/>
+                    </a:tc>
+                    <a:tc>
+                      <a:txBody>
+                        <a:bodyPr/>
+                        <a:lstStyle/>
+                        <a:p>
+                          <a:pPr algn="r"/>
+                          <a:r>
+                            <a:rPr lang="en-GB" sz="1400" b="1" i="0" u="none" strike="noStrike" kern="1200" baseline="0" dirty="0">
+                              <a:solidFill>
+                                <a:schemeClr val="dk1"/>
+                              </a:solidFill>
+                              <a:latin typeface="Abadi Extra Light" panose="020B0204020104020204" pitchFamily="34" charset="0"/>
+                              <a:ea typeface="+mn-ea"/>
+                              <a:cs typeface="+mn-cs"/>
+                            </a:rPr>
+                            <a:t>0.284</a:t>
+                          </a:r>
+                          <a:endParaRPr lang="en-GB" sz="1400" b="1" dirty="0">
+                            <a:latin typeface="Abadi Extra Light" panose="020B0204020104020204" pitchFamily="34" charset="0"/>
+                          </a:endParaRPr>
+                        </a:p>
+                      </a:txBody>
+                      <a:tcPr/>
+                    </a:tc>
+                    <a:extLst>
+                      <a:ext uri="{0D108BD9-81ED-4DB2-BD59-A6C34878D82A}">
+                        <a16:rowId xmlns:a16="http://schemas.microsoft.com/office/drawing/2014/main" val="214954310"/>
+                      </a:ext>
+                    </a:extLst>
+                  </a:tr>
+                  <a:tr h="286168">
+                    <a:tc>
+                      <a:txBody>
+                        <a:bodyPr/>
+                        <a:lstStyle/>
+                        <a:p>
+                          <a:pPr algn="l"/>
+                          <a14:m>
+                            <m:oMathPara xmlns:m="http://schemas.openxmlformats.org/officeDocument/2006/math">
+                              <m:oMathParaPr>
+                                <m:jc m:val="left"/>
+                              </m:oMathParaPr>
+                              <m:oMath xmlns:m="http://schemas.openxmlformats.org/officeDocument/2006/math">
+                                <m:r>
+                                  <m:rPr>
+                                    <m:nor/>
+                                  </m:rPr>
+                                  <a:rPr lang="en-GB" sz="1400" dirty="0" smtClean="0">
+                                    <a:latin typeface="Cascadia Code Light" panose="020B0609020000020004" pitchFamily="49" charset="0"/>
+                                    <a:ea typeface="Cascadia Code Light" panose="020B0609020000020004" pitchFamily="49" charset="0"/>
+                                    <a:cs typeface="Cascadia Code Light" panose="020B0609020000020004" pitchFamily="49" charset="0"/>
+                                  </a:rPr>
+                                  <m:t>asc</m:t>
+                                </m:r>
+                                <m:r>
+                                  <m:rPr>
+                                    <m:nor/>
+                                  </m:rPr>
+                                  <a:rPr lang="en-GB" sz="1400" dirty="0" smtClean="0">
+                                    <a:latin typeface="Cascadia Code Light" panose="020B0609020000020004" pitchFamily="49" charset="0"/>
+                                    <a:ea typeface="Cascadia Code Light" panose="020B0609020000020004" pitchFamily="49" charset="0"/>
+                                    <a:cs typeface="Cascadia Code Light" panose="020B0609020000020004" pitchFamily="49" charset="0"/>
+                                  </a:rPr>
+                                  <m:t>_</m:t>
+                                </m:r>
+                                <m:r>
+                                  <m:rPr>
+                                    <m:nor/>
+                                  </m:rPr>
+                                  <a:rPr lang="fr-CH" sz="1400" b="0" i="0" dirty="0" smtClean="0">
+                                    <a:latin typeface="Cascadia Code Light" panose="020B0609020000020004" pitchFamily="49" charset="0"/>
+                                    <a:ea typeface="Cascadia Code Light" panose="020B0609020000020004" pitchFamily="49" charset="0"/>
+                                    <a:cs typeface="Cascadia Code Light" panose="020B0609020000020004" pitchFamily="49" charset="0"/>
+                                  </a:rPr>
+                                  <m:t>train</m:t>
+                                </m:r>
+                                <m:r>
+                                  <m:rPr>
+                                    <m:nor/>
+                                  </m:rPr>
+                                  <a:rPr lang="fr-CH" sz="1400" b="0" i="0" dirty="0" smtClean="0">
+                                    <a:latin typeface="Cascadia Code Light" panose="020B0609020000020004" pitchFamily="49" charset="0"/>
+                                    <a:ea typeface="Cascadia Code Light" panose="020B0609020000020004" pitchFamily="49" charset="0"/>
+                                    <a:cs typeface="Cascadia Code Light" panose="020B0609020000020004" pitchFamily="49" charset="0"/>
+                                  </a:rPr>
+                                  <m:t> </m:t>
+                                </m:r>
+                              </m:oMath>
+                            </m:oMathPara>
+                          </a14:m>
+                          <a:endParaRPr lang="en-GB" sz="1400" dirty="0">
+                            <a:latin typeface="Cascadia Code Light" panose="020B0609020000020004" pitchFamily="49" charset="0"/>
+                            <a:ea typeface="Cascadia Code Light" panose="020B0609020000020004" pitchFamily="49" charset="0"/>
+                            <a:cs typeface="Cascadia Code Light" panose="020B0609020000020004" pitchFamily="49" charset="0"/>
+                          </a:endParaRPr>
+                        </a:p>
+                      </a:txBody>
+                      <a:tcPr/>
+                    </a:tc>
+                    <a:tc>
+                      <a:txBody>
+                        <a:bodyPr/>
+                        <a:lstStyle/>
+                        <a:p>
+                          <a:pPr algn="r"/>
+                          <a:r>
+                            <a:rPr lang="en-GB" sz="1400" b="1" i="0" u="none" strike="noStrike" baseline="0" dirty="0">
+                              <a:latin typeface="Abadi Extra Light" panose="020B0204020104020204" pitchFamily="34" charset="0"/>
+                            </a:rPr>
+                            <a:t>-0.572</a:t>
+                          </a:r>
+                          <a:endParaRPr lang="en-GB" sz="1400" b="1" dirty="0">
+                            <a:latin typeface="Abadi Extra Light" panose="020B0204020104020204" pitchFamily="34" charset="0"/>
+                          </a:endParaRPr>
+                        </a:p>
+                      </a:txBody>
+                      <a:tcPr/>
+                    </a:tc>
+                    <a:tc>
+                      <a:txBody>
+                        <a:bodyPr/>
+                        <a:lstStyle/>
+                        <a:p>
+                          <a:pPr algn="r"/>
+                          <a:r>
+                            <a:rPr lang="en-GB" sz="1400" b="1" i="0" u="none" strike="noStrike" baseline="0" dirty="0">
+                              <a:latin typeface="Abadi Extra Light" panose="020B0204020104020204" pitchFamily="34" charset="0"/>
+                            </a:rPr>
+                            <a:t>-0.565</a:t>
+                          </a:r>
+                          <a:endParaRPr lang="en-GB" sz="1400" b="1" dirty="0">
+                            <a:latin typeface="Abadi Extra Light" panose="020B0204020104020204" pitchFamily="34" charset="0"/>
+                          </a:endParaRPr>
+                        </a:p>
+                      </a:txBody>
+                      <a:tcPr/>
+                    </a:tc>
+                    <a:extLst>
+                      <a:ext uri="{0D108BD9-81ED-4DB2-BD59-A6C34878D82A}">
+                        <a16:rowId xmlns:a16="http://schemas.microsoft.com/office/drawing/2014/main" val="3843540648"/>
+                      </a:ext>
+                    </a:extLst>
+                  </a:tr>
+                  <a:tr h="286168">
+                    <a:tc>
+                      <a:txBody>
+                        <a:bodyPr/>
+                        <a:lstStyle/>
+                        <a:p>
+                          <a:pPr marL="0" marR="0" lvl="0" indent="0" algn="l" defTabSz="685800" rtl="0" eaLnBrk="1" fontAlgn="auto" latinLnBrk="0" hangingPunct="1">
+                            <a:lnSpc>
+                              <a:spcPct val="100000"/>
+                            </a:lnSpc>
+                            <a:spcBef>
+                              <a:spcPts val="0"/>
+                            </a:spcBef>
+                            <a:spcAft>
+                              <a:spcPts val="0"/>
+                            </a:spcAft>
+                            <a:buClrTx/>
+                            <a:buSzTx/>
+                            <a:buFontTx/>
+                            <a:buNone/>
+                            <a:tabLst/>
+                            <a:defRPr/>
+                          </a:pPr>
+                          <a14:m>
+                            <m:oMathPara xmlns:m="http://schemas.openxmlformats.org/officeDocument/2006/math">
+                              <m:oMathParaPr>
+                                <m:jc m:val="left"/>
+                              </m:oMathParaPr>
+                              <m:oMath xmlns:m="http://schemas.openxmlformats.org/officeDocument/2006/math">
+                                <m:r>
+                                  <m:rPr>
+                                    <m:nor/>
+                                  </m:rPr>
+                                  <a:rPr lang="en-GB" sz="1400" dirty="0" smtClean="0">
+                                    <a:latin typeface="Cascadia Code Light" panose="020B0609020000020004" pitchFamily="49" charset="0"/>
+                                    <a:ea typeface="Cascadia Code Light" panose="020B0609020000020004" pitchFamily="49" charset="0"/>
+                                    <a:cs typeface="Cascadia Code Light" panose="020B0609020000020004" pitchFamily="49" charset="0"/>
+                                  </a:rPr>
+                                  <m:t>beta</m:t>
+                                </m:r>
+                                <m:r>
+                                  <m:rPr>
+                                    <m:nor/>
+                                  </m:rPr>
+                                  <a:rPr lang="en-GB" sz="1400" dirty="0" smtClean="0">
+                                    <a:latin typeface="Cascadia Code Light" panose="020B0609020000020004" pitchFamily="49" charset="0"/>
+                                    <a:ea typeface="Cascadia Code Light" panose="020B0609020000020004" pitchFamily="49" charset="0"/>
+                                    <a:cs typeface="Cascadia Code Light" panose="020B0609020000020004" pitchFamily="49" charset="0"/>
+                                  </a:rPr>
+                                  <m:t>_</m:t>
+                                </m:r>
+                                <m:r>
+                                  <m:rPr>
+                                    <m:nor/>
+                                  </m:rPr>
+                                  <a:rPr lang="en-GB" sz="1400" dirty="0" smtClean="0">
+                                    <a:latin typeface="Cascadia Code Light" panose="020B0609020000020004" pitchFamily="49" charset="0"/>
+                                    <a:ea typeface="Cascadia Code Light" panose="020B0609020000020004" pitchFamily="49" charset="0"/>
+                                    <a:cs typeface="Cascadia Code Light" panose="020B0609020000020004" pitchFamily="49" charset="0"/>
+                                  </a:rPr>
+                                  <m:t>time</m:t>
+                                </m:r>
+                              </m:oMath>
+                            </m:oMathPara>
+                          </a14:m>
+                          <a:endParaRPr lang="en-GB" sz="1400" dirty="0">
+                            <a:latin typeface="Cascadia Code Light" panose="020B0609020000020004" pitchFamily="49" charset="0"/>
+                            <a:ea typeface="Cascadia Code Light" panose="020B0609020000020004" pitchFamily="49" charset="0"/>
+                            <a:cs typeface="Cascadia Code Light" panose="020B0609020000020004" pitchFamily="49" charset="0"/>
+                          </a:endParaRPr>
+                        </a:p>
+                      </a:txBody>
+                      <a:tcPr/>
+                    </a:tc>
+                    <a:tc>
+                      <a:txBody>
+                        <a:bodyPr/>
+                        <a:lstStyle/>
+                        <a:p>
+                          <a:pPr algn="r"/>
+                          <a:r>
+                            <a:rPr lang="en-GB" sz="1400" b="1" i="0" u="none" strike="noStrike" kern="1200" baseline="0" dirty="0">
+                              <a:solidFill>
+                                <a:schemeClr val="dk1"/>
+                              </a:solidFill>
+                              <a:latin typeface="Abadi Extra Light" panose="020B0204020104020204" pitchFamily="34" charset="0"/>
+                              <a:ea typeface="+mn-ea"/>
+                              <a:cs typeface="+mn-cs"/>
+                            </a:rPr>
+                            <a:t>-3.165</a:t>
+                          </a:r>
+                          <a:endParaRPr lang="en-GB" sz="1400" b="1" dirty="0">
+                            <a:latin typeface="Abadi Extra Light" panose="020B0204020104020204" pitchFamily="34" charset="0"/>
+                          </a:endParaRPr>
+                        </a:p>
+                      </a:txBody>
+                      <a:tcPr/>
+                    </a:tc>
+                    <a:tc>
+                      <a:txBody>
+                        <a:bodyPr/>
+                        <a:lstStyle/>
+                        <a:p>
+                          <a:pPr algn="r"/>
+                          <a:r>
+                            <a:rPr lang="en-GB" sz="1400" b="1" i="0" u="none" strike="noStrike" kern="1200" baseline="0" dirty="0">
+                              <a:solidFill>
+                                <a:schemeClr val="dk1"/>
+                              </a:solidFill>
+                              <a:latin typeface="Abadi Extra Light" panose="020B0204020104020204" pitchFamily="34" charset="0"/>
+                              <a:ea typeface="+mn-ea"/>
+                              <a:cs typeface="+mn-cs"/>
+                            </a:rPr>
+                            <a:t>-3.194</a:t>
+                          </a:r>
+                          <a:endParaRPr lang="en-GB" sz="1400" b="1" dirty="0">
+                            <a:latin typeface="Abadi Extra Light" panose="020B0204020104020204" pitchFamily="34" charset="0"/>
+                          </a:endParaRPr>
+                        </a:p>
+                      </a:txBody>
+                      <a:tcPr/>
+                    </a:tc>
+                    <a:extLst>
+                      <a:ext uri="{0D108BD9-81ED-4DB2-BD59-A6C34878D82A}">
+                        <a16:rowId xmlns:a16="http://schemas.microsoft.com/office/drawing/2014/main" val="4157712979"/>
+                      </a:ext>
+                    </a:extLst>
+                  </a:tr>
+                  <a:tr h="286168">
+                    <a:tc>
+                      <a:txBody>
+                        <a:bodyPr/>
+                        <a:lstStyle/>
+                        <a:p>
+                          <a:pPr marL="0" marR="0" lvl="0" indent="0" algn="l" defTabSz="685800" rtl="0" eaLnBrk="1" fontAlgn="auto" latinLnBrk="0" hangingPunct="1">
+                            <a:lnSpc>
+                              <a:spcPct val="100000"/>
+                            </a:lnSpc>
+                            <a:spcBef>
+                              <a:spcPts val="0"/>
+                            </a:spcBef>
+                            <a:spcAft>
+                              <a:spcPts val="0"/>
+                            </a:spcAft>
+                            <a:buClrTx/>
+                            <a:buSzTx/>
+                            <a:buFontTx/>
+                            <a:buNone/>
+                            <a:tabLst/>
+                            <a:defRPr/>
+                          </a:pPr>
+                          <a:r>
+                            <a:rPr lang="en-GB" sz="1400" dirty="0" err="1">
+                              <a:latin typeface="Cascadia Code Light" panose="020B0609020000020004" pitchFamily="49" charset="0"/>
+                              <a:ea typeface="Cascadia Code Light" panose="020B0609020000020004" pitchFamily="49" charset="0"/>
+                              <a:cs typeface="Cascadia Code Light" panose="020B0609020000020004" pitchFamily="49" charset="0"/>
+                            </a:rPr>
+                            <a:t>beta_time_s</a:t>
+                          </a:r>
+                          <a:endParaRPr lang="en-GB" sz="1400" dirty="0">
+                            <a:latin typeface="Cascadia Code Light" panose="020B0609020000020004" pitchFamily="49" charset="0"/>
+                            <a:ea typeface="Cascadia Code Light" panose="020B0609020000020004" pitchFamily="49" charset="0"/>
+                            <a:cs typeface="Cascadia Code Light" panose="020B0609020000020004" pitchFamily="49" charset="0"/>
+                          </a:endParaRPr>
+                        </a:p>
+                      </a:txBody>
+                      <a:tcPr/>
+                    </a:tc>
+                    <a:tc>
+                      <a:txBody>
+                        <a:bodyPr/>
+                        <a:lstStyle/>
+                        <a:p>
+                          <a:pPr algn="r"/>
+                          <a:r>
+                            <a:rPr lang="en-GB" sz="1400" b="1" i="0" u="none" strike="noStrike" kern="1200" baseline="0" dirty="0">
+                              <a:solidFill>
+                                <a:schemeClr val="dk1"/>
+                              </a:solidFill>
+                              <a:latin typeface="Abadi Extra Light" panose="020B0204020104020204" pitchFamily="34" charset="0"/>
+                              <a:ea typeface="+mn-ea"/>
+                              <a:cs typeface="+mn-cs"/>
+                            </a:rPr>
+                            <a:t>3.718</a:t>
+                          </a:r>
+                          <a:endParaRPr lang="en-GB" sz="1400" b="1" dirty="0">
+                            <a:latin typeface="Abadi Extra Light" panose="020B0204020104020204" pitchFamily="34" charset="0"/>
+                          </a:endParaRPr>
+                        </a:p>
+                      </a:txBody>
+                      <a:tcPr/>
+                    </a:tc>
+                    <a:tc>
+                      <a:txBody>
+                        <a:bodyPr/>
+                        <a:lstStyle/>
+                        <a:p>
+                          <a:pPr algn="r"/>
+                          <a:r>
+                            <a:rPr lang="en-GB" sz="1400" b="1" dirty="0">
+                              <a:latin typeface="Abadi Extra Light" panose="020B0204020104020204" pitchFamily="34" charset="0"/>
+                            </a:rPr>
+                            <a:t>3.706</a:t>
+                          </a:r>
+                        </a:p>
+                      </a:txBody>
+                      <a:tcPr/>
+                    </a:tc>
+                    <a:extLst>
+                      <a:ext uri="{0D108BD9-81ED-4DB2-BD59-A6C34878D82A}">
+                        <a16:rowId xmlns:a16="http://schemas.microsoft.com/office/drawing/2014/main" val="4176831915"/>
+                      </a:ext>
+                    </a:extLst>
+                  </a:tr>
+                  <a:tr h="286168">
+                    <a:tc>
+                      <a:txBody>
+                        <a:bodyPr/>
+                        <a:lstStyle/>
+                        <a:p>
+                          <a:pPr marL="0" marR="0" lvl="0" indent="0" algn="l" defTabSz="685800" rtl="0" eaLnBrk="1" fontAlgn="auto" latinLnBrk="0" hangingPunct="1">
+                            <a:lnSpc>
+                              <a:spcPct val="100000"/>
+                            </a:lnSpc>
+                            <a:spcBef>
+                              <a:spcPts val="0"/>
+                            </a:spcBef>
+                            <a:spcAft>
+                              <a:spcPts val="0"/>
+                            </a:spcAft>
+                            <a:buClrTx/>
+                            <a:buSzTx/>
+                            <a:buFontTx/>
+                            <a:buNone/>
+                            <a:tabLst/>
+                            <a:defRPr/>
+                          </a:pPr>
+                          <a:r>
+                            <a:rPr lang="en-GB" sz="1400" dirty="0" err="1">
+                              <a:latin typeface="Cascadia Code Light" panose="020B0609020000020004" pitchFamily="49" charset="0"/>
+                              <a:ea typeface="Cascadia Code Light" panose="020B0609020000020004" pitchFamily="49" charset="0"/>
+                              <a:cs typeface="Cascadia Code Light" panose="020B0609020000020004" pitchFamily="49" charset="0"/>
+                            </a:rPr>
+                            <a:t>beta_cost</a:t>
+                          </a:r>
+                          <a:endParaRPr lang="en-GB" sz="1400" dirty="0">
+                            <a:latin typeface="Cascadia Code Light" panose="020B0609020000020004" pitchFamily="49" charset="0"/>
+                            <a:ea typeface="Cascadia Code Light" panose="020B0609020000020004" pitchFamily="49" charset="0"/>
+                            <a:cs typeface="Cascadia Code Light" panose="020B0609020000020004" pitchFamily="49" charset="0"/>
+                          </a:endParaRPr>
+                        </a:p>
+                      </a:txBody>
+                      <a:tcPr/>
+                    </a:tc>
+                    <a:tc>
+                      <a:txBody>
+                        <a:bodyPr/>
+                        <a:lstStyle/>
+                        <a:p>
+                          <a:pPr algn="r"/>
+                          <a:r>
+                            <a:rPr lang="en-GB" sz="1400" b="1" dirty="0">
+                              <a:latin typeface="Abadi Extra Light" panose="020B0204020104020204" pitchFamily="34" charset="0"/>
+                            </a:rPr>
+                            <a:t>- 1.650</a:t>
+                          </a:r>
+                        </a:p>
+                      </a:txBody>
+                      <a:tcPr/>
+                    </a:tc>
+                    <a:tc>
+                      <a:txBody>
+                        <a:bodyPr/>
+                        <a:lstStyle/>
+                        <a:p>
+                          <a:pPr algn="r"/>
+                          <a:r>
+                            <a:rPr lang="en-GB" sz="1400" b="1" dirty="0">
+                              <a:latin typeface="Abadi Extra Light" panose="020B0204020104020204" pitchFamily="34" charset="0"/>
+                            </a:rPr>
+                            <a:t>- 1.648</a:t>
+                          </a:r>
+                        </a:p>
+                      </a:txBody>
+                      <a:tcPr/>
+                    </a:tc>
+                    <a:extLst>
+                      <a:ext uri="{0D108BD9-81ED-4DB2-BD59-A6C34878D82A}">
+                        <a16:rowId xmlns:a16="http://schemas.microsoft.com/office/drawing/2014/main" val="3112634718"/>
+                      </a:ext>
+                    </a:extLst>
+                  </a:tr>
+                </a:tbl>
+              </a:graphicData>
+            </a:graphic>
+          </p:graphicFrame>
+        </mc:Choice>
+        <mc:Fallback>
+          <p:graphicFrame>
+            <p:nvGraphicFramePr>
+              <p:cNvPr id="2" name="Tableau 1">
+                <a:extLst>
+                  <a:ext uri="{FF2B5EF4-FFF2-40B4-BE49-F238E27FC236}">
+                    <a16:creationId xmlns:a16="http://schemas.microsoft.com/office/drawing/2014/main" id="{DDC193A3-489A-38B3-2AA3-82B8F49313F0}"/>
+                  </a:ext>
+                </a:extLst>
+              </p:cNvPr>
+              <p:cNvGraphicFramePr>
+                <a:graphicFrameLocks noGrp="1"/>
+              </p:cNvGraphicFramePr>
+              <p:nvPr>
+                <p:extLst>
+                  <p:ext uri="{D42A27DB-BD31-4B8C-83A1-F6EECF244321}">
+                    <p14:modId xmlns:p14="http://schemas.microsoft.com/office/powerpoint/2010/main" val="3657424124"/>
+                  </p:ext>
+                </p:extLst>
+              </p:nvPr>
+            </p:nvGraphicFramePr>
+            <p:xfrm>
+              <a:off x="1289721" y="1010488"/>
+              <a:ext cx="6564557" cy="1821180"/>
+            </p:xfrm>
+            <a:graphic>
+              <a:graphicData uri="http://schemas.openxmlformats.org/drawingml/2006/table">
+                <a:tbl>
+                  <a:tblPr firstRow="1" bandRow="1">
+                    <a:tableStyleId>{21E4AEA4-8DFA-4A89-87EB-49C32662AFE0}</a:tableStyleId>
+                  </a:tblPr>
+                  <a:tblGrid>
+                    <a:gridCol w="2395501">
+                      <a:extLst>
+                        <a:ext uri="{9D8B030D-6E8A-4147-A177-3AD203B41FA5}">
+                          <a16:colId xmlns:a16="http://schemas.microsoft.com/office/drawing/2014/main" val="1806313233"/>
+                        </a:ext>
+                      </a:extLst>
+                    </a:gridCol>
+                    <a:gridCol w="1981931">
+                      <a:extLst>
+                        <a:ext uri="{9D8B030D-6E8A-4147-A177-3AD203B41FA5}">
+                          <a16:colId xmlns:a16="http://schemas.microsoft.com/office/drawing/2014/main" val="1721530599"/>
+                        </a:ext>
+                      </a:extLst>
+                    </a:gridCol>
+                    <a:gridCol w="2187125">
+                      <a:extLst>
+                        <a:ext uri="{9D8B030D-6E8A-4147-A177-3AD203B41FA5}">
+                          <a16:colId xmlns:a16="http://schemas.microsoft.com/office/drawing/2014/main" val="441806123"/>
+                        </a:ext>
+                      </a:extLst>
+                    </a:gridCol>
+                  </a:tblGrid>
+                  <a:tr h="297180">
+                    <a:tc>
+                      <a:txBody>
+                        <a:bodyPr/>
+                        <a:lstStyle/>
+                        <a:p>
+                          <a:pPr algn="l"/>
+                          <a:r>
+                            <a:rPr lang="en-GB" dirty="0"/>
+                            <a:t>PARAMETERS</a:t>
+                          </a:r>
+                        </a:p>
+                      </a:txBody>
+                      <a:tcPr/>
+                    </a:tc>
+                    <a:tc>
+                      <a:txBody>
+                        <a:bodyPr/>
+                        <a:lstStyle/>
+                        <a:p>
+                          <a:pPr algn="ctr"/>
+                          <a:r>
+                            <a:rPr lang="en-GB" dirty="0"/>
+                            <a:t>VALUE IN APOLLO</a:t>
+                          </a:r>
+                        </a:p>
+                      </a:txBody>
+                      <a:tcPr/>
+                    </a:tc>
+                    <a:tc>
+                      <a:txBody>
+                        <a:bodyPr/>
+                        <a:lstStyle/>
+                        <a:p>
+                          <a:pPr algn="ctr"/>
+                          <a:r>
+                            <a:rPr lang="en-GB" dirty="0"/>
+                            <a:t>VALUE IN BIOGEME</a:t>
+                          </a:r>
+                        </a:p>
+                      </a:txBody>
+                      <a:tcPr/>
+                    </a:tc>
+                    <a:extLst>
+                      <a:ext uri="{0D108BD9-81ED-4DB2-BD59-A6C34878D82A}">
+                        <a16:rowId xmlns:a16="http://schemas.microsoft.com/office/drawing/2014/main" val="3574925640"/>
+                      </a:ext>
+                    </a:extLst>
+                  </a:tr>
+                  <a:tr h="304800">
+                    <a:tc>
+                      <a:txBody>
+                        <a:bodyPr/>
+                        <a:lstStyle/>
+                        <a:p>
+                          <a:pPr marL="0" marR="0" lvl="0" indent="0" algn="l" defTabSz="685800" rtl="0" eaLnBrk="1" fontAlgn="auto" latinLnBrk="0" hangingPunct="1">
+                            <a:lnSpc>
+                              <a:spcPct val="100000"/>
+                            </a:lnSpc>
+                            <a:spcBef>
+                              <a:spcPts val="0"/>
+                            </a:spcBef>
+                            <a:spcAft>
+                              <a:spcPts val="0"/>
+                            </a:spcAft>
+                            <a:buClrTx/>
+                            <a:buSzTx/>
+                            <a:buFontTx/>
+                            <a:buNone/>
+                            <a:tabLst/>
+                            <a:defRPr/>
+                          </a:pPr>
+                          <a:r>
+                            <a:rPr lang="en-GB" sz="1400" dirty="0" err="1">
+                              <a:latin typeface="Cascadia Code Light" panose="020B0609020000020004" pitchFamily="49" charset="0"/>
+                              <a:ea typeface="Cascadia Code Light" panose="020B0609020000020004" pitchFamily="49" charset="0"/>
+                              <a:cs typeface="Cascadia Code Light" panose="020B0609020000020004" pitchFamily="49" charset="0"/>
+                            </a:rPr>
+                            <a:t>asc_car</a:t>
+                          </a:r>
+                          <a:endParaRPr lang="en-GB" sz="1400" dirty="0">
+                            <a:latin typeface="Cascadia Code Light" panose="020B0609020000020004" pitchFamily="49" charset="0"/>
+                            <a:ea typeface="Cascadia Code Light" panose="020B0609020000020004" pitchFamily="49" charset="0"/>
+                            <a:cs typeface="Cascadia Code Light" panose="020B0609020000020004" pitchFamily="49" charset="0"/>
+                          </a:endParaRPr>
+                        </a:p>
+                      </a:txBody>
+                      <a:tcPr/>
+                    </a:tc>
+                    <a:tc>
+                      <a:txBody>
+                        <a:bodyPr/>
+                        <a:lstStyle/>
+                        <a:p>
+                          <a:pPr algn="r"/>
+                          <a:r>
+                            <a:rPr lang="en-GB" sz="1400" b="1" i="0" u="none" strike="noStrike" kern="1200" baseline="0" dirty="0">
+                              <a:solidFill>
+                                <a:schemeClr val="dk1"/>
+                              </a:solidFill>
+                              <a:latin typeface="Abadi Extra Light" panose="020B0204020104020204" pitchFamily="34" charset="0"/>
+                              <a:ea typeface="+mn-ea"/>
+                              <a:cs typeface="+mn-cs"/>
+                            </a:rPr>
+                            <a:t>0.281 </a:t>
+                          </a:r>
+                          <a:endParaRPr lang="en-GB" sz="1400" b="1" dirty="0">
+                            <a:latin typeface="Abadi Extra Light" panose="020B0204020104020204" pitchFamily="34" charset="0"/>
+                          </a:endParaRPr>
+                        </a:p>
+                      </a:txBody>
+                      <a:tcPr/>
+                    </a:tc>
+                    <a:tc>
+                      <a:txBody>
+                        <a:bodyPr/>
+                        <a:lstStyle/>
+                        <a:p>
+                          <a:pPr algn="r"/>
+                          <a:r>
+                            <a:rPr lang="en-GB" sz="1400" b="1" i="0" u="none" strike="noStrike" kern="1200" baseline="0" dirty="0">
+                              <a:solidFill>
+                                <a:schemeClr val="dk1"/>
+                              </a:solidFill>
+                              <a:latin typeface="Abadi Extra Light" panose="020B0204020104020204" pitchFamily="34" charset="0"/>
+                              <a:ea typeface="+mn-ea"/>
+                              <a:cs typeface="+mn-cs"/>
+                            </a:rPr>
+                            <a:t>0.284</a:t>
+                          </a:r>
+                          <a:endParaRPr lang="en-GB" sz="1400" b="1" dirty="0">
+                            <a:latin typeface="Abadi Extra Light" panose="020B0204020104020204" pitchFamily="34" charset="0"/>
+                          </a:endParaRPr>
+                        </a:p>
+                      </a:txBody>
+                      <a:tcPr/>
+                    </a:tc>
+                    <a:extLst>
+                      <a:ext uri="{0D108BD9-81ED-4DB2-BD59-A6C34878D82A}">
+                        <a16:rowId xmlns:a16="http://schemas.microsoft.com/office/drawing/2014/main" val="214954310"/>
+                      </a:ext>
+                    </a:extLst>
+                  </a:tr>
+                  <a:tr h="304800">
+                    <a:tc>
+                      <a:txBody>
+                        <a:bodyPr/>
+                        <a:lstStyle/>
+                        <a:p>
+                          <a:endParaRPr lang="fr-FR"/>
+                        </a:p>
+                      </a:txBody>
+                      <a:tcPr>
+                        <a:blipFill>
+                          <a:blip r:embed="rId3"/>
+                          <a:stretch>
+                            <a:fillRect l="-254" t="-200000" r="-175318" b="-322000"/>
+                          </a:stretch>
+                        </a:blipFill>
+                      </a:tcPr>
+                    </a:tc>
+                    <a:tc>
+                      <a:txBody>
+                        <a:bodyPr/>
+                        <a:lstStyle/>
+                        <a:p>
+                          <a:pPr algn="r"/>
+                          <a:r>
+                            <a:rPr lang="en-GB" sz="1400" b="1" i="0" u="none" strike="noStrike" baseline="0" dirty="0">
+                              <a:latin typeface="Abadi Extra Light" panose="020B0204020104020204" pitchFamily="34" charset="0"/>
+                            </a:rPr>
+                            <a:t>-0.572</a:t>
+                          </a:r>
+                          <a:endParaRPr lang="en-GB" sz="1400" b="1" dirty="0">
+                            <a:latin typeface="Abadi Extra Light" panose="020B0204020104020204" pitchFamily="34" charset="0"/>
+                          </a:endParaRPr>
+                        </a:p>
+                      </a:txBody>
+                      <a:tcPr/>
+                    </a:tc>
+                    <a:tc>
+                      <a:txBody>
+                        <a:bodyPr/>
+                        <a:lstStyle/>
+                        <a:p>
+                          <a:pPr algn="r"/>
+                          <a:r>
+                            <a:rPr lang="en-GB" sz="1400" b="1" i="0" u="none" strike="noStrike" baseline="0" dirty="0">
+                              <a:latin typeface="Abadi Extra Light" panose="020B0204020104020204" pitchFamily="34" charset="0"/>
+                            </a:rPr>
+                            <a:t>-0.565</a:t>
+                          </a:r>
+                          <a:endParaRPr lang="en-GB" sz="1400" b="1" dirty="0">
+                            <a:latin typeface="Abadi Extra Light" panose="020B0204020104020204" pitchFamily="34" charset="0"/>
+                          </a:endParaRPr>
+                        </a:p>
+                      </a:txBody>
+                      <a:tcPr/>
+                    </a:tc>
+                    <a:extLst>
+                      <a:ext uri="{0D108BD9-81ED-4DB2-BD59-A6C34878D82A}">
+                        <a16:rowId xmlns:a16="http://schemas.microsoft.com/office/drawing/2014/main" val="3843540648"/>
+                      </a:ext>
+                    </a:extLst>
+                  </a:tr>
+                  <a:tr h="304800">
+                    <a:tc>
+                      <a:txBody>
+                        <a:bodyPr/>
+                        <a:lstStyle/>
+                        <a:p>
+                          <a:endParaRPr lang="fr-FR"/>
+                        </a:p>
+                      </a:txBody>
+                      <a:tcPr>
+                        <a:blipFill>
+                          <a:blip r:embed="rId3"/>
+                          <a:stretch>
+                            <a:fillRect l="-254" t="-294118" r="-175318" b="-215686"/>
+                          </a:stretch>
+                        </a:blipFill>
+                      </a:tcPr>
+                    </a:tc>
+                    <a:tc>
+                      <a:txBody>
+                        <a:bodyPr/>
+                        <a:lstStyle/>
+                        <a:p>
+                          <a:pPr algn="r"/>
+                          <a:r>
+                            <a:rPr lang="en-GB" sz="1400" b="1" i="0" u="none" strike="noStrike" kern="1200" baseline="0" dirty="0">
+                              <a:solidFill>
+                                <a:schemeClr val="dk1"/>
+                              </a:solidFill>
+                              <a:latin typeface="Abadi Extra Light" panose="020B0204020104020204" pitchFamily="34" charset="0"/>
+                              <a:ea typeface="+mn-ea"/>
+                              <a:cs typeface="+mn-cs"/>
+                            </a:rPr>
+                            <a:t>-3.165</a:t>
+                          </a:r>
+                          <a:endParaRPr lang="en-GB" sz="1400" b="1" dirty="0">
+                            <a:latin typeface="Abadi Extra Light" panose="020B0204020104020204" pitchFamily="34" charset="0"/>
+                          </a:endParaRPr>
+                        </a:p>
+                      </a:txBody>
+                      <a:tcPr/>
+                    </a:tc>
+                    <a:tc>
+                      <a:txBody>
+                        <a:bodyPr/>
+                        <a:lstStyle/>
+                        <a:p>
+                          <a:pPr algn="r"/>
+                          <a:r>
+                            <a:rPr lang="en-GB" sz="1400" b="1" i="0" u="none" strike="noStrike" kern="1200" baseline="0" dirty="0">
+                              <a:solidFill>
+                                <a:schemeClr val="dk1"/>
+                              </a:solidFill>
+                              <a:latin typeface="Abadi Extra Light" panose="020B0204020104020204" pitchFamily="34" charset="0"/>
+                              <a:ea typeface="+mn-ea"/>
+                              <a:cs typeface="+mn-cs"/>
+                            </a:rPr>
+                            <a:t>-3.194</a:t>
+                          </a:r>
+                          <a:endParaRPr lang="en-GB" sz="1400" b="1" dirty="0">
+                            <a:latin typeface="Abadi Extra Light" panose="020B0204020104020204" pitchFamily="34" charset="0"/>
+                          </a:endParaRPr>
+                        </a:p>
+                      </a:txBody>
+                      <a:tcPr/>
+                    </a:tc>
+                    <a:extLst>
+                      <a:ext uri="{0D108BD9-81ED-4DB2-BD59-A6C34878D82A}">
+                        <a16:rowId xmlns:a16="http://schemas.microsoft.com/office/drawing/2014/main" val="4157712979"/>
+                      </a:ext>
+                    </a:extLst>
+                  </a:tr>
+                  <a:tr h="304800">
+                    <a:tc>
+                      <a:txBody>
+                        <a:bodyPr/>
+                        <a:lstStyle/>
+                        <a:p>
+                          <a:pPr marL="0" marR="0" lvl="0" indent="0" algn="l" defTabSz="685800" rtl="0" eaLnBrk="1" fontAlgn="auto" latinLnBrk="0" hangingPunct="1">
+                            <a:lnSpc>
+                              <a:spcPct val="100000"/>
+                            </a:lnSpc>
+                            <a:spcBef>
+                              <a:spcPts val="0"/>
+                            </a:spcBef>
+                            <a:spcAft>
+                              <a:spcPts val="0"/>
+                            </a:spcAft>
+                            <a:buClrTx/>
+                            <a:buSzTx/>
+                            <a:buFontTx/>
+                            <a:buNone/>
+                            <a:tabLst/>
+                            <a:defRPr/>
+                          </a:pPr>
+                          <a:r>
+                            <a:rPr lang="en-GB" sz="1400" dirty="0" err="1">
+                              <a:latin typeface="Cascadia Code Light" panose="020B0609020000020004" pitchFamily="49" charset="0"/>
+                              <a:ea typeface="Cascadia Code Light" panose="020B0609020000020004" pitchFamily="49" charset="0"/>
+                              <a:cs typeface="Cascadia Code Light" panose="020B0609020000020004" pitchFamily="49" charset="0"/>
+                            </a:rPr>
+                            <a:t>beta_time_s</a:t>
+                          </a:r>
+                          <a:endParaRPr lang="en-GB" sz="1400" dirty="0">
+                            <a:latin typeface="Cascadia Code Light" panose="020B0609020000020004" pitchFamily="49" charset="0"/>
+                            <a:ea typeface="Cascadia Code Light" panose="020B0609020000020004" pitchFamily="49" charset="0"/>
+                            <a:cs typeface="Cascadia Code Light" panose="020B0609020000020004" pitchFamily="49" charset="0"/>
+                          </a:endParaRPr>
+                        </a:p>
+                      </a:txBody>
+                      <a:tcPr/>
+                    </a:tc>
+                    <a:tc>
+                      <a:txBody>
+                        <a:bodyPr/>
+                        <a:lstStyle/>
+                        <a:p>
+                          <a:pPr algn="r"/>
+                          <a:r>
+                            <a:rPr lang="en-GB" sz="1400" b="1" i="0" u="none" strike="noStrike" kern="1200" baseline="0" dirty="0">
+                              <a:solidFill>
+                                <a:schemeClr val="dk1"/>
+                              </a:solidFill>
+                              <a:latin typeface="Abadi Extra Light" panose="020B0204020104020204" pitchFamily="34" charset="0"/>
+                              <a:ea typeface="+mn-ea"/>
+                              <a:cs typeface="+mn-cs"/>
+                            </a:rPr>
+                            <a:t>3.718</a:t>
+                          </a:r>
+                          <a:endParaRPr lang="en-GB" sz="1400" b="1" dirty="0">
+                            <a:latin typeface="Abadi Extra Light" panose="020B0204020104020204" pitchFamily="34" charset="0"/>
+                          </a:endParaRPr>
+                        </a:p>
+                      </a:txBody>
+                      <a:tcPr/>
+                    </a:tc>
+                    <a:tc>
+                      <a:txBody>
+                        <a:bodyPr/>
+                        <a:lstStyle/>
+                        <a:p>
+                          <a:pPr algn="r"/>
+                          <a:r>
+                            <a:rPr lang="en-GB" sz="1400" b="1" dirty="0">
+                              <a:latin typeface="Abadi Extra Light" panose="020B0204020104020204" pitchFamily="34" charset="0"/>
+                            </a:rPr>
+                            <a:t>3.706</a:t>
+                          </a:r>
+                        </a:p>
+                      </a:txBody>
+                      <a:tcPr/>
+                    </a:tc>
+                    <a:extLst>
+                      <a:ext uri="{0D108BD9-81ED-4DB2-BD59-A6C34878D82A}">
+                        <a16:rowId xmlns:a16="http://schemas.microsoft.com/office/drawing/2014/main" val="4176831915"/>
+                      </a:ext>
+                    </a:extLst>
+                  </a:tr>
+                  <a:tr h="304800">
+                    <a:tc>
+                      <a:txBody>
+                        <a:bodyPr/>
+                        <a:lstStyle/>
+                        <a:p>
+                          <a:pPr marL="0" marR="0" lvl="0" indent="0" algn="l" defTabSz="685800" rtl="0" eaLnBrk="1" fontAlgn="auto" latinLnBrk="0" hangingPunct="1">
+                            <a:lnSpc>
+                              <a:spcPct val="100000"/>
+                            </a:lnSpc>
+                            <a:spcBef>
+                              <a:spcPts val="0"/>
+                            </a:spcBef>
+                            <a:spcAft>
+                              <a:spcPts val="0"/>
+                            </a:spcAft>
+                            <a:buClrTx/>
+                            <a:buSzTx/>
+                            <a:buFontTx/>
+                            <a:buNone/>
+                            <a:tabLst/>
+                            <a:defRPr/>
+                          </a:pPr>
+                          <a:r>
+                            <a:rPr lang="en-GB" sz="1400" dirty="0" err="1">
+                              <a:latin typeface="Cascadia Code Light" panose="020B0609020000020004" pitchFamily="49" charset="0"/>
+                              <a:ea typeface="Cascadia Code Light" panose="020B0609020000020004" pitchFamily="49" charset="0"/>
+                              <a:cs typeface="Cascadia Code Light" panose="020B0609020000020004" pitchFamily="49" charset="0"/>
+                            </a:rPr>
+                            <a:t>beta_cost</a:t>
+                          </a:r>
+                          <a:endParaRPr lang="en-GB" sz="1400" dirty="0">
+                            <a:latin typeface="Cascadia Code Light" panose="020B0609020000020004" pitchFamily="49" charset="0"/>
+                            <a:ea typeface="Cascadia Code Light" panose="020B0609020000020004" pitchFamily="49" charset="0"/>
+                            <a:cs typeface="Cascadia Code Light" panose="020B0609020000020004" pitchFamily="49" charset="0"/>
+                          </a:endParaRPr>
+                        </a:p>
+                      </a:txBody>
+                      <a:tcPr/>
+                    </a:tc>
+                    <a:tc>
+                      <a:txBody>
+                        <a:bodyPr/>
+                        <a:lstStyle/>
+                        <a:p>
+                          <a:pPr algn="r"/>
+                          <a:r>
+                            <a:rPr lang="en-GB" sz="1400" b="1" dirty="0">
+                              <a:latin typeface="Abadi Extra Light" panose="020B0204020104020204" pitchFamily="34" charset="0"/>
+                            </a:rPr>
+                            <a:t>- 1.650</a:t>
+                          </a:r>
+                        </a:p>
+                      </a:txBody>
+                      <a:tcPr/>
+                    </a:tc>
+                    <a:tc>
+                      <a:txBody>
+                        <a:bodyPr/>
+                        <a:lstStyle/>
+                        <a:p>
+                          <a:pPr algn="r"/>
+                          <a:r>
+                            <a:rPr lang="en-GB" sz="1400" b="1" dirty="0">
+                              <a:latin typeface="Abadi Extra Light" panose="020B0204020104020204" pitchFamily="34" charset="0"/>
+                            </a:rPr>
+                            <a:t>- 1.648</a:t>
+                          </a:r>
+                        </a:p>
+                      </a:txBody>
+                      <a:tcPr/>
+                    </a:tc>
+                    <a:extLst>
+                      <a:ext uri="{0D108BD9-81ED-4DB2-BD59-A6C34878D82A}">
+                        <a16:rowId xmlns:a16="http://schemas.microsoft.com/office/drawing/2014/main" val="3112634718"/>
+                      </a:ext>
+                    </a:extLst>
+                  </a:tr>
+                </a:tbl>
+              </a:graphicData>
+            </a:graphic>
+          </p:graphicFrame>
+        </mc:Fallback>
+      </mc:AlternateContent>
       <p:graphicFrame>
         <p:nvGraphicFramePr>
-          <p:cNvPr id="2" name="Tableau 1">
-            <a:extLst>
-              <a:ext uri="{FF2B5EF4-FFF2-40B4-BE49-F238E27FC236}">
-                <a16:creationId xmlns:a16="http://schemas.microsoft.com/office/drawing/2014/main" id="{DDC193A3-489A-38B3-2AA3-82B8F49313F0}"/>
+          <p:cNvPr id="3" name="Tableau 2">
+            <a:extLst>
+              <a:ext uri="{FF2B5EF4-FFF2-40B4-BE49-F238E27FC236}">
+                <a16:creationId xmlns:a16="http://schemas.microsoft.com/office/drawing/2014/main" id="{559C1B5C-402F-A043-34D4-A9A9D7221980}"/>
               </a:ext>
             </a:extLst>
           </p:cNvPr>
@@ -6748,14 +8135,14 @@
           <p:nvPr>
             <p:extLst>
               <p:ext uri="{D42A27DB-BD31-4B8C-83A1-F6EECF244321}">
-                <p14:modId xmlns:p14="http://schemas.microsoft.com/office/powerpoint/2010/main" val="2635546983"/>
+                <p14:modId xmlns:p14="http://schemas.microsoft.com/office/powerpoint/2010/main" val="3069289517"/>
               </p:ext>
             </p:extLst>
           </p:nvPr>
         </p:nvGraphicFramePr>
         <p:xfrm>
-          <a:off x="1289721" y="1203960"/>
-          <a:ext cx="6564557" cy="2735580"/>
+          <a:off x="1289721" y="3226232"/>
+          <a:ext cx="6564557" cy="1084653"/>
         </p:xfrm>
         <a:graphic>
           <a:graphicData uri="http://schemas.openxmlformats.org/drawingml/2006/table">
@@ -6764,853 +8151,21 @@
                 <a:tableStyleId>{21E4AEA4-8DFA-4A89-87EB-49C32662AFE0}</a:tableStyleId>
               </a:tblPr>
               <a:tblGrid>
-                <a:gridCol w="2395501">
-                  <a:extLst>
-                    <a:ext uri="{9D8B030D-6E8A-4147-A177-3AD203B41FA5}">
-                      <a16:colId xmlns:a16="http://schemas.microsoft.com/office/drawing/2014/main" val="1806313233"/>
-                    </a:ext>
-                  </a:extLst>
-                </a:gridCol>
-                <a:gridCol w="1981931">
-                  <a:extLst>
-                    <a:ext uri="{9D8B030D-6E8A-4147-A177-3AD203B41FA5}">
-                      <a16:colId xmlns:a16="http://schemas.microsoft.com/office/drawing/2014/main" val="1721530599"/>
-                    </a:ext>
-                  </a:extLst>
-                </a:gridCol>
-                <a:gridCol w="2187125">
-                  <a:extLst>
-                    <a:ext uri="{9D8B030D-6E8A-4147-A177-3AD203B41FA5}">
-                      <a16:colId xmlns:a16="http://schemas.microsoft.com/office/drawing/2014/main" val="441806123"/>
-                    </a:ext>
-                  </a:extLst>
-                </a:gridCol>
-              </a:tblGrid>
-              <a:tr h="0">
-                <a:tc>
-                  <a:txBody>
-                    <a:bodyPr/>
-                    <a:lstStyle/>
-                    <a:p>
-                      <a:pPr algn="ctr"/>
-                      <a:r>
-                        <a:rPr lang="en-GB" dirty="0"/>
-                        <a:t>PARAMETERS</a:t>
-                      </a:r>
-                    </a:p>
-                  </a:txBody>
-                  <a:tcPr/>
-                </a:tc>
-                <a:tc>
-                  <a:txBody>
-                    <a:bodyPr/>
-                    <a:lstStyle/>
-                    <a:p>
-                      <a:pPr algn="ctr"/>
-                      <a:r>
-                        <a:rPr lang="en-GB" dirty="0"/>
-                        <a:t>VALUE IN APOLLO</a:t>
-                      </a:r>
-                    </a:p>
-                  </a:txBody>
-                  <a:tcPr/>
-                </a:tc>
-                <a:tc>
-                  <a:txBody>
-                    <a:bodyPr/>
-                    <a:lstStyle/>
-                    <a:p>
-                      <a:pPr algn="ctr"/>
-                      <a:r>
-                        <a:rPr lang="en-GB" dirty="0"/>
-                        <a:t>VALUE IN BIOGEME</a:t>
-                      </a:r>
-                    </a:p>
-                  </a:txBody>
-                  <a:tcPr/>
-                </a:tc>
-                <a:extLst>
-                  <a:ext uri="{0D108BD9-81ED-4DB2-BD59-A6C34878D82A}">
-                    <a16:rowId xmlns:a16="http://schemas.microsoft.com/office/drawing/2014/main" val="3574925640"/>
-                  </a:ext>
-                </a:extLst>
-              </a:tr>
-              <a:tr h="286168">
-                <a:tc>
-                  <a:txBody>
-                    <a:bodyPr/>
-                    <a:lstStyle/>
-                    <a:p>
-                      <a:r>
-                        <a:rPr lang="en-GB" dirty="0">
-                          <a:latin typeface="Cascadia Code Light" panose="020B0609020000020004" pitchFamily="49" charset="0"/>
-                          <a:ea typeface="Cascadia Code Light" panose="020B0609020000020004" pitchFamily="49" charset="0"/>
-                          <a:cs typeface="Cascadia Code Light" panose="020B0609020000020004" pitchFamily="49" charset="0"/>
-                        </a:rPr>
-                        <a:t>MU_LOG_B_TT</a:t>
-                      </a:r>
-                    </a:p>
-                  </a:txBody>
-                  <a:tcPr/>
-                </a:tc>
-                <a:tc>
-                  <a:txBody>
-                    <a:bodyPr/>
-                    <a:lstStyle/>
-                    <a:p>
-                      <a:pPr algn="r"/>
-                      <a:r>
-                        <a:rPr lang="en-GB" sz="1400" b="1" dirty="0">
-                          <a:latin typeface="Abadi Extra Light" panose="020B0204020104020204" pitchFamily="34" charset="0"/>
-                        </a:rPr>
-                        <a:t>- 1.984</a:t>
-                      </a:r>
-                    </a:p>
-                  </a:txBody>
-                  <a:tcPr/>
-                </a:tc>
-                <a:tc>
-                  <a:txBody>
-                    <a:bodyPr/>
-                    <a:lstStyle/>
-                    <a:p>
-                      <a:pPr algn="r"/>
-                      <a:r>
-                        <a:rPr lang="en-GB" sz="1400" b="1" dirty="0">
-                          <a:latin typeface="Abadi Extra Light" panose="020B0204020104020204" pitchFamily="34" charset="0"/>
-                        </a:rPr>
-                        <a:t>- 2.540</a:t>
-                      </a:r>
-                    </a:p>
-                  </a:txBody>
-                  <a:tcPr/>
-                </a:tc>
-                <a:extLst>
-                  <a:ext uri="{0D108BD9-81ED-4DB2-BD59-A6C34878D82A}">
-                    <a16:rowId xmlns:a16="http://schemas.microsoft.com/office/drawing/2014/main" val="3843540648"/>
-                  </a:ext>
-                </a:extLst>
-              </a:tr>
-              <a:tr h="286168">
-                <a:tc>
-                  <a:txBody>
-                    <a:bodyPr/>
-                    <a:lstStyle/>
-                    <a:p>
-                      <a:pPr marL="0" marR="0" lvl="0" indent="0" algn="l" defTabSz="685800" rtl="0" eaLnBrk="1" fontAlgn="auto" latinLnBrk="0" hangingPunct="1">
-                        <a:lnSpc>
-                          <a:spcPct val="100000"/>
-                        </a:lnSpc>
-                        <a:spcBef>
-                          <a:spcPts val="0"/>
-                        </a:spcBef>
-                        <a:spcAft>
-                          <a:spcPts val="0"/>
-                        </a:spcAft>
-                        <a:buClrTx/>
-                        <a:buSzTx/>
-                        <a:buFontTx/>
-                        <a:buNone/>
-                        <a:tabLst/>
-                        <a:defRPr/>
-                      </a:pPr>
-                      <a:r>
-                        <a:rPr lang="en-GB" dirty="0">
-                          <a:latin typeface="Cascadia Code Light" panose="020B0609020000020004" pitchFamily="49" charset="0"/>
-                          <a:ea typeface="Cascadia Code Light" panose="020B0609020000020004" pitchFamily="49" charset="0"/>
-                          <a:cs typeface="Cascadia Code Light" panose="020B0609020000020004" pitchFamily="49" charset="0"/>
-                        </a:rPr>
-                        <a:t>SIGMA_LOG_B_TT</a:t>
-                      </a:r>
-                    </a:p>
-                  </a:txBody>
-                  <a:tcPr/>
-                </a:tc>
-                <a:tc>
-                  <a:txBody>
-                    <a:bodyPr/>
-                    <a:lstStyle/>
-                    <a:p>
-                      <a:pPr algn="r"/>
-                      <a:r>
-                        <a:rPr lang="en-GB" sz="1400" b="1" dirty="0">
-                          <a:latin typeface="Abadi Extra Light" panose="020B0204020104020204" pitchFamily="34" charset="0"/>
-                        </a:rPr>
-                        <a:t>- 0.441</a:t>
-                      </a:r>
-                    </a:p>
-                  </a:txBody>
-                  <a:tcPr/>
-                </a:tc>
-                <a:tc>
-                  <a:txBody>
-                    <a:bodyPr/>
-                    <a:lstStyle/>
-                    <a:p>
-                      <a:pPr algn="r"/>
-                      <a:r>
-                        <a:rPr lang="en-GB" sz="1400" b="1" dirty="0">
-                          <a:latin typeface="Abadi Extra Light" panose="020B0204020104020204" pitchFamily="34" charset="0"/>
-                        </a:rPr>
-                        <a:t>- 0.577</a:t>
-                      </a:r>
-                    </a:p>
-                  </a:txBody>
-                  <a:tcPr/>
-                </a:tc>
-                <a:extLst>
-                  <a:ext uri="{0D108BD9-81ED-4DB2-BD59-A6C34878D82A}">
-                    <a16:rowId xmlns:a16="http://schemas.microsoft.com/office/drawing/2014/main" val="4157712979"/>
-                  </a:ext>
-                </a:extLst>
-              </a:tr>
-              <a:tr h="286168">
-                <a:tc>
-                  <a:txBody>
-                    <a:bodyPr/>
-                    <a:lstStyle/>
-                    <a:p>
-                      <a:pPr marL="0" marR="0" lvl="0" indent="0" algn="l" defTabSz="685800" rtl="0" eaLnBrk="1" fontAlgn="auto" latinLnBrk="0" hangingPunct="1">
-                        <a:lnSpc>
-                          <a:spcPct val="100000"/>
-                        </a:lnSpc>
-                        <a:spcBef>
-                          <a:spcPts val="0"/>
-                        </a:spcBef>
-                        <a:spcAft>
-                          <a:spcPts val="0"/>
-                        </a:spcAft>
-                        <a:buClrTx/>
-                        <a:buSzTx/>
-                        <a:buFontTx/>
-                        <a:buNone/>
-                        <a:tabLst/>
-                        <a:defRPr/>
-                      </a:pPr>
-                      <a:r>
-                        <a:rPr lang="en-GB" dirty="0">
-                          <a:latin typeface="Cascadia Code Light" panose="020B0609020000020004" pitchFamily="49" charset="0"/>
-                          <a:ea typeface="Cascadia Code Light" panose="020B0609020000020004" pitchFamily="49" charset="0"/>
-                          <a:cs typeface="Cascadia Code Light" panose="020B0609020000020004" pitchFamily="49" charset="0"/>
-                        </a:rPr>
-                        <a:t>MU_LOG_B_TC</a:t>
-                      </a:r>
-                    </a:p>
-                  </a:txBody>
-                  <a:tcPr/>
-                </a:tc>
-                <a:tc>
-                  <a:txBody>
-                    <a:bodyPr/>
-                    <a:lstStyle/>
-                    <a:p>
-                      <a:pPr algn="r"/>
-                      <a:r>
-                        <a:rPr lang="en-GB" sz="1400" b="1" dirty="0">
-                          <a:latin typeface="Abadi Extra Light" panose="020B0204020104020204" pitchFamily="34" charset="0"/>
-                        </a:rPr>
-                        <a:t>- 1.016</a:t>
-                      </a:r>
-                    </a:p>
-                  </a:txBody>
-                  <a:tcPr/>
-                </a:tc>
-                <a:tc>
-                  <a:txBody>
-                    <a:bodyPr/>
-                    <a:lstStyle/>
-                    <a:p>
-                      <a:pPr algn="r"/>
-                      <a:r>
-                        <a:rPr lang="en-GB" sz="1400" b="1" dirty="0">
-                          <a:latin typeface="Abadi Extra Light" panose="020B0204020104020204" pitchFamily="34" charset="0"/>
-                        </a:rPr>
-                        <a:t>- 2.620</a:t>
-                      </a:r>
-                    </a:p>
-                  </a:txBody>
-                  <a:tcPr/>
-                </a:tc>
-                <a:extLst>
-                  <a:ext uri="{0D108BD9-81ED-4DB2-BD59-A6C34878D82A}">
-                    <a16:rowId xmlns:a16="http://schemas.microsoft.com/office/drawing/2014/main" val="4176831915"/>
-                  </a:ext>
-                </a:extLst>
-              </a:tr>
-              <a:tr h="286168">
-                <a:tc>
-                  <a:txBody>
-                    <a:bodyPr/>
-                    <a:lstStyle/>
-                    <a:p>
-                      <a:pPr marL="0" marR="0" lvl="0" indent="0" algn="l" defTabSz="685800" rtl="0" eaLnBrk="1" fontAlgn="auto" latinLnBrk="0" hangingPunct="1">
-                        <a:lnSpc>
-                          <a:spcPct val="100000"/>
-                        </a:lnSpc>
-                        <a:spcBef>
-                          <a:spcPts val="0"/>
-                        </a:spcBef>
-                        <a:spcAft>
-                          <a:spcPts val="0"/>
-                        </a:spcAft>
-                        <a:buClrTx/>
-                        <a:buSzTx/>
-                        <a:buFontTx/>
-                        <a:buNone/>
-                        <a:tabLst/>
-                        <a:defRPr/>
-                      </a:pPr>
-                      <a:r>
-                        <a:rPr lang="en-GB" dirty="0">
-                          <a:latin typeface="Cascadia Code Light" panose="020B0609020000020004" pitchFamily="49" charset="0"/>
-                          <a:ea typeface="Cascadia Code Light" panose="020B0609020000020004" pitchFamily="49" charset="0"/>
-                          <a:cs typeface="Cascadia Code Light" panose="020B0609020000020004" pitchFamily="49" charset="0"/>
-                        </a:rPr>
-                        <a:t>SIGMA_LOG_B_TC</a:t>
-                      </a:r>
-                    </a:p>
-                  </a:txBody>
-                  <a:tcPr/>
-                </a:tc>
-                <a:tc>
-                  <a:txBody>
-                    <a:bodyPr/>
-                    <a:lstStyle/>
-                    <a:p>
-                      <a:pPr algn="r"/>
-                      <a:r>
-                        <a:rPr lang="en-GB" sz="1400" b="1" dirty="0">
-                          <a:latin typeface="Abadi Extra Light" panose="020B0204020104020204" pitchFamily="34" charset="0"/>
-                        </a:rPr>
-                        <a:t>- 0.991</a:t>
-                      </a:r>
-                    </a:p>
-                  </a:txBody>
-                  <a:tcPr/>
-                </a:tc>
-                <a:tc>
-                  <a:txBody>
-                    <a:bodyPr/>
-                    <a:lstStyle/>
-                    <a:p>
-                      <a:pPr algn="r"/>
-                      <a:r>
-                        <a:rPr lang="en-GB" sz="1400" b="1" dirty="0">
-                          <a:latin typeface="Abadi Extra Light" panose="020B0204020104020204" pitchFamily="34" charset="0"/>
-                        </a:rPr>
-                        <a:t>- 1.890</a:t>
-                      </a:r>
-                    </a:p>
-                  </a:txBody>
-                  <a:tcPr/>
-                </a:tc>
-                <a:extLst>
-                  <a:ext uri="{0D108BD9-81ED-4DB2-BD59-A6C34878D82A}">
-                    <a16:rowId xmlns:a16="http://schemas.microsoft.com/office/drawing/2014/main" val="3112634718"/>
-                  </a:ext>
-                </a:extLst>
-              </a:tr>
-              <a:tr h="286168">
-                <a:tc>
-                  <a:txBody>
-                    <a:bodyPr/>
-                    <a:lstStyle/>
-                    <a:p>
-                      <a:pPr marL="0" marR="0" lvl="0" indent="0" algn="l" defTabSz="685800" rtl="0" eaLnBrk="1" fontAlgn="auto" latinLnBrk="0" hangingPunct="1">
-                        <a:lnSpc>
-                          <a:spcPct val="100000"/>
-                        </a:lnSpc>
-                        <a:spcBef>
-                          <a:spcPts val="0"/>
-                        </a:spcBef>
-                        <a:spcAft>
-                          <a:spcPts val="0"/>
-                        </a:spcAft>
-                        <a:buClrTx/>
-                        <a:buSzTx/>
-                        <a:buFontTx/>
-                        <a:buNone/>
-                        <a:tabLst/>
-                        <a:defRPr/>
-                      </a:pPr>
-                      <a:r>
-                        <a:rPr lang="en-GB" dirty="0">
-                          <a:latin typeface="Cascadia Code Light" panose="020B0609020000020004" pitchFamily="49" charset="0"/>
-                          <a:ea typeface="Cascadia Code Light" panose="020B0609020000020004" pitchFamily="49" charset="0"/>
-                          <a:cs typeface="Cascadia Code Light" panose="020B0609020000020004" pitchFamily="49" charset="0"/>
-                        </a:rPr>
-                        <a:t>MU_LOG_B_HW</a:t>
-                      </a:r>
-                    </a:p>
-                  </a:txBody>
-                  <a:tcPr/>
-                </a:tc>
-                <a:tc>
-                  <a:txBody>
-                    <a:bodyPr/>
-                    <a:lstStyle/>
-                    <a:p>
-                      <a:pPr algn="r"/>
-                      <a:r>
-                        <a:rPr lang="en-GB" sz="1400" b="1" dirty="0">
-                          <a:latin typeface="Abadi Extra Light" panose="020B0204020104020204" pitchFamily="34" charset="0"/>
-                        </a:rPr>
-                        <a:t>- 2.938</a:t>
-                      </a:r>
-                    </a:p>
-                  </a:txBody>
-                  <a:tcPr/>
-                </a:tc>
-                <a:tc>
-                  <a:txBody>
-                    <a:bodyPr/>
-                    <a:lstStyle/>
-                    <a:p>
-                      <a:pPr algn="r"/>
-                      <a:r>
-                        <a:rPr lang="en-GB" sz="1400" b="1" dirty="0">
-                          <a:latin typeface="Abadi Extra Light" panose="020B0204020104020204" pitchFamily="34" charset="0"/>
-                        </a:rPr>
-                        <a:t>- 3.070</a:t>
-                      </a:r>
-                    </a:p>
-                  </a:txBody>
-                  <a:tcPr/>
-                </a:tc>
-                <a:extLst>
-                  <a:ext uri="{0D108BD9-81ED-4DB2-BD59-A6C34878D82A}">
-                    <a16:rowId xmlns:a16="http://schemas.microsoft.com/office/drawing/2014/main" val="3924252162"/>
-                  </a:ext>
-                </a:extLst>
-              </a:tr>
-              <a:tr h="286168">
-                <a:tc>
-                  <a:txBody>
-                    <a:bodyPr/>
-                    <a:lstStyle/>
-                    <a:p>
-                      <a:pPr marL="0" marR="0" lvl="0" indent="0" algn="l" defTabSz="685800" rtl="0" eaLnBrk="1" fontAlgn="auto" latinLnBrk="0" hangingPunct="1">
-                        <a:lnSpc>
-                          <a:spcPct val="100000"/>
-                        </a:lnSpc>
-                        <a:spcBef>
-                          <a:spcPts val="0"/>
-                        </a:spcBef>
-                        <a:spcAft>
-                          <a:spcPts val="0"/>
-                        </a:spcAft>
-                        <a:buClrTx/>
-                        <a:buSzTx/>
-                        <a:buFontTx/>
-                        <a:buNone/>
-                        <a:tabLst/>
-                        <a:defRPr/>
-                      </a:pPr>
-                      <a:r>
-                        <a:rPr lang="en-GB" dirty="0">
-                          <a:latin typeface="Cascadia Code Light" panose="020B0609020000020004" pitchFamily="49" charset="0"/>
-                          <a:ea typeface="Cascadia Code Light" panose="020B0609020000020004" pitchFamily="49" charset="0"/>
-                          <a:cs typeface="Cascadia Code Light" panose="020B0609020000020004" pitchFamily="49" charset="0"/>
-                        </a:rPr>
-                        <a:t>SIGMA_LOG_B_HW</a:t>
-                      </a:r>
-                    </a:p>
-                  </a:txBody>
-                  <a:tcPr/>
-                </a:tc>
-                <a:tc>
-                  <a:txBody>
-                    <a:bodyPr/>
-                    <a:lstStyle/>
-                    <a:p>
-                      <a:pPr algn="r"/>
-                      <a:r>
-                        <a:rPr lang="en-GB" sz="1400" b="1" dirty="0">
-                          <a:latin typeface="Abadi Extra Light" panose="020B0204020104020204" pitchFamily="34" charset="0"/>
-                        </a:rPr>
-                        <a:t>- 0.834</a:t>
-                      </a:r>
-                    </a:p>
-                  </a:txBody>
-                  <a:tcPr/>
-                </a:tc>
-                <a:tc>
-                  <a:txBody>
-                    <a:bodyPr/>
-                    <a:lstStyle/>
-                    <a:p>
-                      <a:pPr algn="r"/>
-                      <a:r>
-                        <a:rPr lang="en-GB" sz="1400" b="1" dirty="0">
-                          <a:latin typeface="Abadi Extra Light" panose="020B0204020104020204" pitchFamily="34" charset="0"/>
-                        </a:rPr>
-                        <a:t>0.268</a:t>
-                      </a:r>
-                    </a:p>
-                  </a:txBody>
-                  <a:tcPr/>
-                </a:tc>
-                <a:extLst>
-                  <a:ext uri="{0D108BD9-81ED-4DB2-BD59-A6C34878D82A}">
-                    <a16:rowId xmlns:a16="http://schemas.microsoft.com/office/drawing/2014/main" val="83022797"/>
-                  </a:ext>
-                </a:extLst>
-              </a:tr>
-              <a:tr h="286168">
-                <a:tc>
-                  <a:txBody>
-                    <a:bodyPr/>
-                    <a:lstStyle/>
-                    <a:p>
-                      <a:pPr marL="0" marR="0" lvl="0" indent="0" algn="l" defTabSz="685800" rtl="0" eaLnBrk="1" fontAlgn="auto" latinLnBrk="0" hangingPunct="1">
-                        <a:lnSpc>
-                          <a:spcPct val="100000"/>
-                        </a:lnSpc>
-                        <a:spcBef>
-                          <a:spcPts val="0"/>
-                        </a:spcBef>
-                        <a:spcAft>
-                          <a:spcPts val="0"/>
-                        </a:spcAft>
-                        <a:buClrTx/>
-                        <a:buSzTx/>
-                        <a:buFontTx/>
-                        <a:buNone/>
-                        <a:tabLst/>
-                        <a:defRPr/>
-                      </a:pPr>
-                      <a:r>
-                        <a:rPr lang="en-GB" dirty="0">
-                          <a:latin typeface="Cascadia Code Light" panose="020B0609020000020004" pitchFamily="49" charset="0"/>
-                          <a:ea typeface="Cascadia Code Light" panose="020B0609020000020004" pitchFamily="49" charset="0"/>
-                          <a:cs typeface="Cascadia Code Light" panose="020B0609020000020004" pitchFamily="49" charset="0"/>
-                        </a:rPr>
-                        <a:t>MU_LOG_B_CH</a:t>
-                      </a:r>
-                    </a:p>
-                  </a:txBody>
-                  <a:tcPr/>
-                </a:tc>
-                <a:tc>
-                  <a:txBody>
-                    <a:bodyPr/>
-                    <a:lstStyle/>
-                    <a:p>
-                      <a:pPr algn="r"/>
-                      <a:r>
-                        <a:rPr lang="en-GB" sz="1400" b="1" dirty="0">
-                          <a:latin typeface="Abadi Extra Light" panose="020B0204020104020204" pitchFamily="34" charset="0"/>
-                        </a:rPr>
-                        <a:t>0.631</a:t>
-                      </a:r>
-                    </a:p>
-                  </a:txBody>
-                  <a:tcPr/>
-                </a:tc>
-                <a:tc>
-                  <a:txBody>
-                    <a:bodyPr/>
-                    <a:lstStyle/>
-                    <a:p>
-                      <a:pPr algn="r"/>
-                      <a:r>
-                        <a:rPr lang="en-GB" sz="1400" b="1" dirty="0">
-                          <a:latin typeface="Abadi Extra Light" panose="020B0204020104020204" pitchFamily="34" charset="0"/>
-                        </a:rPr>
-                        <a:t>0.251</a:t>
-                      </a:r>
-                    </a:p>
-                  </a:txBody>
-                  <a:tcPr/>
-                </a:tc>
-                <a:extLst>
-                  <a:ext uri="{0D108BD9-81ED-4DB2-BD59-A6C34878D82A}">
-                    <a16:rowId xmlns:a16="http://schemas.microsoft.com/office/drawing/2014/main" val="3167267015"/>
-                  </a:ext>
-                </a:extLst>
-              </a:tr>
-              <a:tr h="286168">
-                <a:tc>
-                  <a:txBody>
-                    <a:bodyPr/>
-                    <a:lstStyle/>
-                    <a:p>
-                      <a:pPr marL="0" marR="0" lvl="0" indent="0" algn="l" defTabSz="685800" rtl="0" eaLnBrk="1" fontAlgn="auto" latinLnBrk="0" hangingPunct="1">
-                        <a:lnSpc>
-                          <a:spcPct val="100000"/>
-                        </a:lnSpc>
-                        <a:spcBef>
-                          <a:spcPts val="0"/>
-                        </a:spcBef>
-                        <a:spcAft>
-                          <a:spcPts val="0"/>
-                        </a:spcAft>
-                        <a:buClrTx/>
-                        <a:buSzTx/>
-                        <a:buFontTx/>
-                        <a:buNone/>
-                        <a:tabLst/>
-                        <a:defRPr/>
-                      </a:pPr>
-                      <a:r>
-                        <a:rPr lang="en-GB" dirty="0">
-                          <a:latin typeface="Cascadia Code Light" panose="020B0609020000020004" pitchFamily="49" charset="0"/>
-                          <a:ea typeface="Cascadia Code Light" panose="020B0609020000020004" pitchFamily="49" charset="0"/>
-                          <a:cs typeface="Cascadia Code Light" panose="020B0609020000020004" pitchFamily="49" charset="0"/>
-                        </a:rPr>
-                        <a:t>SIGMA_LOG_B_CH</a:t>
-                      </a:r>
-                    </a:p>
-                  </a:txBody>
-                  <a:tcPr/>
-                </a:tc>
-                <a:tc>
-                  <a:txBody>
-                    <a:bodyPr/>
-                    <a:lstStyle/>
-                    <a:p>
-                      <a:pPr algn="r"/>
-                      <a:r>
-                        <a:rPr lang="en-GB" sz="1400" b="1" dirty="0">
-                          <a:latin typeface="Abadi Extra Light" panose="020B0204020104020204" pitchFamily="34" charset="0"/>
-                        </a:rPr>
-                        <a:t>0.858</a:t>
-                      </a:r>
-                    </a:p>
-                  </a:txBody>
-                  <a:tcPr/>
-                </a:tc>
-                <a:tc>
-                  <a:txBody>
-                    <a:bodyPr/>
-                    <a:lstStyle/>
-                    <a:p>
-                      <a:pPr algn="r"/>
-                      <a:r>
-                        <a:rPr lang="en-GB" sz="1400" b="1" dirty="0">
-                          <a:latin typeface="Abadi Extra Light" panose="020B0204020104020204" pitchFamily="34" charset="0"/>
-                        </a:rPr>
-                        <a:t>0.801</a:t>
-                      </a:r>
-                    </a:p>
-                  </a:txBody>
-                  <a:tcPr/>
-                </a:tc>
-                <a:extLst>
-                  <a:ext uri="{0D108BD9-81ED-4DB2-BD59-A6C34878D82A}">
-                    <a16:rowId xmlns:a16="http://schemas.microsoft.com/office/drawing/2014/main" val="969453842"/>
-                  </a:ext>
-                </a:extLst>
-              </a:tr>
-            </a:tbl>
-          </a:graphicData>
-        </a:graphic>
-      </p:graphicFrame>
-    </p:spTree>
-    <p:extLst>
-      <p:ext uri="{BB962C8B-B14F-4D97-AF65-F5344CB8AC3E}">
-        <p14:creationId xmlns:p14="http://schemas.microsoft.com/office/powerpoint/2010/main" val="3504059596"/>
-      </p:ext>
-    </p:extLst>
-  </p:cSld>
-  <p:clrMapOvr>
-    <a:masterClrMapping/>
-  </p:clrMapOvr>
-</p:sld>
-</file>
-
-<file path=ppt/slides/slide14.xml><?xml version="1.0" encoding="utf-8"?>
-<p:sld xmlns:a="http://schemas.openxmlformats.org/drawingml/2006/main" xmlns:r="http://schemas.openxmlformats.org/officeDocument/2006/relationships" xmlns:p="http://schemas.openxmlformats.org/presentationml/2006/main">
-  <p:cSld>
-    <p:spTree>
-      <p:nvGrpSpPr>
-        <p:cNvPr id="1" name=""/>
-        <p:cNvGrpSpPr/>
-        <p:nvPr/>
-      </p:nvGrpSpPr>
-      <p:grpSpPr>
-        <a:xfrm>
-          <a:off x="0" y="0"/>
-          <a:ext cx="0" cy="0"/>
-          <a:chOff x="0" y="0"/>
-          <a:chExt cx="0" cy="0"/>
-        </a:xfrm>
-      </p:grpSpPr>
-      <p:sp>
-        <p:nvSpPr>
-          <p:cNvPr id="4" name="Espace réservé de la date 3">
-            <a:extLst>
-              <a:ext uri="{FF2B5EF4-FFF2-40B4-BE49-F238E27FC236}">
-                <a16:creationId xmlns:a16="http://schemas.microsoft.com/office/drawing/2014/main" id="{A468D869-FEAE-4E41-8088-2B1F1C600E34}"/>
-              </a:ext>
-            </a:extLst>
-          </p:cNvPr>
-          <p:cNvSpPr>
-            <a:spLocks noGrp="1"/>
-          </p:cNvSpPr>
-          <p:nvPr>
-            <p:ph type="dt" sz="half" idx="18"/>
-          </p:nvPr>
-        </p:nvSpPr>
-        <p:spPr/>
-        <p:txBody>
-          <a:bodyPr/>
-          <a:lstStyle/>
-          <a:p>
-            <a:r>
-              <a:rPr lang="fr-CH" dirty="0"/>
-              <a:t>ALEXIA PARATTE / SEMESTER PROJECT MIDTERM PRESENTATION</a:t>
-            </a:r>
-            <a:endParaRPr lang="fr-FR" dirty="0"/>
-          </a:p>
-        </p:txBody>
-      </p:sp>
-      <p:sp>
-        <p:nvSpPr>
-          <p:cNvPr id="5" name="Espace réservé du pied de page 4">
-            <a:extLst>
-              <a:ext uri="{FF2B5EF4-FFF2-40B4-BE49-F238E27FC236}">
-                <a16:creationId xmlns:a16="http://schemas.microsoft.com/office/drawing/2014/main" id="{E2DA19A9-7B92-DE45-BDD7-1BC0F4B0E8A0}"/>
-              </a:ext>
-            </a:extLst>
-          </p:cNvPr>
-          <p:cNvSpPr>
-            <a:spLocks noGrp="1"/>
-          </p:cNvSpPr>
-          <p:nvPr>
-            <p:ph type="ftr" sz="quarter" idx="19"/>
-          </p:nvPr>
-        </p:nvSpPr>
-        <p:spPr>
-          <a:xfrm rot="16200000">
-            <a:off x="7820359" y="1169694"/>
-            <a:ext cx="2134520" cy="512762"/>
-          </a:xfrm>
-        </p:spPr>
-        <p:txBody>
-          <a:bodyPr/>
-          <a:lstStyle/>
-          <a:p>
-            <a:r>
-              <a:rPr lang="fr-FR" sz="1050" dirty="0"/>
-              <a:t>Second Model</a:t>
-            </a:r>
-          </a:p>
-        </p:txBody>
-      </p:sp>
-      <p:sp>
-        <p:nvSpPr>
-          <p:cNvPr id="6" name="Espace réservé du numéro de diapositive 5">
-            <a:extLst>
-              <a:ext uri="{FF2B5EF4-FFF2-40B4-BE49-F238E27FC236}">
-                <a16:creationId xmlns:a16="http://schemas.microsoft.com/office/drawing/2014/main" id="{881B401C-18BC-4649-B2B0-EB3EECC87645}"/>
-              </a:ext>
-            </a:extLst>
-          </p:cNvPr>
-          <p:cNvSpPr>
-            <a:spLocks noGrp="1"/>
-          </p:cNvSpPr>
-          <p:nvPr>
-            <p:ph type="sldNum" sz="quarter" idx="20"/>
-          </p:nvPr>
-        </p:nvSpPr>
-        <p:spPr/>
-        <p:txBody>
-          <a:bodyPr/>
-          <a:lstStyle/>
-          <a:p>
-            <a:fld id="{E1E1CD7C-2161-7D43-862E-CE4C333CD873}" type="slidenum">
-              <a:rPr lang="fr-FR" smtClean="0"/>
-              <a:pPr/>
-              <a:t>14</a:t>
-            </a:fld>
-            <a:endParaRPr lang="fr-FR" dirty="0"/>
-          </a:p>
-        </p:txBody>
-      </p:sp>
-      <p:sp>
-        <p:nvSpPr>
-          <p:cNvPr id="7" name="Titre 6">
-            <a:extLst>
-              <a:ext uri="{FF2B5EF4-FFF2-40B4-BE49-F238E27FC236}">
-                <a16:creationId xmlns:a16="http://schemas.microsoft.com/office/drawing/2014/main" id="{B2CF7EEE-D0B7-6648-AE4B-B2B65E993964}"/>
-              </a:ext>
-            </a:extLst>
-          </p:cNvPr>
-          <p:cNvSpPr>
-            <a:spLocks noGrp="1"/>
-          </p:cNvSpPr>
-          <p:nvPr>
-            <p:ph type="title"/>
-          </p:nvPr>
-        </p:nvSpPr>
-        <p:spPr>
-          <a:xfrm>
-            <a:off x="904875" y="358815"/>
-            <a:ext cx="4557076" cy="670902"/>
-          </a:xfrm>
-        </p:spPr>
-        <p:txBody>
-          <a:bodyPr/>
-          <a:lstStyle/>
-          <a:p>
-            <a:r>
-              <a:rPr lang="fr-FR" dirty="0" err="1"/>
-              <a:t>Statistics</a:t>
-            </a:r>
-            <a:r>
-              <a:rPr lang="fr-FR" dirty="0"/>
-              <a:t> Final MMNL</a:t>
-            </a:r>
-          </a:p>
-        </p:txBody>
-      </p:sp>
-      <p:graphicFrame>
-        <p:nvGraphicFramePr>
-          <p:cNvPr id="10" name="Tableau 9">
-            <a:extLst>
-              <a:ext uri="{FF2B5EF4-FFF2-40B4-BE49-F238E27FC236}">
-                <a16:creationId xmlns:a16="http://schemas.microsoft.com/office/drawing/2014/main" id="{F5B80B57-8FDD-534C-9A27-F75A32A7B15A}"/>
-              </a:ext>
-            </a:extLst>
-          </p:cNvPr>
-          <p:cNvGraphicFramePr>
-            <a:graphicFrameLocks noGrp="1"/>
-          </p:cNvGraphicFramePr>
-          <p:nvPr>
-            <p:extLst>
-              <p:ext uri="{D42A27DB-BD31-4B8C-83A1-F6EECF244321}">
-                <p14:modId xmlns:p14="http://schemas.microsoft.com/office/powerpoint/2010/main" val="1854648493"/>
-              </p:ext>
-            </p:extLst>
-          </p:nvPr>
-        </p:nvGraphicFramePr>
-        <p:xfrm>
-          <a:off x="1123784" y="1848648"/>
-          <a:ext cx="6896432" cy="1446204"/>
-        </p:xfrm>
-        <a:graphic>
-          <a:graphicData uri="http://schemas.openxmlformats.org/drawingml/2006/table">
-            <a:tbl>
-              <a:tblPr firstRow="1" bandRow="1">
-                <a:tableStyleId>{21E4AEA4-8DFA-4A89-87EB-49C32662AFE0}</a:tableStyleId>
-              </a:tblPr>
-              <a:tblGrid>
-                <a:gridCol w="2827537">
+                <a:gridCol w="2383782">
                   <a:extLst>
                     <a:ext uri="{9D8B030D-6E8A-4147-A177-3AD203B41FA5}">
                       <a16:colId xmlns:a16="http://schemas.microsoft.com/office/drawing/2014/main" val="164566094"/>
                     </a:ext>
                   </a:extLst>
                 </a:gridCol>
-                <a:gridCol w="1770084">
+                <a:gridCol w="1992589">
                   <a:extLst>
                     <a:ext uri="{9D8B030D-6E8A-4147-A177-3AD203B41FA5}">
                       <a16:colId xmlns:a16="http://schemas.microsoft.com/office/drawing/2014/main" val="1925316795"/>
                     </a:ext>
                   </a:extLst>
                 </a:gridCol>
-                <a:gridCol w="2298811">
+                <a:gridCol w="2188186">
                   <a:extLst>
                     <a:ext uri="{9D8B030D-6E8A-4147-A177-3AD203B41FA5}">
                       <a16:colId xmlns:a16="http://schemas.microsoft.com/office/drawing/2014/main" val="628783585"/>
@@ -7692,7 +8247,7 @@
                         <a:rPr lang="en-GB" sz="1600" b="0" dirty="0">
                           <a:latin typeface="Abadi Extra Light" panose="020B0204020104020204" pitchFamily="34" charset="0"/>
                         </a:rPr>
-                        <a:t>- 2’253.78</a:t>
+                        <a:t>- 5’782.84</a:t>
                       </a:r>
                     </a:p>
                   </a:txBody>
@@ -7708,7 +8263,7 @@
                         <a:rPr lang="en-GB" sz="1600" b="0" dirty="0">
                           <a:latin typeface="Abadi Extra Light" panose="020B0204020104020204" pitchFamily="34" charset="0"/>
                         </a:rPr>
-                        <a:t>-1703.93</a:t>
+                        <a:t>-5’784.81</a:t>
                       </a:r>
                     </a:p>
                   </a:txBody>
@@ -7765,7 +8320,7 @@
                         <a:rPr lang="en-GB" sz="1600" b="0" dirty="0">
                           <a:latin typeface="Abadi Extra Light" panose="020B0204020104020204" pitchFamily="34" charset="0"/>
                         </a:rPr>
-                        <a:t>- 1’444.35</a:t>
+                        <a:t>- 4’363.05</a:t>
                       </a:r>
                     </a:p>
                   </a:txBody>
@@ -7781,7 +8336,7 @@
                         <a:rPr lang="fr-CH" sz="1600" b="0" dirty="0">
                           <a:latin typeface="Abadi Extra Light" panose="020B0204020104020204" pitchFamily="34" charset="0"/>
                         </a:rPr>
-                        <a:t>-1534.219</a:t>
+                        <a:t>- 4’362.97</a:t>
                       </a:r>
                     </a:p>
                   </a:txBody>
@@ -7793,79 +8348,6 @@
                   </a:ext>
                 </a:extLst>
               </a:tr>
-              <a:tr h="361551">
-                <a:tc>
-                  <a:txBody>
-                    <a:bodyPr/>
-                    <a:lstStyle/>
-                    <a:p>
-                      <a:pPr marL="0" marR="0" lvl="0" indent="0" algn="l" defTabSz="685800" rtl="0" eaLnBrk="1" fontAlgn="auto" latinLnBrk="0" hangingPunct="1">
-                        <a:lnSpc>
-                          <a:spcPct val="100000"/>
-                        </a:lnSpc>
-                        <a:spcBef>
-                          <a:spcPts val="0"/>
-                        </a:spcBef>
-                        <a:spcAft>
-                          <a:spcPts val="0"/>
-                        </a:spcAft>
-                        <a:buClrTx/>
-                        <a:buSzTx/>
-                        <a:buFontTx/>
-                        <a:buNone/>
-                        <a:tabLst/>
-                        <a:defRPr/>
-                      </a:pPr>
-                      <a:r>
-                        <a:rPr lang="en-GB" dirty="0">
-                          <a:latin typeface="Cascadia Code Light" panose="020B0609020000020004" pitchFamily="49" charset="0"/>
-                          <a:ea typeface="Cascadia Code Light" panose="020B0609020000020004" pitchFamily="49" charset="0"/>
-                          <a:cs typeface="Cascadia Code Light" panose="020B0609020000020004" pitchFamily="49" charset="0"/>
-                        </a:rPr>
-                        <a:t>Estimation Time</a:t>
-                      </a:r>
-                    </a:p>
-                  </a:txBody>
-                  <a:tcPr/>
-                </a:tc>
-                <a:tc>
-                  <a:txBody>
-                    <a:bodyPr/>
-                    <a:lstStyle/>
-                    <a:p>
-                      <a:pPr algn="r"/>
-                      <a:r>
-                        <a:rPr lang="en-GB" sz="1600" b="0" dirty="0">
-                          <a:latin typeface="Abadi Extra Light" panose="020B0204020104020204" pitchFamily="34" charset="0"/>
-                        </a:rPr>
-                        <a:t>00 : 03 : 25</a:t>
-                      </a:r>
-                    </a:p>
-                  </a:txBody>
-                  <a:tcPr/>
-                </a:tc>
-                <a:tc>
-                  <a:txBody>
-                    <a:bodyPr/>
-                    <a:lstStyle/>
-                    <a:p>
-                      <a:pPr algn="r"/>
-                      <a:r>
-                        <a:rPr lang="en-GB" sz="1600" b="0" dirty="0">
-                          <a:latin typeface="Abadi Extra Light" panose="020B0204020104020204" pitchFamily="34" charset="0"/>
-                        </a:rPr>
-                        <a:t>00 : 46 : 19</a:t>
-                      </a:r>
-                    </a:p>
-                  </a:txBody>
-                  <a:tcPr/>
-                </a:tc>
-                <a:extLst>
-                  <a:ext uri="{0D108BD9-81ED-4DB2-BD59-A6C34878D82A}">
-                    <a16:rowId xmlns:a16="http://schemas.microsoft.com/office/drawing/2014/main" val="3786590502"/>
-                  </a:ext>
-                </a:extLst>
-              </a:tr>
             </a:tbl>
           </a:graphicData>
         </a:graphic>
@@ -7873,7 +8355,460 @@
     </p:spTree>
     <p:extLst>
       <p:ext uri="{BB962C8B-B14F-4D97-AF65-F5344CB8AC3E}">
-        <p14:creationId xmlns:p14="http://schemas.microsoft.com/office/powerpoint/2010/main" val="3387833856"/>
+        <p14:creationId xmlns:p14="http://schemas.microsoft.com/office/powerpoint/2010/main" val="3504059596"/>
+      </p:ext>
+    </p:extLst>
+  </p:cSld>
+  <p:clrMapOvr>
+    <a:masterClrMapping/>
+  </p:clrMapOvr>
+</p:sld>
+</file>
+
+<file path=ppt/slides/slide12.xml><?xml version="1.0" encoding="utf-8"?>
+<p:sld xmlns:a="http://schemas.openxmlformats.org/drawingml/2006/main" xmlns:r="http://schemas.openxmlformats.org/officeDocument/2006/relationships" xmlns:p="http://schemas.openxmlformats.org/presentationml/2006/main">
+  <p:cSld>
+    <p:spTree>
+      <p:nvGrpSpPr>
+        <p:cNvPr id="1" name=""/>
+        <p:cNvGrpSpPr/>
+        <p:nvPr/>
+      </p:nvGrpSpPr>
+      <p:grpSpPr>
+        <a:xfrm>
+          <a:off x="0" y="0"/>
+          <a:ext cx="0" cy="0"/>
+          <a:chOff x="0" y="0"/>
+          <a:chExt cx="0" cy="0"/>
+        </a:xfrm>
+      </p:grpSpPr>
+      <p:sp>
+        <p:nvSpPr>
+          <p:cNvPr id="2" name="Titre 1">
+            <a:extLst>
+              <a:ext uri="{FF2B5EF4-FFF2-40B4-BE49-F238E27FC236}">
+                <a16:creationId xmlns:a16="http://schemas.microsoft.com/office/drawing/2014/main" id="{F18C2303-32F1-B840-8826-D5D2A570F50B}"/>
+              </a:ext>
+            </a:extLst>
+          </p:cNvPr>
+          <p:cNvSpPr>
+            <a:spLocks noGrp="1"/>
+          </p:cNvSpPr>
+          <p:nvPr>
+            <p:ph type="title"/>
+          </p:nvPr>
+        </p:nvSpPr>
+        <p:spPr/>
+        <p:txBody>
+          <a:bodyPr/>
+          <a:lstStyle/>
+          <a:p>
+            <a:r>
+              <a:rPr lang="fr-FR" dirty="0" err="1"/>
+              <a:t>Swissmetro</a:t>
+            </a:r>
+            <a:r>
+              <a:rPr lang="fr-FR" dirty="0"/>
+              <a:t> 2</a:t>
+            </a:r>
+          </a:p>
+        </p:txBody>
+      </p:sp>
+      <p:sp>
+        <p:nvSpPr>
+          <p:cNvPr id="3" name="Espace réservé du texte 2">
+            <a:extLst>
+              <a:ext uri="{FF2B5EF4-FFF2-40B4-BE49-F238E27FC236}">
+                <a16:creationId xmlns:a16="http://schemas.microsoft.com/office/drawing/2014/main" id="{935D3C24-6B99-BB48-AB10-AA3CB1F67CB4}"/>
+              </a:ext>
+            </a:extLst>
+          </p:cNvPr>
+          <p:cNvSpPr>
+            <a:spLocks noGrp="1"/>
+          </p:cNvSpPr>
+          <p:nvPr>
+            <p:ph type="body" idx="1"/>
+          </p:nvPr>
+        </p:nvSpPr>
+        <p:spPr/>
+        <p:txBody>
+          <a:bodyPr/>
+          <a:lstStyle/>
+          <a:p>
+            <a:r>
+              <a:rPr lang="fr-FR" i="1" dirty="0"/>
+              <a:t>MMNL Model</a:t>
+            </a:r>
+          </a:p>
+          <a:p>
+            <a:r>
+              <a:rPr lang="fr-FR" i="1" dirty="0"/>
+              <a:t>4 </a:t>
+            </a:r>
+            <a:r>
+              <a:rPr lang="fr-FR" i="1" dirty="0" err="1"/>
+              <a:t>random</a:t>
+            </a:r>
+            <a:r>
+              <a:rPr lang="fr-FR" i="1" dirty="0"/>
+              <a:t> coefficients</a:t>
+            </a:r>
+          </a:p>
+        </p:txBody>
+      </p:sp>
+      <p:sp>
+        <p:nvSpPr>
+          <p:cNvPr id="5" name="Espace réservé de la date 4">
+            <a:extLst>
+              <a:ext uri="{FF2B5EF4-FFF2-40B4-BE49-F238E27FC236}">
+                <a16:creationId xmlns:a16="http://schemas.microsoft.com/office/drawing/2014/main" id="{78B9CEE1-BEF6-B540-A7CE-B486EF936241}"/>
+              </a:ext>
+            </a:extLst>
+          </p:cNvPr>
+          <p:cNvSpPr>
+            <a:spLocks noGrp="1"/>
+          </p:cNvSpPr>
+          <p:nvPr>
+            <p:ph type="dt" sz="half" idx="14"/>
+          </p:nvPr>
+        </p:nvSpPr>
+        <p:spPr/>
+        <p:txBody>
+          <a:bodyPr/>
+          <a:lstStyle/>
+          <a:p>
+            <a:r>
+              <a:rPr lang="fr-CH" dirty="0"/>
+              <a:t>ALEXIA PARATTE / SEMESTER PROJECT FINAL PRESENTATION</a:t>
+            </a:r>
+            <a:endParaRPr lang="fr-FR" dirty="0"/>
+          </a:p>
+        </p:txBody>
+      </p:sp>
+      <p:sp>
+        <p:nvSpPr>
+          <p:cNvPr id="7" name="Espace réservé du numéro de diapositive 6">
+            <a:extLst>
+              <a:ext uri="{FF2B5EF4-FFF2-40B4-BE49-F238E27FC236}">
+                <a16:creationId xmlns:a16="http://schemas.microsoft.com/office/drawing/2014/main" id="{DF64CCD5-5BA5-E94A-A85A-BF62861AABF7}"/>
+              </a:ext>
+            </a:extLst>
+          </p:cNvPr>
+          <p:cNvSpPr>
+            <a:spLocks noGrp="1"/>
+          </p:cNvSpPr>
+          <p:nvPr>
+            <p:ph type="sldNum" sz="quarter" idx="16"/>
+          </p:nvPr>
+        </p:nvSpPr>
+        <p:spPr/>
+        <p:txBody>
+          <a:bodyPr/>
+          <a:lstStyle/>
+          <a:p>
+            <a:fld id="{E1E1CD7C-2161-7D43-862E-CE4C333CD873}" type="slidenum">
+              <a:rPr lang="fr-FR" smtClean="0"/>
+              <a:pPr/>
+              <a:t>12</a:t>
+            </a:fld>
+            <a:endParaRPr lang="fr-FR" dirty="0"/>
+          </a:p>
+        </p:txBody>
+      </p:sp>
+    </p:spTree>
+    <p:extLst>
+      <p:ext uri="{BB962C8B-B14F-4D97-AF65-F5344CB8AC3E}">
+        <p14:creationId xmlns:p14="http://schemas.microsoft.com/office/powerpoint/2010/main" val="657911340"/>
+      </p:ext>
+    </p:extLst>
+  </p:cSld>
+  <p:clrMapOvr>
+    <a:masterClrMapping/>
+  </p:clrMapOvr>
+</p:sld>
+</file>
+
+<file path=ppt/slides/slide13.xml><?xml version="1.0" encoding="utf-8"?>
+<p:sld xmlns:a="http://schemas.openxmlformats.org/drawingml/2006/main" xmlns:r="http://schemas.openxmlformats.org/officeDocument/2006/relationships" xmlns:p="http://schemas.openxmlformats.org/presentationml/2006/main">
+  <p:cSld>
+    <p:spTree>
+      <p:nvGrpSpPr>
+        <p:cNvPr id="1" name=""/>
+        <p:cNvGrpSpPr/>
+        <p:nvPr/>
+      </p:nvGrpSpPr>
+      <p:grpSpPr>
+        <a:xfrm>
+          <a:off x="0" y="0"/>
+          <a:ext cx="0" cy="0"/>
+          <a:chOff x="0" y="0"/>
+          <a:chExt cx="0" cy="0"/>
+        </a:xfrm>
+      </p:grpSpPr>
+      <p:sp>
+        <p:nvSpPr>
+          <p:cNvPr id="2" name="Titre 1">
+            <a:extLst>
+              <a:ext uri="{FF2B5EF4-FFF2-40B4-BE49-F238E27FC236}">
+                <a16:creationId xmlns:a16="http://schemas.microsoft.com/office/drawing/2014/main" id="{C5A6A5DF-98DA-2646-BF29-216D95B5161A}"/>
+              </a:ext>
+            </a:extLst>
+          </p:cNvPr>
+          <p:cNvSpPr>
+            <a:spLocks noGrp="1"/>
+          </p:cNvSpPr>
+          <p:nvPr>
+            <p:ph type="title"/>
+          </p:nvPr>
+        </p:nvSpPr>
+        <p:spPr/>
+        <p:txBody>
+          <a:bodyPr/>
+          <a:lstStyle/>
+          <a:p>
+            <a:r>
+              <a:rPr lang="fr-FR" dirty="0"/>
+              <a:t>Future Goals</a:t>
+            </a:r>
+          </a:p>
+        </p:txBody>
+      </p:sp>
+      <p:sp>
+        <p:nvSpPr>
+          <p:cNvPr id="3" name="Espace réservé du texte 2">
+            <a:extLst>
+              <a:ext uri="{FF2B5EF4-FFF2-40B4-BE49-F238E27FC236}">
+                <a16:creationId xmlns:a16="http://schemas.microsoft.com/office/drawing/2014/main" id="{B3E98268-DCAB-2F4E-BCED-FA785F468478}"/>
+              </a:ext>
+            </a:extLst>
+          </p:cNvPr>
+          <p:cNvSpPr>
+            <a:spLocks noGrp="1"/>
+          </p:cNvSpPr>
+          <p:nvPr>
+            <p:ph type="body" idx="1"/>
+          </p:nvPr>
+        </p:nvSpPr>
+        <p:spPr/>
+        <p:txBody>
+          <a:bodyPr/>
+          <a:lstStyle/>
+          <a:p>
+            <a:r>
+              <a:rPr lang="fr-FR" i="1" dirty="0"/>
+              <a:t>Challenges and planning</a:t>
+            </a:r>
+          </a:p>
+        </p:txBody>
+      </p:sp>
+      <p:sp>
+        <p:nvSpPr>
+          <p:cNvPr id="5" name="Espace réservé de la date 4">
+            <a:extLst>
+              <a:ext uri="{FF2B5EF4-FFF2-40B4-BE49-F238E27FC236}">
+                <a16:creationId xmlns:a16="http://schemas.microsoft.com/office/drawing/2014/main" id="{C4952CCD-1A2D-6041-BF6C-A17301F408C9}"/>
+              </a:ext>
+            </a:extLst>
+          </p:cNvPr>
+          <p:cNvSpPr>
+            <a:spLocks noGrp="1"/>
+          </p:cNvSpPr>
+          <p:nvPr>
+            <p:ph type="dt" sz="half" idx="14"/>
+          </p:nvPr>
+        </p:nvSpPr>
+        <p:spPr/>
+        <p:txBody>
+          <a:bodyPr/>
+          <a:lstStyle/>
+          <a:p>
+            <a:r>
+              <a:rPr lang="fr-CH" dirty="0"/>
+              <a:t>ALEXIA PARATTE / SEMESTER PROJECT FINAL PRESENTATION</a:t>
+            </a:r>
+            <a:endParaRPr lang="fr-FR" dirty="0"/>
+          </a:p>
+        </p:txBody>
+      </p:sp>
+      <p:sp>
+        <p:nvSpPr>
+          <p:cNvPr id="7" name="Espace réservé du numéro de diapositive 6">
+            <a:extLst>
+              <a:ext uri="{FF2B5EF4-FFF2-40B4-BE49-F238E27FC236}">
+                <a16:creationId xmlns:a16="http://schemas.microsoft.com/office/drawing/2014/main" id="{89E4FE11-EC73-0F4B-90BC-9E6AF20A832C}"/>
+              </a:ext>
+            </a:extLst>
+          </p:cNvPr>
+          <p:cNvSpPr>
+            <a:spLocks noGrp="1"/>
+          </p:cNvSpPr>
+          <p:nvPr>
+            <p:ph type="sldNum" sz="quarter" idx="16"/>
+          </p:nvPr>
+        </p:nvSpPr>
+        <p:spPr/>
+        <p:txBody>
+          <a:bodyPr/>
+          <a:lstStyle/>
+          <a:p>
+            <a:fld id="{E1E1CD7C-2161-7D43-862E-CE4C333CD873}" type="slidenum">
+              <a:rPr lang="fr-FR" smtClean="0"/>
+              <a:pPr/>
+              <a:t>13</a:t>
+            </a:fld>
+            <a:endParaRPr lang="fr-FR" dirty="0"/>
+          </a:p>
+        </p:txBody>
+      </p:sp>
+    </p:spTree>
+    <p:extLst>
+      <p:ext uri="{BB962C8B-B14F-4D97-AF65-F5344CB8AC3E}">
+        <p14:creationId xmlns:p14="http://schemas.microsoft.com/office/powerpoint/2010/main" val="1714791060"/>
+      </p:ext>
+    </p:extLst>
+  </p:cSld>
+  <p:clrMapOvr>
+    <a:masterClrMapping/>
+  </p:clrMapOvr>
+</p:sld>
+</file>
+
+<file path=ppt/slides/slide14.xml><?xml version="1.0" encoding="utf-8"?>
+<p:sld xmlns:a="http://schemas.openxmlformats.org/drawingml/2006/main" xmlns:r="http://schemas.openxmlformats.org/officeDocument/2006/relationships" xmlns:p="http://schemas.openxmlformats.org/presentationml/2006/main">
+  <p:cSld>
+    <p:spTree>
+      <p:nvGrpSpPr>
+        <p:cNvPr id="1" name=""/>
+        <p:cNvGrpSpPr/>
+        <p:nvPr/>
+      </p:nvGrpSpPr>
+      <p:grpSpPr>
+        <a:xfrm>
+          <a:off x="0" y="0"/>
+          <a:ext cx="0" cy="0"/>
+          <a:chOff x="0" y="0"/>
+          <a:chExt cx="0" cy="0"/>
+        </a:xfrm>
+      </p:grpSpPr>
+      <p:sp>
+        <p:nvSpPr>
+          <p:cNvPr id="4" name="Espace réservé de la date 3">
+            <a:extLst>
+              <a:ext uri="{FF2B5EF4-FFF2-40B4-BE49-F238E27FC236}">
+                <a16:creationId xmlns:a16="http://schemas.microsoft.com/office/drawing/2014/main" id="{A468D869-FEAE-4E41-8088-2B1F1C600E34}"/>
+              </a:ext>
+            </a:extLst>
+          </p:cNvPr>
+          <p:cNvSpPr>
+            <a:spLocks noGrp="1"/>
+          </p:cNvSpPr>
+          <p:nvPr>
+            <p:ph type="dt" sz="half" idx="18"/>
+          </p:nvPr>
+        </p:nvSpPr>
+        <p:spPr/>
+        <p:txBody>
+          <a:bodyPr/>
+          <a:lstStyle/>
+          <a:p>
+            <a:r>
+              <a:rPr lang="fr-CH" dirty="0"/>
+              <a:t>ALEXIA PARATTE / SEMESTER PROJECT FINAL PRESENTATION</a:t>
+            </a:r>
+            <a:endParaRPr lang="fr-FR" dirty="0"/>
+          </a:p>
+        </p:txBody>
+      </p:sp>
+      <p:sp>
+        <p:nvSpPr>
+          <p:cNvPr id="6" name="Espace réservé du numéro de diapositive 5">
+            <a:extLst>
+              <a:ext uri="{FF2B5EF4-FFF2-40B4-BE49-F238E27FC236}">
+                <a16:creationId xmlns:a16="http://schemas.microsoft.com/office/drawing/2014/main" id="{881B401C-18BC-4649-B2B0-EB3EECC87645}"/>
+              </a:ext>
+            </a:extLst>
+          </p:cNvPr>
+          <p:cNvSpPr>
+            <a:spLocks noGrp="1"/>
+          </p:cNvSpPr>
+          <p:nvPr>
+            <p:ph type="sldNum" sz="quarter" idx="20"/>
+          </p:nvPr>
+        </p:nvSpPr>
+        <p:spPr/>
+        <p:txBody>
+          <a:bodyPr/>
+          <a:lstStyle/>
+          <a:p>
+            <a:fld id="{E1E1CD7C-2161-7D43-862E-CE4C333CD873}" type="slidenum">
+              <a:rPr lang="fr-FR" smtClean="0"/>
+              <a:pPr/>
+              <a:t>14</a:t>
+            </a:fld>
+            <a:endParaRPr lang="fr-FR" dirty="0"/>
+          </a:p>
+        </p:txBody>
+      </p:sp>
+      <p:sp>
+        <p:nvSpPr>
+          <p:cNvPr id="7" name="Titre 6">
+            <a:extLst>
+              <a:ext uri="{FF2B5EF4-FFF2-40B4-BE49-F238E27FC236}">
+                <a16:creationId xmlns:a16="http://schemas.microsoft.com/office/drawing/2014/main" id="{B2CF7EEE-D0B7-6648-AE4B-B2B65E993964}"/>
+              </a:ext>
+            </a:extLst>
+          </p:cNvPr>
+          <p:cNvSpPr>
+            <a:spLocks noGrp="1"/>
+          </p:cNvSpPr>
+          <p:nvPr>
+            <p:ph type="title"/>
+          </p:nvPr>
+        </p:nvSpPr>
+        <p:spPr>
+          <a:xfrm>
+            <a:off x="1950134" y="2193747"/>
+            <a:ext cx="5243731" cy="756005"/>
+          </a:xfrm>
+        </p:spPr>
+        <p:txBody>
+          <a:bodyPr>
+            <a:normAutofit/>
+          </a:bodyPr>
+          <a:lstStyle/>
+          <a:p>
+            <a:pPr algn="ctr"/>
+            <a:r>
+              <a:rPr lang="fr-FR" sz="4000" dirty="0" err="1"/>
+              <a:t>Thank</a:t>
+            </a:r>
+            <a:r>
+              <a:rPr lang="fr-FR" sz="4000" dirty="0"/>
+              <a:t> </a:t>
+            </a:r>
+            <a:r>
+              <a:rPr lang="fr-FR" sz="4000" dirty="0" err="1"/>
+              <a:t>you</a:t>
+            </a:r>
+            <a:r>
+              <a:rPr lang="fr-FR" sz="4000" dirty="0"/>
+              <a:t> for </a:t>
+            </a:r>
+            <a:r>
+              <a:rPr lang="fr-FR" sz="4000" dirty="0" err="1"/>
+              <a:t>listening</a:t>
+            </a:r>
+            <a:r>
+              <a:rPr lang="fr-FR" sz="4000" dirty="0"/>
+              <a:t> !</a:t>
+            </a:r>
+          </a:p>
+        </p:txBody>
+      </p:sp>
+    </p:spTree>
+    <p:extLst>
+      <p:ext uri="{BB962C8B-B14F-4D97-AF65-F5344CB8AC3E}">
+        <p14:creationId xmlns:p14="http://schemas.microsoft.com/office/powerpoint/2010/main" val="2745130289"/>
       </p:ext>
     </p:extLst>
   </p:cSld>
@@ -7900,497 +8835,277 @@
           <a:chExt cx="0" cy="0"/>
         </a:xfrm>
       </p:grpSpPr>
-      <p:pic>
-        <p:nvPicPr>
-          <p:cNvPr id="9" name="Espace réservé du contenu 8">
-            <a:extLst>
-              <a:ext uri="{FF2B5EF4-FFF2-40B4-BE49-F238E27FC236}">
-                <a16:creationId xmlns:a16="http://schemas.microsoft.com/office/drawing/2014/main" id="{5731BDA7-C536-F301-9791-76C1CA2CB07D}"/>
-              </a:ext>
-            </a:extLst>
-          </p:cNvPr>
-          <p:cNvPicPr>
-            <a:picLocks noGrp="1" noChangeAspect="1"/>
-          </p:cNvPicPr>
-          <p:nvPr>
-            <p:ph sz="half" idx="4294967295"/>
-          </p:nvPr>
-        </p:nvPicPr>
-        <p:blipFill>
-          <a:blip r:embed="rId2"/>
-          <a:srcRect/>
-          <a:stretch/>
-        </p:blipFill>
+      <p:sp>
+        <p:nvSpPr>
+          <p:cNvPr id="3" name="Espace réservé du texte 2">
+            <a:extLst>
+              <a:ext uri="{FF2B5EF4-FFF2-40B4-BE49-F238E27FC236}">
+                <a16:creationId xmlns:a16="http://schemas.microsoft.com/office/drawing/2014/main" id="{334C28A0-A184-8649-A9A4-2BFB1D02EBB5}"/>
+              </a:ext>
+            </a:extLst>
+          </p:cNvPr>
+          <p:cNvSpPr>
+            <a:spLocks noGrp="1"/>
+          </p:cNvSpPr>
+          <p:nvPr>
+            <p:ph type="body" sz="quarter" idx="17"/>
+          </p:nvPr>
+        </p:nvSpPr>
         <p:spPr>
           <a:xfrm>
-            <a:off x="944563" y="1416050"/>
-            <a:ext cx="3789363" cy="2312988"/>
+            <a:off x="904875" y="1399429"/>
+            <a:ext cx="7646988" cy="3112935"/>
           </a:xfrm>
         </p:spPr>
-      </p:pic>
-      <p:pic>
-        <p:nvPicPr>
-          <p:cNvPr id="11" name="Espace réservé du contenu 10">
-            <a:extLst>
-              <a:ext uri="{FF2B5EF4-FFF2-40B4-BE49-F238E27FC236}">
-                <a16:creationId xmlns:a16="http://schemas.microsoft.com/office/drawing/2014/main" id="{3F3411BD-B820-C803-D17B-635C576FA9A1}"/>
-              </a:ext>
-            </a:extLst>
-          </p:cNvPr>
-          <p:cNvPicPr>
-            <a:picLocks noGrp="1" noChangeAspect="1"/>
-          </p:cNvPicPr>
-          <p:nvPr>
-            <p:ph sz="half" idx="4294967295"/>
-          </p:nvPr>
-        </p:nvPicPr>
-        <p:blipFill>
-          <a:blip r:embed="rId3"/>
-          <a:srcRect/>
-          <a:stretch/>
-        </p:blipFill>
-        <p:spPr>
-          <a:xfrm>
-            <a:off x="4802188" y="1416050"/>
-            <a:ext cx="3789363" cy="2312988"/>
-          </a:xfrm>
-        </p:spPr>
-      </p:pic>
-      <p:sp>
-        <p:nvSpPr>
-          <p:cNvPr id="4" name="Titre 3">
-            <a:extLst>
-              <a:ext uri="{FF2B5EF4-FFF2-40B4-BE49-F238E27FC236}">
-                <a16:creationId xmlns:a16="http://schemas.microsoft.com/office/drawing/2014/main" id="{56A5C954-4D50-5646-BD86-11914F923274}"/>
-              </a:ext>
-            </a:extLst>
-          </p:cNvPr>
-          <p:cNvSpPr>
-            <a:spLocks noGrp="1"/>
-          </p:cNvSpPr>
-          <p:nvPr>
-            <p:ph type="title" idx="4294967295"/>
-          </p:nvPr>
-        </p:nvSpPr>
-        <p:spPr>
-          <a:xfrm>
-            <a:off x="904875" y="358815"/>
-            <a:ext cx="3667125" cy="604464"/>
-          </a:xfrm>
-        </p:spPr>
-        <p:txBody>
-          <a:bodyPr anchor="t">
+        <p:txBody>
+          <a:bodyPr>
             <a:normAutofit/>
           </a:bodyPr>
           <a:lstStyle/>
           <a:p>
-            <a:r>
-              <a:rPr lang="fr-FR" dirty="0"/>
-              <a:t>CPU &amp; RAM usage</a:t>
-            </a:r>
-          </a:p>
-        </p:txBody>
-      </p:sp>
-      <p:sp>
-        <p:nvSpPr>
-          <p:cNvPr id="5" name="Espace réservé de la date 4">
-            <a:extLst>
-              <a:ext uri="{FF2B5EF4-FFF2-40B4-BE49-F238E27FC236}">
-                <a16:creationId xmlns:a16="http://schemas.microsoft.com/office/drawing/2014/main" id="{0B981E69-B0C7-CB4A-8857-52A3E7987251}"/>
-              </a:ext>
-            </a:extLst>
-          </p:cNvPr>
-          <p:cNvSpPr>
-            <a:spLocks noGrp="1"/>
-          </p:cNvSpPr>
-          <p:nvPr>
-            <p:ph type="dt" sz="half" idx="4294967295"/>
-          </p:nvPr>
-        </p:nvSpPr>
-        <p:spPr>
-          <a:xfrm rot="16200000">
-            <a:off x="-1221413" y="2778452"/>
-            <a:ext cx="3341052" cy="911524"/>
-          </a:xfrm>
-        </p:spPr>
-        <p:txBody>
-          <a:bodyPr anchor="ctr">
-            <a:normAutofit/>
-          </a:bodyPr>
-          <a:lstStyle/>
-          <a:p>
-            <a:r>
-              <a:rPr lang="fr-CH" dirty="0"/>
-              <a:t>ALEXIA PARATTE / SEMESTER PROJECT MIDTERM PRESENTATION</a:t>
-            </a:r>
-            <a:endParaRPr lang="fr-FR" dirty="0"/>
-          </a:p>
-        </p:txBody>
-      </p:sp>
-      <p:sp>
-        <p:nvSpPr>
-          <p:cNvPr id="6" name="Espace réservé du pied de page 5">
-            <a:extLst>
-              <a:ext uri="{FF2B5EF4-FFF2-40B4-BE49-F238E27FC236}">
-                <a16:creationId xmlns:a16="http://schemas.microsoft.com/office/drawing/2014/main" id="{2FFD7E3D-018E-5540-8143-D52C4B40AD80}"/>
-              </a:ext>
-            </a:extLst>
-          </p:cNvPr>
-          <p:cNvSpPr>
-            <a:spLocks noGrp="1"/>
-          </p:cNvSpPr>
-          <p:nvPr>
-            <p:ph type="ftr" sz="quarter" idx="4294967295"/>
-          </p:nvPr>
-        </p:nvSpPr>
-        <p:spPr>
-          <a:xfrm rot="16200000">
-            <a:off x="7115989" y="1874064"/>
-            <a:ext cx="3543260" cy="512762"/>
-          </a:xfrm>
-        </p:spPr>
-        <p:txBody>
-          <a:bodyPr anchor="ctr">
-            <a:normAutofit/>
-          </a:bodyPr>
-          <a:lstStyle/>
-          <a:p>
-            <a:r>
-              <a:rPr lang="fr-FR" sz="1050" dirty="0"/>
-              <a:t>Second Model</a:t>
-            </a:r>
-          </a:p>
-        </p:txBody>
-      </p:sp>
-      <p:sp>
-        <p:nvSpPr>
-          <p:cNvPr id="7" name="Espace réservé du numéro de diapositive 6">
-            <a:extLst>
-              <a:ext uri="{FF2B5EF4-FFF2-40B4-BE49-F238E27FC236}">
-                <a16:creationId xmlns:a16="http://schemas.microsoft.com/office/drawing/2014/main" id="{D66594FF-570A-9347-A32A-D6F6024A87B3}"/>
-              </a:ext>
-            </a:extLst>
-          </p:cNvPr>
-          <p:cNvSpPr>
-            <a:spLocks noGrp="1"/>
-          </p:cNvSpPr>
-          <p:nvPr>
-            <p:ph type="sldNum" sz="quarter" idx="4294967295"/>
-          </p:nvPr>
-        </p:nvSpPr>
-        <p:spPr>
-          <a:xfrm>
-            <a:off x="8631238" y="195263"/>
-            <a:ext cx="512762" cy="163552"/>
-          </a:xfrm>
-        </p:spPr>
-        <p:txBody>
-          <a:bodyPr anchor="t">
-            <a:normAutofit/>
-          </a:bodyPr>
-          <a:lstStyle/>
-          <a:p>
-            <a:pPr>
-              <a:spcAft>
-                <a:spcPts val="600"/>
-              </a:spcAft>
-            </a:pPr>
-            <a:fld id="{E1E1CD7C-2161-7D43-862E-CE4C333CD873}" type="slidenum">
-              <a:rPr lang="fr-FR" smtClean="0"/>
-              <a:pPr>
-                <a:spcAft>
-                  <a:spcPts val="600"/>
-                </a:spcAft>
-              </a:pPr>
-              <a:t>15</a:t>
-            </a:fld>
-            <a:endParaRPr lang="fr-FR"/>
-          </a:p>
-        </p:txBody>
-      </p:sp>
-    </p:spTree>
-    <p:extLst>
-      <p:ext uri="{BB962C8B-B14F-4D97-AF65-F5344CB8AC3E}">
-        <p14:creationId xmlns:p14="http://schemas.microsoft.com/office/powerpoint/2010/main" val="2568095133"/>
-      </p:ext>
-    </p:extLst>
-  </p:cSld>
-  <p:clrMapOvr>
-    <a:masterClrMapping/>
-  </p:clrMapOvr>
-</p:sld>
-</file>
-
-<file path=ppt/slides/slide16.xml><?xml version="1.0" encoding="utf-8"?>
-<p:sld xmlns:a="http://schemas.openxmlformats.org/drawingml/2006/main" xmlns:r="http://schemas.openxmlformats.org/officeDocument/2006/relationships" xmlns:p="http://schemas.openxmlformats.org/presentationml/2006/main">
-  <p:cSld>
-    <p:spTree>
-      <p:nvGrpSpPr>
-        <p:cNvPr id="1" name=""/>
-        <p:cNvGrpSpPr/>
-        <p:nvPr/>
-      </p:nvGrpSpPr>
-      <p:grpSpPr>
-        <a:xfrm>
-          <a:off x="0" y="0"/>
-          <a:ext cx="0" cy="0"/>
-          <a:chOff x="0" y="0"/>
-          <a:chExt cx="0" cy="0"/>
-        </a:xfrm>
-      </p:grpSpPr>
-      <p:sp>
-        <p:nvSpPr>
-          <p:cNvPr id="2" name="Titre 1">
-            <a:extLst>
-              <a:ext uri="{FF2B5EF4-FFF2-40B4-BE49-F238E27FC236}">
-                <a16:creationId xmlns:a16="http://schemas.microsoft.com/office/drawing/2014/main" id="{C5A6A5DF-98DA-2646-BF29-216D95B5161A}"/>
-              </a:ext>
-            </a:extLst>
-          </p:cNvPr>
-          <p:cNvSpPr>
-            <a:spLocks noGrp="1"/>
-          </p:cNvSpPr>
-          <p:nvPr>
-            <p:ph type="title"/>
-          </p:nvPr>
-        </p:nvSpPr>
-        <p:spPr/>
-        <p:txBody>
-          <a:bodyPr/>
-          <a:lstStyle/>
-          <a:p>
-            <a:r>
-              <a:rPr lang="fr-FR" dirty="0"/>
-              <a:t>Future Goals</a:t>
-            </a:r>
-          </a:p>
-        </p:txBody>
-      </p:sp>
-      <p:sp>
-        <p:nvSpPr>
-          <p:cNvPr id="3" name="Espace réservé du texte 2">
-            <a:extLst>
-              <a:ext uri="{FF2B5EF4-FFF2-40B4-BE49-F238E27FC236}">
-                <a16:creationId xmlns:a16="http://schemas.microsoft.com/office/drawing/2014/main" id="{B3E98268-DCAB-2F4E-BCED-FA785F468478}"/>
-              </a:ext>
-            </a:extLst>
-          </p:cNvPr>
-          <p:cNvSpPr>
-            <a:spLocks noGrp="1"/>
-          </p:cNvSpPr>
-          <p:nvPr>
-            <p:ph type="body" idx="1"/>
-          </p:nvPr>
-        </p:nvSpPr>
-        <p:spPr/>
-        <p:txBody>
-          <a:bodyPr/>
-          <a:lstStyle/>
-          <a:p>
-            <a:r>
-              <a:rPr lang="fr-FR" i="1" dirty="0"/>
-              <a:t>Challenges and planning</a:t>
-            </a:r>
-          </a:p>
-        </p:txBody>
-      </p:sp>
-      <p:sp>
-        <p:nvSpPr>
-          <p:cNvPr id="5" name="Espace réservé de la date 4">
-            <a:extLst>
-              <a:ext uri="{FF2B5EF4-FFF2-40B4-BE49-F238E27FC236}">
-                <a16:creationId xmlns:a16="http://schemas.microsoft.com/office/drawing/2014/main" id="{C4952CCD-1A2D-6041-BF6C-A17301F408C9}"/>
-              </a:ext>
-            </a:extLst>
-          </p:cNvPr>
-          <p:cNvSpPr>
-            <a:spLocks noGrp="1"/>
-          </p:cNvSpPr>
-          <p:nvPr>
-            <p:ph type="dt" sz="half" idx="14"/>
-          </p:nvPr>
-        </p:nvSpPr>
-        <p:spPr/>
-        <p:txBody>
-          <a:bodyPr/>
-          <a:lstStyle/>
-          <a:p>
-            <a:r>
-              <a:rPr lang="fr-CH" dirty="0"/>
-              <a:t>ALEXIA PARATTE / SEMESTER PROJECT MIDTERM PRESENTATION</a:t>
-            </a:r>
-            <a:endParaRPr lang="fr-FR" dirty="0"/>
-          </a:p>
-        </p:txBody>
-      </p:sp>
-      <p:sp>
-        <p:nvSpPr>
-          <p:cNvPr id="7" name="Espace réservé du numéro de diapositive 6">
-            <a:extLst>
-              <a:ext uri="{FF2B5EF4-FFF2-40B4-BE49-F238E27FC236}">
-                <a16:creationId xmlns:a16="http://schemas.microsoft.com/office/drawing/2014/main" id="{89E4FE11-EC73-0F4B-90BC-9E6AF20A832C}"/>
-              </a:ext>
-            </a:extLst>
-          </p:cNvPr>
-          <p:cNvSpPr>
-            <a:spLocks noGrp="1"/>
-          </p:cNvSpPr>
-          <p:nvPr>
-            <p:ph type="sldNum" sz="quarter" idx="16"/>
-          </p:nvPr>
-        </p:nvSpPr>
-        <p:spPr/>
-        <p:txBody>
-          <a:bodyPr/>
-          <a:lstStyle/>
-          <a:p>
-            <a:fld id="{E1E1CD7C-2161-7D43-862E-CE4C333CD873}" type="slidenum">
-              <a:rPr lang="fr-FR" smtClean="0"/>
-              <a:pPr/>
-              <a:t>16</a:t>
-            </a:fld>
-            <a:endParaRPr lang="fr-FR" dirty="0"/>
-          </a:p>
-        </p:txBody>
-      </p:sp>
-    </p:spTree>
-    <p:extLst>
-      <p:ext uri="{BB962C8B-B14F-4D97-AF65-F5344CB8AC3E}">
-        <p14:creationId xmlns:p14="http://schemas.microsoft.com/office/powerpoint/2010/main" val="1714791060"/>
-      </p:ext>
-    </p:extLst>
-  </p:cSld>
-  <p:clrMapOvr>
-    <a:masterClrMapping/>
-  </p:clrMapOvr>
-</p:sld>
-</file>
-
-<file path=ppt/slides/slide17.xml><?xml version="1.0" encoding="utf-8"?>
-<p:sld xmlns:a="http://schemas.openxmlformats.org/drawingml/2006/main" xmlns:r="http://schemas.openxmlformats.org/officeDocument/2006/relationships" xmlns:p="http://schemas.openxmlformats.org/presentationml/2006/main">
-  <p:cSld>
-    <p:spTree>
-      <p:nvGrpSpPr>
-        <p:cNvPr id="1" name=""/>
-        <p:cNvGrpSpPr/>
-        <p:nvPr/>
-      </p:nvGrpSpPr>
-      <p:grpSpPr>
-        <a:xfrm>
-          <a:off x="0" y="0"/>
-          <a:ext cx="0" cy="0"/>
-          <a:chOff x="0" y="0"/>
-          <a:chExt cx="0" cy="0"/>
-        </a:xfrm>
-      </p:grpSpPr>
-      <p:sp>
-        <p:nvSpPr>
-          <p:cNvPr id="3" name="Espace réservé du texte 2">
-            <a:extLst>
-              <a:ext uri="{FF2B5EF4-FFF2-40B4-BE49-F238E27FC236}">
-                <a16:creationId xmlns:a16="http://schemas.microsoft.com/office/drawing/2014/main" id="{334C28A0-A184-8649-A9A4-2BFB1D02EBB5}"/>
-              </a:ext>
-            </a:extLst>
-          </p:cNvPr>
-          <p:cNvSpPr>
-            <a:spLocks noGrp="1"/>
-          </p:cNvSpPr>
-          <p:nvPr>
-            <p:ph type="body" sz="quarter" idx="17"/>
-          </p:nvPr>
-        </p:nvSpPr>
-        <p:spPr>
-          <a:xfrm>
-            <a:off x="904875" y="1827848"/>
-            <a:ext cx="7646988" cy="1487803"/>
-          </a:xfrm>
-        </p:spPr>
-        <p:txBody>
-          <a:bodyPr>
-            <a:normAutofit lnSpcReduction="10000"/>
-          </a:bodyPr>
-          <a:lstStyle/>
-          <a:p>
-            <a:r>
-              <a:rPr lang="en-GB" sz="2000" dirty="0">
+            <a:pPr algn="l"/>
+            <a:r>
+              <a:rPr lang="en-US" sz="1800" b="0" i="0" u="none" strike="noStrike" baseline="0" dirty="0">
+                <a:latin typeface="CMR12"/>
+              </a:rPr>
+              <a:t>Hess, S. &amp; Palma, D. (2019), </a:t>
+            </a:r>
+            <a:r>
+              <a:rPr lang="en-US" sz="1800" b="0" i="1" u="none" strike="noStrike" baseline="0" dirty="0">
+                <a:latin typeface="CMR12"/>
+              </a:rPr>
+              <a:t>Apollo</a:t>
+            </a:r>
+            <a:r>
+              <a:rPr lang="en-US" sz="1800" b="0" i="0" u="none" strike="noStrike" baseline="0" dirty="0">
+                <a:latin typeface="CMR12"/>
+              </a:rPr>
+              <a:t>: a flexible, powerful and </a:t>
+            </a:r>
+            <a:r>
+              <a:rPr lang="en-US" sz="1800" b="0" i="0" u="none" strike="noStrike" baseline="0" dirty="0" err="1">
+                <a:latin typeface="CMR12"/>
+              </a:rPr>
+              <a:t>customisable</a:t>
+            </a:r>
+            <a:r>
+              <a:rPr lang="en-US" sz="1800" b="0" i="0" u="none" strike="noStrike" baseline="0" dirty="0">
+                <a:latin typeface="CMR12"/>
+              </a:rPr>
+              <a:t> freeware package for choice model estimation and application, Journal of Choice Modelling</a:t>
+            </a:r>
+          </a:p>
+          <a:p>
+            <a:r>
+              <a:rPr lang="en-GB" dirty="0">
                 <a:latin typeface="CMR12"/>
                 <a:ea typeface="Cascadia Code Light" panose="020B0609020000020004" pitchFamily="49" charset="0"/>
                 <a:cs typeface="Cascadia Code Light" panose="020B0609020000020004" pitchFamily="49" charset="0"/>
               </a:rPr>
-              <a:t>Getting accustomed to Apollo</a:t>
-            </a:r>
-          </a:p>
-          <a:p>
-            <a:r>
-              <a:rPr lang="en-GB" sz="2000" dirty="0">
+              <a:t>Michel </a:t>
+            </a:r>
+            <a:r>
+              <a:rPr lang="en-GB" dirty="0" err="1">
                 <a:latin typeface="CMR12"/>
                 <a:ea typeface="Cascadia Code Light" panose="020B0609020000020004" pitchFamily="49" charset="0"/>
                 <a:cs typeface="Cascadia Code Light" panose="020B0609020000020004" pitchFamily="49" charset="0"/>
               </a:rPr>
-              <a:t>Errors in translation from Biogeme to Apollo</a:t>
-            </a:r>
-          </a:p>
-          <a:p>
-            <a:r>
-              <a:rPr lang="en-GB" sz="2000" dirty="0">
+              <a:t>Bierlaire</a:t>
+            </a:r>
+            <a:r>
+              <a:rPr lang="en-GB" dirty="0">
                 <a:latin typeface="CMR12"/>
                 <a:ea typeface="Cascadia Code Light" panose="020B0609020000020004" pitchFamily="49" charset="0"/>
                 <a:cs typeface="Cascadia Code Light" panose="020B0609020000020004" pitchFamily="49" charset="0"/>
               </a:rPr>
-              <a:t>Missing information (</a:t>
-            </a:r>
-            <a:r>
-              <a:rPr lang="en-GB" sz="2000" dirty="0" err="1">
+              <a:t> (2023), </a:t>
+            </a:r>
+            <a:r>
+              <a:rPr lang="en-GB" i="1" dirty="0">
                 <a:latin typeface="CMR12"/>
                 <a:ea typeface="Cascadia Code Light" panose="020B0609020000020004" pitchFamily="49" charset="0"/>
                 <a:cs typeface="Cascadia Code Light" panose="020B0609020000020004" pitchFamily="49" charset="0"/>
               </a:rPr>
-              <a:t>eg</a:t>
-            </a:r>
-            <a:r>
-              <a:rPr lang="en-GB" sz="2000" dirty="0">
+              <a:t>A Short introduction to </a:t>
+            </a:r>
+            <a:r>
+              <a:rPr lang="en-GB" i="1" dirty="0" err="1">
                 <a:latin typeface="CMR12"/>
                 <a:ea typeface="Cascadia Code Light" panose="020B0609020000020004" pitchFamily="49" charset="0"/>
                 <a:cs typeface="Cascadia Code Light" panose="020B0609020000020004" pitchFamily="49" charset="0"/>
               </a:rPr>
-              <a:t>: </a:t>
-            </a:r>
-            <a:r>
-              <a:rPr lang="en-GB" dirty="0" err="1">
-                <a:latin typeface="Cascadia Code Light" panose="020B0609020000020004" pitchFamily="49" charset="0"/>
-                <a:ea typeface="Cascadia Code Light" panose="020B0609020000020004" pitchFamily="49" charset="0"/>
-                <a:cs typeface="Cascadia Code Light" panose="020B0609020000020004" pitchFamily="49" charset="0"/>
-              </a:rPr>
-              <a:t>BioDraws</a:t>
-            </a:r>
-            <a:r>
-              <a:rPr lang="en-GB" sz="2000" dirty="0">
-                <a:latin typeface="CMR12"/>
-                <a:ea typeface="Cascadia Code Light" panose="020B0609020000020004" pitchFamily="49" charset="0"/>
-                <a:cs typeface="Cascadia Code Light" panose="020B0609020000020004" pitchFamily="49" charset="0"/>
-              </a:rPr>
-              <a:t> function in Biogeme)</a:t>
-            </a:r>
-          </a:p>
-          <a:p>
-            <a:r>
-              <a:rPr lang="en-GB" sz="2000" dirty="0">
-                <a:latin typeface="CMR12"/>
-                <a:ea typeface="Cascadia Code Light" panose="020B0609020000020004" pitchFamily="49" charset="0"/>
-                <a:cs typeface="Cascadia Code Light" panose="020B0609020000020004" pitchFamily="49" charset="0"/>
-              </a:rPr>
-              <a:t>Trying implementing CPU/RAM usage measurement function</a:t>
-            </a:r>
-          </a:p>
-          <a:p>
-            <a:endParaRPr lang="en-GB" dirty="0">
+              <a:t>Biogeme</a:t>
+            </a:r>
+            <a:endParaRPr lang="en-GB" i="1" dirty="0">
               <a:latin typeface="CMR12"/>
               <a:ea typeface="Cascadia Code Light" panose="020B0609020000020004" pitchFamily="49" charset="0"/>
               <a:cs typeface="Cascadia Code Light" panose="020B0609020000020004" pitchFamily="49" charset="0"/>
             </a:endParaRPr>
           </a:p>
           <a:p>
-            <a:endParaRPr lang="en-GB" dirty="0">
+            <a:r>
+              <a:rPr lang="fr-FR" b="0" i="0" dirty="0">
+                <a:effectLst/>
+                <a:highlight>
+                  <a:srgbClr val="FFFFFF"/>
+                </a:highlight>
+                <a:latin typeface="CMR12"/>
+              </a:rPr>
+              <a:t>Michel </a:t>
+            </a:r>
+            <a:r>
+              <a:rPr lang="fr-FR" b="0" i="0" dirty="0" err="1">
+                <a:effectLst/>
+                <a:highlight>
+                  <a:srgbClr val="FFFFFF"/>
+                </a:highlight>
+                <a:latin typeface="CMR12"/>
+              </a:rPr>
+              <a:t>Bierlaire</a:t>
+            </a:r>
+            <a:r>
+              <a:rPr lang="fr-FR" b="0" i="0" dirty="0">
+                <a:effectLst/>
+                <a:highlight>
+                  <a:srgbClr val="FFFFFF"/>
+                </a:highlight>
+                <a:latin typeface="CMR12"/>
+              </a:rPr>
+              <a:t> (2023), École Polytechnique Fédérale de Lausanne,	 </a:t>
+            </a:r>
+            <a:r>
+              <a:rPr lang="fr-FR" b="0" i="1" dirty="0" err="1">
+                <a:effectLst/>
+                <a:highlight>
+                  <a:srgbClr val="FFFFFF"/>
+                </a:highlight>
+                <a:latin typeface="CMR12"/>
+              </a:rPr>
+              <a:t>Biogeme</a:t>
+            </a:r>
+            <a:r>
+              <a:rPr lang="fr-FR" b="0" i="1" dirty="0">
+                <a:effectLst/>
+                <a:highlight>
+                  <a:srgbClr val="FFFFFF"/>
+                </a:highlight>
+                <a:latin typeface="CMR12"/>
+              </a:rPr>
+              <a:t> Sphinx Documentation</a:t>
+            </a:r>
+            <a:r>
+              <a:rPr lang="fr-FR" b="0" i="0" dirty="0">
+                <a:effectLst/>
+                <a:highlight>
+                  <a:srgbClr val="FFFFFF"/>
+                </a:highlight>
+                <a:latin typeface="CMR12"/>
+              </a:rPr>
+              <a:t> [</a:t>
+            </a:r>
+            <a:r>
+              <a:rPr lang="fr-FR" b="0" i="0" u="none" strike="noStrike" dirty="0">
+                <a:effectLst/>
+                <a:highlight>
+                  <a:srgbClr val="FFFFFF"/>
+                </a:highlight>
+                <a:latin typeface="CMR12"/>
+                <a:hlinkClick r:id="rId2">
+                  <a:extLst>
+                    <a:ext uri="{A12FA001-AC4F-418D-AE19-62706E023703}">
+                      <ahyp:hlinkClr xmlns:ahyp="http://schemas.microsoft.com/office/drawing/2018/hyperlinkcolor" val="tx"/>
+                    </a:ext>
+                  </a:extLst>
+                </a:hlinkClick>
+              </a:rPr>
+              <a:t>https://biogeme.epfl.ch/sphinx/</a:t>
+            </a:r>
+            <a:r>
+              <a:rPr lang="fr-FR" b="0" i="0" dirty="0">
+                <a:effectLst/>
+                <a:highlight>
+                  <a:srgbClr val="FFFFFF"/>
+                </a:highlight>
+                <a:latin typeface="CMR12"/>
+              </a:rPr>
+              <a:t>]</a:t>
+            </a:r>
+          </a:p>
+          <a:p>
+            <a:pPr algn="l"/>
+            <a:r>
+              <a:rPr lang="en-US" sz="1800" b="0" i="0" u="none" strike="noStrike" baseline="0" dirty="0" err="1">
+                <a:solidFill>
+                  <a:srgbClr val="000000"/>
+                </a:solidFill>
+                <a:latin typeface="CMR10"/>
+              </a:rPr>
+              <a:t>Axhausen</a:t>
+            </a:r>
+            <a:r>
+              <a:rPr lang="en-US" sz="1800" b="0" i="0" u="none" strike="noStrike" baseline="0" dirty="0">
+                <a:solidFill>
+                  <a:srgbClr val="000000"/>
+                </a:solidFill>
+                <a:latin typeface="CMR10"/>
+              </a:rPr>
+              <a:t>, K. W. , </a:t>
+            </a:r>
+            <a:r>
+              <a:rPr lang="en-US" sz="1800" b="0" i="0" u="none" strike="noStrike" baseline="0" dirty="0" err="1">
+                <a:solidFill>
+                  <a:srgbClr val="000000"/>
+                </a:solidFill>
+                <a:latin typeface="CMR10"/>
+              </a:rPr>
+              <a:t>Bierlaire</a:t>
+            </a:r>
+            <a:r>
+              <a:rPr lang="en-US" sz="1800" b="0" i="0" u="none" strike="noStrike" baseline="0" dirty="0">
+                <a:solidFill>
+                  <a:srgbClr val="000000"/>
+                </a:solidFill>
+                <a:latin typeface="CMR10"/>
+              </a:rPr>
+              <a:t>, M. , &amp; </a:t>
+            </a:r>
+            <a:r>
+              <a:rPr lang="en-US" sz="1800" b="0" i="0" u="none" strike="noStrike" baseline="0" dirty="0" err="1">
+                <a:solidFill>
+                  <a:srgbClr val="000000"/>
+                </a:solidFill>
+                <a:latin typeface="CMR10"/>
+              </a:rPr>
+              <a:t>Abay</a:t>
+            </a:r>
+            <a:r>
+              <a:rPr lang="en-US" sz="1800" b="0" i="0" u="none" strike="noStrike" baseline="0" dirty="0">
+                <a:solidFill>
+                  <a:srgbClr val="000000"/>
+                </a:solidFill>
+                <a:latin typeface="CMR10"/>
+              </a:rPr>
+              <a:t>, G. (2001), </a:t>
+            </a:r>
+            <a:r>
+              <a:rPr lang="en-US" sz="1800" b="0" i="1" u="none" strike="noStrike" baseline="0" dirty="0">
+                <a:solidFill>
+                  <a:srgbClr val="000000"/>
+                </a:solidFill>
+                <a:latin typeface="CMR10"/>
+              </a:rPr>
+              <a:t>The acceptance of modal innovation, The case of </a:t>
+            </a:r>
+            <a:r>
+              <a:rPr lang="en-US" sz="1800" b="0" i="1" u="none" strike="noStrike" baseline="0" dirty="0" err="1">
+                <a:solidFill>
+                  <a:srgbClr val="000000"/>
+                </a:solidFill>
+                <a:latin typeface="CMR10"/>
+              </a:rPr>
+              <a:t>Swissmetro</a:t>
+            </a:r>
+            <a:endParaRPr lang="en-GB" i="1" dirty="0">
               <a:latin typeface="CMR12"/>
               <a:ea typeface="Cascadia Code Light" panose="020B0609020000020004" pitchFamily="49" charset="0"/>
               <a:cs typeface="Cascadia Code Light" panose="020B0609020000020004" pitchFamily="49" charset="0"/>
@@ -8421,42 +9136,9 @@
           <a:p>
             <a:r>
               <a:rPr lang="fr-CH" dirty="0"/>
-              <a:t>ALEXIA PARATTE / SEMESTER PROJECT MIDTERM PRESENTATION</a:t>
+              <a:t>ALEXIA PARATTE / SEMESTER PROJECT FINAL PRESENTATION</a:t>
             </a:r>
             <a:endParaRPr lang="fr-FR" dirty="0"/>
-          </a:p>
-        </p:txBody>
-      </p:sp>
-      <p:sp>
-        <p:nvSpPr>
-          <p:cNvPr id="5" name="Espace réservé du pied de page 4">
-            <a:extLst>
-              <a:ext uri="{FF2B5EF4-FFF2-40B4-BE49-F238E27FC236}">
-                <a16:creationId xmlns:a16="http://schemas.microsoft.com/office/drawing/2014/main" id="{E2DA19A9-7B92-DE45-BDD7-1BC0F4B0E8A0}"/>
-              </a:ext>
-            </a:extLst>
-          </p:cNvPr>
-          <p:cNvSpPr>
-            <a:spLocks noGrp="1"/>
-          </p:cNvSpPr>
-          <p:nvPr>
-            <p:ph type="ftr" sz="quarter" idx="19"/>
-          </p:nvPr>
-        </p:nvSpPr>
-        <p:spPr>
-          <a:xfrm rot="16200000">
-            <a:off x="7820359" y="1169694"/>
-            <a:ext cx="2134520" cy="512762"/>
-          </a:xfrm>
-        </p:spPr>
-        <p:txBody>
-          <a:bodyPr/>
-          <a:lstStyle/>
-          <a:p>
-            <a:r>
-              <a:rPr lang="fr-FR" sz="1050" dirty="0"/>
-              <a:t>Future Goals</a:t>
-            </a:r>
           </a:p>
         </p:txBody>
       </p:sp>
@@ -8484,7 +9166,7 @@
             <a:fld id="{E1E1CD7C-2161-7D43-862E-CE4C333CD873}" type="slidenum">
               <a:rPr lang="fr-FR" smtClean="0"/>
               <a:pPr/>
-              <a:t>17</a:t>
+              <a:t>15</a:t>
             </a:fld>
             <a:endParaRPr lang="fr-FR" dirty="0"/>
           </a:p>
@@ -8517,488 +9199,17 @@
           <a:lstStyle/>
           <a:p>
             <a:r>
-              <a:rPr lang="fr-FR" dirty="0"/>
-              <a:t>Challenges </a:t>
-            </a:r>
-            <a:r>
-              <a:rPr lang="en-GB" dirty="0"/>
-              <a:t>faced</a:t>
-            </a:r>
+              <a:rPr lang="fr-CH" dirty="0" err="1"/>
+              <a:t>References</a:t>
+            </a:r>
+            <a:endParaRPr lang="en-GB" dirty="0"/>
           </a:p>
         </p:txBody>
       </p:sp>
     </p:spTree>
     <p:extLst>
       <p:ext uri="{BB962C8B-B14F-4D97-AF65-F5344CB8AC3E}">
-        <p14:creationId xmlns:p14="http://schemas.microsoft.com/office/powerpoint/2010/main" val="1864523889"/>
-      </p:ext>
-    </p:extLst>
-  </p:cSld>
-  <p:clrMapOvr>
-    <a:masterClrMapping/>
-  </p:clrMapOvr>
-</p:sld>
-</file>
-
-<file path=ppt/slides/slide18.xml><?xml version="1.0" encoding="utf-8"?>
-<p:sld xmlns:a="http://schemas.openxmlformats.org/drawingml/2006/main" xmlns:r="http://schemas.openxmlformats.org/officeDocument/2006/relationships" xmlns:p="http://schemas.openxmlformats.org/presentationml/2006/main">
-  <p:cSld>
-    <p:spTree>
-      <p:nvGrpSpPr>
-        <p:cNvPr id="1" name=""/>
-        <p:cNvGrpSpPr/>
-        <p:nvPr/>
-      </p:nvGrpSpPr>
-      <p:grpSpPr>
-        <a:xfrm>
-          <a:off x="0" y="0"/>
-          <a:ext cx="0" cy="0"/>
-          <a:chOff x="0" y="0"/>
-          <a:chExt cx="0" cy="0"/>
-        </a:xfrm>
-      </p:grpSpPr>
-      <p:sp>
-        <p:nvSpPr>
-          <p:cNvPr id="3" name="Espace réservé du texte 2">
-            <a:extLst>
-              <a:ext uri="{FF2B5EF4-FFF2-40B4-BE49-F238E27FC236}">
-                <a16:creationId xmlns:a16="http://schemas.microsoft.com/office/drawing/2014/main" id="{334C28A0-A184-8649-A9A4-2BFB1D02EBB5}"/>
-              </a:ext>
-            </a:extLst>
-          </p:cNvPr>
-          <p:cNvSpPr>
-            <a:spLocks noGrp="1"/>
-          </p:cNvSpPr>
-          <p:nvPr>
-            <p:ph type="body" sz="quarter" idx="17"/>
-          </p:nvPr>
-        </p:nvSpPr>
-        <p:spPr>
-          <a:xfrm>
-            <a:off x="904875" y="1070599"/>
-            <a:ext cx="7646988" cy="3664403"/>
-          </a:xfrm>
-        </p:spPr>
-        <p:txBody>
-          <a:bodyPr>
-            <a:normAutofit/>
-          </a:bodyPr>
-          <a:lstStyle/>
-          <a:p>
-            <a:r>
-              <a:rPr lang="en-GB" dirty="0">
-                <a:latin typeface="CMR12"/>
-                <a:ea typeface="Cascadia Code Light" panose="020B0609020000020004" pitchFamily="49" charset="0"/>
-                <a:cs typeface="Cascadia Code Light" panose="020B0609020000020004" pitchFamily="49" charset="0"/>
-              </a:rPr>
-              <a:t>To avoid errors in translation from Apollo to Biogeme, want to choose model/dataset from the Biogeme website and translate it to Apollo</a:t>
-            </a:r>
-          </a:p>
-          <a:p>
-            <a:r>
-              <a:rPr lang="en-GB" dirty="0">
-                <a:latin typeface="CMR12"/>
-                <a:ea typeface="Cascadia Code Light" panose="020B0609020000020004" pitchFamily="49" charset="0"/>
-                <a:cs typeface="Cascadia Code Light" panose="020B0609020000020004" pitchFamily="49" charset="0"/>
-              </a:rPr>
-              <a:t>Another solution would be to simplify the model in Apollo</a:t>
-            </a:r>
-          </a:p>
-          <a:p>
-            <a:r>
-              <a:rPr lang="en-GB" dirty="0">
-                <a:latin typeface="CMR12"/>
-                <a:ea typeface="Cascadia Code Light" panose="020B0609020000020004" pitchFamily="49" charset="0"/>
-                <a:cs typeface="Cascadia Code Light" panose="020B0609020000020004" pitchFamily="49" charset="0"/>
-              </a:rPr>
-              <a:t>Optimisation-wise: want to modify the following parameters in the </a:t>
-            </a:r>
-            <a:r>
-              <a:rPr lang="en-GB" sz="1600" dirty="0">
-                <a:latin typeface="Cascadia Code Light" panose="020B0609020000020004" pitchFamily="49" charset="0"/>
-                <a:ea typeface="Cascadia Code Light" panose="020B0609020000020004" pitchFamily="49" charset="0"/>
-                <a:cs typeface="Cascadia Code Light" panose="020B0609020000020004" pitchFamily="49" charset="0"/>
-              </a:rPr>
-              <a:t>.</a:t>
-            </a:r>
-            <a:r>
-              <a:rPr lang="en-GB" sz="1600" dirty="0" err="1">
-                <a:latin typeface="Cascadia Code Light" panose="020B0609020000020004" pitchFamily="49" charset="0"/>
-                <a:ea typeface="Cascadia Code Light" panose="020B0609020000020004" pitchFamily="49" charset="0"/>
-                <a:cs typeface="Cascadia Code Light" panose="020B0609020000020004" pitchFamily="49" charset="0"/>
-              </a:rPr>
-              <a:t>toml</a:t>
-            </a:r>
-            <a:r>
-              <a:rPr lang="en-GB" sz="1600" dirty="0">
-                <a:latin typeface="Cascadia Code Light" panose="020B0609020000020004" pitchFamily="49" charset="0"/>
-                <a:ea typeface="Cascadia Code Light" panose="020B0609020000020004" pitchFamily="49" charset="0"/>
-                <a:cs typeface="Cascadia Code Light" panose="020B0609020000020004" pitchFamily="49" charset="0"/>
-              </a:rPr>
-              <a:t> </a:t>
-            </a:r>
-            <a:r>
-              <a:rPr lang="en-GB" dirty="0">
-                <a:latin typeface="CMR12"/>
-                <a:ea typeface="Cascadia Code Light" panose="020B0609020000020004" pitchFamily="49" charset="0"/>
-                <a:cs typeface="Cascadia Code Light" panose="020B0609020000020004" pitchFamily="49" charset="0"/>
-              </a:rPr>
-              <a:t>file in Biogeme:</a:t>
-            </a:r>
-          </a:p>
-          <a:p>
-            <a:pPr lvl="1"/>
-            <a:r>
-              <a:rPr lang="en-US" b="0" i="0" u="none" strike="noStrike" baseline="0" dirty="0">
-                <a:latin typeface="Cascadia Mono Light" panose="020B0609020000020004" pitchFamily="49" charset="0"/>
-                <a:ea typeface="Cascadia Mono Light" panose="020B0609020000020004" pitchFamily="49" charset="0"/>
-                <a:cs typeface="Cascadia Mono Light" panose="020B0609020000020004" pitchFamily="49" charset="0"/>
-              </a:rPr>
-              <a:t>second derivatives</a:t>
-            </a:r>
-            <a:r>
-              <a:rPr lang="en-US" sz="1800" b="0" i="0" u="none" strike="noStrike" baseline="0" dirty="0">
-                <a:latin typeface="CMR12"/>
-              </a:rPr>
-              <a:t>: proportion (between 0 and 1) of iterations when the analytical </a:t>
-            </a:r>
-            <a:r>
-              <a:rPr lang="en-GB" sz="1800" b="0" i="0" u="none" strike="noStrike" baseline="0" dirty="0">
-                <a:latin typeface="CMR12"/>
-              </a:rPr>
-              <a:t>Hessian is calculated</a:t>
-            </a:r>
-          </a:p>
-          <a:p>
-            <a:pPr lvl="1"/>
-            <a:r>
-              <a:rPr lang="en-US" b="0" i="0" u="none" strike="noStrike" baseline="0" dirty="0">
-                <a:latin typeface="Cascadia Mono Light" panose="020B0609020000020004" pitchFamily="49" charset="0"/>
-                <a:ea typeface="Cascadia Mono Light" panose="020B0609020000020004" pitchFamily="49" charset="0"/>
-                <a:cs typeface="Cascadia Mono Light" panose="020B0609020000020004" pitchFamily="49" charset="0"/>
-              </a:rPr>
-              <a:t>optimization algorithm</a:t>
-            </a:r>
-            <a:r>
-              <a:rPr lang="en-US" sz="1800" b="0" i="0" u="none" strike="noStrike" baseline="0" dirty="0">
-                <a:latin typeface="CMR12"/>
-              </a:rPr>
-              <a:t>: optimization algorithm to be used for estimation.</a:t>
-            </a:r>
-          </a:p>
-          <a:p>
-            <a:r>
-              <a:rPr lang="en-US" dirty="0">
-                <a:latin typeface="CMR12"/>
-                <a:ea typeface="Cascadia Code Light" panose="020B0609020000020004" pitchFamily="49" charset="0"/>
-                <a:cs typeface="Cascadia Code Light" panose="020B0609020000020004" pitchFamily="49" charset="0"/>
-              </a:rPr>
-              <a:t>Try other choice models</a:t>
-            </a:r>
-          </a:p>
-          <a:p>
-            <a:endParaRPr lang="en-GB" dirty="0">
-              <a:latin typeface="CMR12"/>
-              <a:ea typeface="Cascadia Code Light" panose="020B0609020000020004" pitchFamily="49" charset="0"/>
-              <a:cs typeface="Cascadia Code Light" panose="020B0609020000020004" pitchFamily="49" charset="0"/>
-            </a:endParaRPr>
-          </a:p>
-          <a:p>
-            <a:endParaRPr lang="en-GB" dirty="0">
-              <a:latin typeface="CMR12"/>
-              <a:ea typeface="Cascadia Code Light" panose="020B0609020000020004" pitchFamily="49" charset="0"/>
-              <a:cs typeface="Cascadia Code Light" panose="020B0609020000020004" pitchFamily="49" charset="0"/>
-            </a:endParaRPr>
-          </a:p>
-        </p:txBody>
-      </p:sp>
-      <p:sp>
-        <p:nvSpPr>
-          <p:cNvPr id="4" name="Espace réservé de la date 3">
-            <a:extLst>
-              <a:ext uri="{FF2B5EF4-FFF2-40B4-BE49-F238E27FC236}">
-                <a16:creationId xmlns:a16="http://schemas.microsoft.com/office/drawing/2014/main" id="{A468D869-FEAE-4E41-8088-2B1F1C600E34}"/>
-              </a:ext>
-            </a:extLst>
-          </p:cNvPr>
-          <p:cNvSpPr>
-            <a:spLocks noGrp="1"/>
-          </p:cNvSpPr>
-          <p:nvPr>
-            <p:ph type="dt" sz="half" idx="18"/>
-          </p:nvPr>
-        </p:nvSpPr>
-        <p:spPr/>
-        <p:txBody>
-          <a:bodyPr/>
-          <a:lstStyle/>
-          <a:p>
-            <a:r>
-              <a:rPr lang="fr-CH" dirty="0"/>
-              <a:t>ALEXIA PARATTE / SEMESTER PROJECT MIDTERM PRESENTATION</a:t>
-            </a:r>
-            <a:endParaRPr lang="fr-FR" dirty="0"/>
-          </a:p>
-        </p:txBody>
-      </p:sp>
-      <p:sp>
-        <p:nvSpPr>
-          <p:cNvPr id="5" name="Espace réservé du pied de page 4">
-            <a:extLst>
-              <a:ext uri="{FF2B5EF4-FFF2-40B4-BE49-F238E27FC236}">
-                <a16:creationId xmlns:a16="http://schemas.microsoft.com/office/drawing/2014/main" id="{E2DA19A9-7B92-DE45-BDD7-1BC0F4B0E8A0}"/>
-              </a:ext>
-            </a:extLst>
-          </p:cNvPr>
-          <p:cNvSpPr>
-            <a:spLocks noGrp="1"/>
-          </p:cNvSpPr>
-          <p:nvPr>
-            <p:ph type="ftr" sz="quarter" idx="19"/>
-          </p:nvPr>
-        </p:nvSpPr>
-        <p:spPr>
-          <a:xfrm rot="16200000">
-            <a:off x="7820359" y="1169694"/>
-            <a:ext cx="2134520" cy="512762"/>
-          </a:xfrm>
-        </p:spPr>
-        <p:txBody>
-          <a:bodyPr/>
-          <a:lstStyle/>
-          <a:p>
-            <a:r>
-              <a:rPr lang="fr-FR" sz="1050" dirty="0"/>
-              <a:t>Future Goals</a:t>
-            </a:r>
-          </a:p>
-        </p:txBody>
-      </p:sp>
-      <p:sp>
-        <p:nvSpPr>
-          <p:cNvPr id="6" name="Espace réservé du numéro de diapositive 5">
-            <a:extLst>
-              <a:ext uri="{FF2B5EF4-FFF2-40B4-BE49-F238E27FC236}">
-                <a16:creationId xmlns:a16="http://schemas.microsoft.com/office/drawing/2014/main" id="{881B401C-18BC-4649-B2B0-EB3EECC87645}"/>
-              </a:ext>
-            </a:extLst>
-          </p:cNvPr>
-          <p:cNvSpPr>
-            <a:spLocks noGrp="1"/>
-          </p:cNvSpPr>
-          <p:nvPr>
-            <p:ph type="sldNum" sz="quarter" idx="20"/>
-          </p:nvPr>
-        </p:nvSpPr>
-        <p:spPr/>
-        <p:txBody>
-          <a:bodyPr/>
-          <a:lstStyle/>
-          <a:p>
-            <a:fld id="{E1E1CD7C-2161-7D43-862E-CE4C333CD873}" type="slidenum">
-              <a:rPr lang="fr-FR" smtClean="0"/>
-              <a:pPr/>
-              <a:t>18</a:t>
-            </a:fld>
-            <a:endParaRPr lang="fr-FR" dirty="0"/>
-          </a:p>
-        </p:txBody>
-      </p:sp>
-      <p:sp>
-        <p:nvSpPr>
-          <p:cNvPr id="7" name="Titre 6">
-            <a:extLst>
-              <a:ext uri="{FF2B5EF4-FFF2-40B4-BE49-F238E27FC236}">
-                <a16:creationId xmlns:a16="http://schemas.microsoft.com/office/drawing/2014/main" id="{B2CF7EEE-D0B7-6648-AE4B-B2B65E993964}"/>
-              </a:ext>
-            </a:extLst>
-          </p:cNvPr>
-          <p:cNvSpPr>
-            <a:spLocks noGrp="1"/>
-          </p:cNvSpPr>
-          <p:nvPr>
-            <p:ph type="title"/>
-          </p:nvPr>
-        </p:nvSpPr>
-        <p:spPr>
-          <a:xfrm>
-            <a:off x="904875" y="358815"/>
-            <a:ext cx="5070509" cy="636673"/>
-          </a:xfrm>
-        </p:spPr>
-        <p:txBody>
-          <a:bodyPr/>
-          <a:lstStyle/>
-          <a:p>
-            <a:r>
-              <a:rPr lang="fr-CH" dirty="0"/>
-              <a:t>Planning for the </a:t>
-            </a:r>
-            <a:r>
-              <a:rPr lang="fr-CH" dirty="0" err="1"/>
-              <a:t>following</a:t>
-            </a:r>
-            <a:r>
-              <a:rPr lang="fr-CH" dirty="0"/>
-              <a:t> </a:t>
-            </a:r>
-            <a:r>
-              <a:rPr lang="fr-CH" dirty="0" err="1"/>
-              <a:t>weeks</a:t>
-            </a:r>
-            <a:endParaRPr lang="en-GB" dirty="0"/>
-          </a:p>
-        </p:txBody>
-      </p:sp>
-    </p:spTree>
-    <p:extLst>
-      <p:ext uri="{BB962C8B-B14F-4D97-AF65-F5344CB8AC3E}">
-        <p14:creationId xmlns:p14="http://schemas.microsoft.com/office/powerpoint/2010/main" val="3651024975"/>
-      </p:ext>
-    </p:extLst>
-  </p:cSld>
-  <p:clrMapOvr>
-    <a:masterClrMapping/>
-  </p:clrMapOvr>
-</p:sld>
-</file>
-
-<file path=ppt/slides/slide19.xml><?xml version="1.0" encoding="utf-8"?>
-<p:sld xmlns:a="http://schemas.openxmlformats.org/drawingml/2006/main" xmlns:r="http://schemas.openxmlformats.org/officeDocument/2006/relationships" xmlns:p="http://schemas.openxmlformats.org/presentationml/2006/main">
-  <p:cSld>
-    <p:spTree>
-      <p:nvGrpSpPr>
-        <p:cNvPr id="1" name=""/>
-        <p:cNvGrpSpPr/>
-        <p:nvPr/>
-      </p:nvGrpSpPr>
-      <p:grpSpPr>
-        <a:xfrm>
-          <a:off x="0" y="0"/>
-          <a:ext cx="0" cy="0"/>
-          <a:chOff x="0" y="0"/>
-          <a:chExt cx="0" cy="0"/>
-        </a:xfrm>
-      </p:grpSpPr>
-      <p:sp>
-        <p:nvSpPr>
-          <p:cNvPr id="4" name="Espace réservé de la date 3">
-            <a:extLst>
-              <a:ext uri="{FF2B5EF4-FFF2-40B4-BE49-F238E27FC236}">
-                <a16:creationId xmlns:a16="http://schemas.microsoft.com/office/drawing/2014/main" id="{A468D869-FEAE-4E41-8088-2B1F1C600E34}"/>
-              </a:ext>
-            </a:extLst>
-          </p:cNvPr>
-          <p:cNvSpPr>
-            <a:spLocks noGrp="1"/>
-          </p:cNvSpPr>
-          <p:nvPr>
-            <p:ph type="dt" sz="half" idx="18"/>
-          </p:nvPr>
-        </p:nvSpPr>
-        <p:spPr/>
-        <p:txBody>
-          <a:bodyPr/>
-          <a:lstStyle/>
-          <a:p>
-            <a:r>
-              <a:rPr lang="fr-CH" dirty="0"/>
-              <a:t>ALEXIA PARATTE / SEMESTER PROJECT MIDTERM PRESENTATION</a:t>
-            </a:r>
-            <a:endParaRPr lang="fr-FR" dirty="0"/>
-          </a:p>
-        </p:txBody>
-      </p:sp>
-      <p:sp>
-        <p:nvSpPr>
-          <p:cNvPr id="6" name="Espace réservé du numéro de diapositive 5">
-            <a:extLst>
-              <a:ext uri="{FF2B5EF4-FFF2-40B4-BE49-F238E27FC236}">
-                <a16:creationId xmlns:a16="http://schemas.microsoft.com/office/drawing/2014/main" id="{881B401C-18BC-4649-B2B0-EB3EECC87645}"/>
-              </a:ext>
-            </a:extLst>
-          </p:cNvPr>
-          <p:cNvSpPr>
-            <a:spLocks noGrp="1"/>
-          </p:cNvSpPr>
-          <p:nvPr>
-            <p:ph type="sldNum" sz="quarter" idx="20"/>
-          </p:nvPr>
-        </p:nvSpPr>
-        <p:spPr/>
-        <p:txBody>
-          <a:bodyPr/>
-          <a:lstStyle/>
-          <a:p>
-            <a:fld id="{E1E1CD7C-2161-7D43-862E-CE4C333CD873}" type="slidenum">
-              <a:rPr lang="fr-FR" smtClean="0"/>
-              <a:pPr/>
-              <a:t>19</a:t>
-            </a:fld>
-            <a:endParaRPr lang="fr-FR" dirty="0"/>
-          </a:p>
-        </p:txBody>
-      </p:sp>
-      <p:sp>
-        <p:nvSpPr>
-          <p:cNvPr id="7" name="Titre 6">
-            <a:extLst>
-              <a:ext uri="{FF2B5EF4-FFF2-40B4-BE49-F238E27FC236}">
-                <a16:creationId xmlns:a16="http://schemas.microsoft.com/office/drawing/2014/main" id="{B2CF7EEE-D0B7-6648-AE4B-B2B65E993964}"/>
-              </a:ext>
-            </a:extLst>
-          </p:cNvPr>
-          <p:cNvSpPr>
-            <a:spLocks noGrp="1"/>
-          </p:cNvSpPr>
-          <p:nvPr>
-            <p:ph type="title"/>
-          </p:nvPr>
-        </p:nvSpPr>
-        <p:spPr>
-          <a:xfrm>
-            <a:off x="1950134" y="2193747"/>
-            <a:ext cx="5243731" cy="756005"/>
-          </a:xfrm>
-        </p:spPr>
-        <p:txBody>
-          <a:bodyPr>
-            <a:normAutofit/>
-          </a:bodyPr>
-          <a:lstStyle/>
-          <a:p>
-            <a:pPr algn="ctr"/>
-            <a:r>
-              <a:rPr lang="fr-FR" sz="4000" dirty="0" err="1"/>
-              <a:t>Thank</a:t>
-            </a:r>
-            <a:r>
-              <a:rPr lang="fr-FR" sz="4000" dirty="0"/>
-              <a:t> </a:t>
-            </a:r>
-            <a:r>
-              <a:rPr lang="fr-FR" sz="4000" dirty="0" err="1"/>
-              <a:t>you</a:t>
-            </a:r>
-            <a:r>
-              <a:rPr lang="fr-FR" sz="4000" dirty="0"/>
-              <a:t> for </a:t>
-            </a:r>
-            <a:r>
-              <a:rPr lang="fr-FR" sz="4000" dirty="0" err="1"/>
-              <a:t>listening</a:t>
-            </a:r>
-            <a:r>
-              <a:rPr lang="fr-FR" sz="4000" dirty="0"/>
-              <a:t> !</a:t>
-            </a:r>
-          </a:p>
-        </p:txBody>
-      </p:sp>
-    </p:spTree>
-    <p:extLst>
-      <p:ext uri="{BB962C8B-B14F-4D97-AF65-F5344CB8AC3E}">
-        <p14:creationId xmlns:p14="http://schemas.microsoft.com/office/powerpoint/2010/main" val="2745130289"/>
+        <p14:creationId xmlns:p14="http://schemas.microsoft.com/office/powerpoint/2010/main" val="3589086254"/>
       </p:ext>
     </p:extLst>
   </p:cSld>
@@ -9043,12 +9254,14 @@
         </p:nvSpPr>
         <p:spPr>
           <a:xfrm>
-            <a:off x="1467953" y="1419308"/>
-            <a:ext cx="4533399" cy="3176754"/>
+            <a:off x="1467953" y="1219433"/>
+            <a:ext cx="6220958" cy="3176754"/>
           </a:xfrm>
         </p:spPr>
         <p:txBody>
-          <a:bodyPr/>
+          <a:bodyPr>
+            <a:normAutofit/>
+          </a:bodyPr>
           <a:lstStyle/>
           <a:p>
             <a:r>
@@ -9057,22 +9270,46 @@
             </a:r>
           </a:p>
           <a:p>
+            <a:pPr marL="0" indent="0">
+              <a:buNone/>
+            </a:pPr>
             <a:endParaRPr lang="fr-FR" sz="2400" dirty="0"/>
           </a:p>
           <a:p>
             <a:r>
+              <a:rPr lang="fr-FR" sz="2400" dirty="0" err="1"/>
+              <a:t>Recap</a:t>
+            </a:r>
+            <a:r>
               <a:rPr lang="fr-FR" sz="2400" dirty="0"/>
-              <a:t>First Model</a:t>
-            </a:r>
-          </a:p>
-          <a:p>
+              <a:t> of </a:t>
+            </a:r>
+            <a:r>
+              <a:rPr lang="fr-FR" sz="2400" dirty="0" err="1"/>
+              <a:t>midterm</a:t>
+            </a:r>
+            <a:r>
+              <a:rPr lang="fr-FR" sz="2400" dirty="0"/>
+              <a:t> </a:t>
+            </a:r>
+            <a:r>
+              <a:rPr lang="fr-FR" sz="2400" dirty="0" err="1"/>
+              <a:t>Presentation</a:t>
+            </a:r>
             <a:endParaRPr lang="fr-FR" sz="2400" dirty="0"/>
           </a:p>
           <a:p>
-            <a:r>
-              <a:rPr lang="fr-FR" sz="2400" dirty="0"/>
-              <a:t>Second Model</a:t>
-            </a:r>
+            <a:pPr marL="0" indent="0">
+              <a:buNone/>
+            </a:pPr>
+            <a:endParaRPr lang="fr-FR" sz="2400" dirty="0"/>
+          </a:p>
+          <a:p>
+            <a:r>
+              <a:rPr lang="fr-FR" sz="2400" dirty="0" err="1"/>
+              <a:t>Swissmetro</a:t>
+            </a:r>
+            <a:endParaRPr lang="fr-FR" sz="2400" dirty="0"/>
           </a:p>
           <a:p>
             <a:endParaRPr lang="fr-FR" sz="2400" dirty="0"/>
@@ -9111,7 +9348,7 @@
           <a:p>
             <a:r>
               <a:rPr lang="fr-CH" dirty="0"/>
-              <a:t>ALEXIA PARATTE / SEMESTER PROJECT MIDTERM PRESENTATION</a:t>
+              <a:t>ALEXIA PARATTE / SEMESTER PROJECT FINAL PRESENTATION</a:t>
             </a:r>
             <a:endParaRPr lang="fr-FR" dirty="0"/>
           </a:p>
@@ -9187,332 +9424,6 @@
     <p:extLst>
       <p:ext uri="{BB962C8B-B14F-4D97-AF65-F5344CB8AC3E}">
         <p14:creationId xmlns:p14="http://schemas.microsoft.com/office/powerpoint/2010/main" val="827741770"/>
-      </p:ext>
-    </p:extLst>
-  </p:cSld>
-  <p:clrMapOvr>
-    <a:masterClrMapping/>
-  </p:clrMapOvr>
-</p:sld>
-</file>
-
-<file path=ppt/slides/slide20.xml><?xml version="1.0" encoding="utf-8"?>
-<p:sld xmlns:a="http://schemas.openxmlformats.org/drawingml/2006/main" xmlns:r="http://schemas.openxmlformats.org/officeDocument/2006/relationships" xmlns:p="http://schemas.openxmlformats.org/presentationml/2006/main">
-  <p:cSld>
-    <p:spTree>
-      <p:nvGrpSpPr>
-        <p:cNvPr id="1" name=""/>
-        <p:cNvGrpSpPr/>
-        <p:nvPr/>
-      </p:nvGrpSpPr>
-      <p:grpSpPr>
-        <a:xfrm>
-          <a:off x="0" y="0"/>
-          <a:ext cx="0" cy="0"/>
-          <a:chOff x="0" y="0"/>
-          <a:chExt cx="0" cy="0"/>
-        </a:xfrm>
-      </p:grpSpPr>
-      <p:sp>
-        <p:nvSpPr>
-          <p:cNvPr id="3" name="Espace réservé du texte 2">
-            <a:extLst>
-              <a:ext uri="{FF2B5EF4-FFF2-40B4-BE49-F238E27FC236}">
-                <a16:creationId xmlns:a16="http://schemas.microsoft.com/office/drawing/2014/main" id="{334C28A0-A184-8649-A9A4-2BFB1D02EBB5}"/>
-              </a:ext>
-            </a:extLst>
-          </p:cNvPr>
-          <p:cNvSpPr>
-            <a:spLocks noGrp="1"/>
-          </p:cNvSpPr>
-          <p:nvPr>
-            <p:ph type="body" sz="quarter" idx="17"/>
-          </p:nvPr>
-        </p:nvSpPr>
-        <p:spPr>
-          <a:xfrm>
-            <a:off x="904875" y="1640971"/>
-            <a:ext cx="7646988" cy="1861557"/>
-          </a:xfrm>
-        </p:spPr>
-        <p:txBody>
-          <a:bodyPr>
-            <a:normAutofit/>
-          </a:bodyPr>
-          <a:lstStyle/>
-          <a:p>
-            <a:pPr algn="l"/>
-            <a:r>
-              <a:rPr lang="en-US" sz="1800" b="0" i="0" u="none" strike="noStrike" baseline="0" dirty="0">
-                <a:latin typeface="CMR12"/>
-              </a:rPr>
-              <a:t>Hess, S. &amp; Palma, D. (2019), </a:t>
-            </a:r>
-            <a:r>
-              <a:rPr lang="en-US" sz="1800" b="0" i="1" u="none" strike="noStrike" baseline="0" dirty="0">
-                <a:latin typeface="CMR12"/>
-              </a:rPr>
-              <a:t>Apollo</a:t>
-            </a:r>
-            <a:r>
-              <a:rPr lang="en-US" sz="1800" b="0" i="0" u="none" strike="noStrike" baseline="0" dirty="0">
-                <a:latin typeface="CMR12"/>
-              </a:rPr>
-              <a:t>: a flexible, powerful and </a:t>
-            </a:r>
-            <a:r>
-              <a:rPr lang="en-US" sz="1800" b="0" i="0" u="none" strike="noStrike" baseline="0" dirty="0" err="1">
-                <a:latin typeface="CMR12"/>
-              </a:rPr>
-              <a:t>customisable</a:t>
-            </a:r>
-            <a:r>
-              <a:rPr lang="en-US" sz="1800" b="0" i="0" u="none" strike="noStrike" baseline="0" dirty="0">
-                <a:latin typeface="CMR12"/>
-              </a:rPr>
-              <a:t> freeware package for choice model estimation and application, Journal of Choice Modelling</a:t>
-            </a:r>
-          </a:p>
-          <a:p>
-            <a:r>
-              <a:rPr lang="en-GB" dirty="0">
-                <a:latin typeface="CMR12"/>
-                <a:ea typeface="Cascadia Code Light" panose="020B0609020000020004" pitchFamily="49" charset="0"/>
-                <a:cs typeface="Cascadia Code Light" panose="020B0609020000020004" pitchFamily="49" charset="0"/>
-              </a:rPr>
-              <a:t>Michel </a:t>
-            </a:r>
-            <a:r>
-              <a:rPr lang="en-GB" dirty="0" err="1">
-                <a:latin typeface="CMR12"/>
-                <a:ea typeface="Cascadia Code Light" panose="020B0609020000020004" pitchFamily="49" charset="0"/>
-                <a:cs typeface="Cascadia Code Light" panose="020B0609020000020004" pitchFamily="49" charset="0"/>
-              </a:rPr>
-              <a:t>Bierlaire</a:t>
-            </a:r>
-            <a:r>
-              <a:rPr lang="en-GB" dirty="0">
-                <a:latin typeface="CMR12"/>
-                <a:ea typeface="Cascadia Code Light" panose="020B0609020000020004" pitchFamily="49" charset="0"/>
-                <a:cs typeface="Cascadia Code Light" panose="020B0609020000020004" pitchFamily="49" charset="0"/>
-              </a:rPr>
-              <a:t> (2023), </a:t>
-            </a:r>
-            <a:r>
-              <a:rPr lang="en-GB" i="1" dirty="0">
-                <a:latin typeface="CMR12"/>
-                <a:ea typeface="Cascadia Code Light" panose="020B0609020000020004" pitchFamily="49" charset="0"/>
-                <a:cs typeface="Cascadia Code Light" panose="020B0609020000020004" pitchFamily="49" charset="0"/>
-              </a:rPr>
-              <a:t>A Short introduction to </a:t>
-            </a:r>
-            <a:r>
-              <a:rPr lang="en-GB" i="1" dirty="0" err="1">
-                <a:latin typeface="CMR12"/>
-                <a:ea typeface="Cascadia Code Light" panose="020B0609020000020004" pitchFamily="49" charset="0"/>
-                <a:cs typeface="Cascadia Code Light" panose="020B0609020000020004" pitchFamily="49" charset="0"/>
-              </a:rPr>
-              <a:t>Biogeme</a:t>
-            </a:r>
-            <a:endParaRPr lang="en-GB" i="1" dirty="0">
-              <a:latin typeface="CMR12"/>
-              <a:ea typeface="Cascadia Code Light" panose="020B0609020000020004" pitchFamily="49" charset="0"/>
-              <a:cs typeface="Cascadia Code Light" panose="020B0609020000020004" pitchFamily="49" charset="0"/>
-            </a:endParaRPr>
-          </a:p>
-          <a:p>
-            <a:r>
-              <a:rPr lang="fr-FR" b="0" i="0" dirty="0">
-                <a:effectLst/>
-                <a:highlight>
-                  <a:srgbClr val="FFFFFF"/>
-                </a:highlight>
-                <a:latin typeface="CMR12"/>
-              </a:rPr>
-              <a:t>Michel </a:t>
-            </a:r>
-            <a:r>
-              <a:rPr lang="fr-FR" b="0" i="0" dirty="0" err="1">
-                <a:effectLst/>
-                <a:highlight>
-                  <a:srgbClr val="FFFFFF"/>
-                </a:highlight>
-                <a:latin typeface="CMR12"/>
-              </a:rPr>
-              <a:t>Bierlaire</a:t>
-            </a:r>
-            <a:r>
-              <a:rPr lang="fr-FR" b="0" i="0" dirty="0">
-                <a:effectLst/>
-                <a:highlight>
-                  <a:srgbClr val="FFFFFF"/>
-                </a:highlight>
-                <a:latin typeface="CMR12"/>
-              </a:rPr>
-              <a:t> (2023), École Polytechnique Fédérale de Lausanne,	 </a:t>
-            </a:r>
-            <a:r>
-              <a:rPr lang="fr-FR" b="0" i="1" dirty="0" err="1">
-                <a:effectLst/>
-                <a:highlight>
-                  <a:srgbClr val="FFFFFF"/>
-                </a:highlight>
-                <a:latin typeface="CMR12"/>
-              </a:rPr>
-              <a:t>Biogeme</a:t>
-            </a:r>
-            <a:r>
-              <a:rPr lang="fr-FR" b="0" i="1" dirty="0">
-                <a:effectLst/>
-                <a:highlight>
-                  <a:srgbClr val="FFFFFF"/>
-                </a:highlight>
-                <a:latin typeface="CMR12"/>
-              </a:rPr>
-              <a:t> Sphinx Documentation</a:t>
-            </a:r>
-            <a:r>
-              <a:rPr lang="fr-FR" b="0" i="0" dirty="0">
-                <a:effectLst/>
-                <a:highlight>
-                  <a:srgbClr val="FFFFFF"/>
-                </a:highlight>
-                <a:latin typeface="CMR12"/>
-              </a:rPr>
-              <a:t> [</a:t>
-            </a:r>
-            <a:r>
-              <a:rPr lang="fr-FR" b="0" i="0" u="none" strike="noStrike" dirty="0">
-                <a:effectLst/>
-                <a:highlight>
-                  <a:srgbClr val="FFFFFF"/>
-                </a:highlight>
-                <a:latin typeface="CMR12"/>
-                <a:hlinkClick r:id="rId2">
-                  <a:extLst>
-                    <a:ext uri="{A12FA001-AC4F-418D-AE19-62706E023703}">
-                      <ahyp:hlinkClr xmlns:ahyp="http://schemas.microsoft.com/office/drawing/2018/hyperlinkcolor" val="tx"/>
-                    </a:ext>
-                  </a:extLst>
-                </a:hlinkClick>
-              </a:rPr>
-              <a:t>https://biogeme.epfl.ch/sphinx/</a:t>
-            </a:r>
-            <a:r>
-              <a:rPr lang="fr-FR" b="0" i="0" dirty="0">
-                <a:effectLst/>
-                <a:highlight>
-                  <a:srgbClr val="FFFFFF"/>
-                </a:highlight>
-                <a:latin typeface="CMR12"/>
-              </a:rPr>
-              <a:t>]</a:t>
-            </a:r>
-            <a:endParaRPr lang="en-GB" i="1" dirty="0">
-              <a:latin typeface="CMR12"/>
-              <a:ea typeface="Cascadia Code Light" panose="020B0609020000020004" pitchFamily="49" charset="0"/>
-              <a:cs typeface="Cascadia Code Light" panose="020B0609020000020004" pitchFamily="49" charset="0"/>
-            </a:endParaRPr>
-          </a:p>
-        </p:txBody>
-      </p:sp>
-      <p:sp>
-        <p:nvSpPr>
-          <p:cNvPr id="4" name="Espace réservé de la date 3">
-            <a:extLst>
-              <a:ext uri="{FF2B5EF4-FFF2-40B4-BE49-F238E27FC236}">
-                <a16:creationId xmlns:a16="http://schemas.microsoft.com/office/drawing/2014/main" id="{A468D869-FEAE-4E41-8088-2B1F1C600E34}"/>
-              </a:ext>
-            </a:extLst>
-          </p:cNvPr>
-          <p:cNvSpPr>
-            <a:spLocks noGrp="1"/>
-          </p:cNvSpPr>
-          <p:nvPr>
-            <p:ph type="dt" sz="half" idx="18"/>
-          </p:nvPr>
-        </p:nvSpPr>
-        <p:spPr/>
-        <p:txBody>
-          <a:bodyPr/>
-          <a:lstStyle/>
-          <a:p>
-            <a:r>
-              <a:rPr lang="fr-CH" dirty="0"/>
-              <a:t>ALEXIA PARATTE / SEMESTER PROJECT MIDTERM PRESENTATION</a:t>
-            </a:r>
-            <a:endParaRPr lang="fr-FR" dirty="0"/>
-          </a:p>
-        </p:txBody>
-      </p:sp>
-      <p:sp>
-        <p:nvSpPr>
-          <p:cNvPr id="6" name="Espace réservé du numéro de diapositive 5">
-            <a:extLst>
-              <a:ext uri="{FF2B5EF4-FFF2-40B4-BE49-F238E27FC236}">
-                <a16:creationId xmlns:a16="http://schemas.microsoft.com/office/drawing/2014/main" id="{881B401C-18BC-4649-B2B0-EB3EECC87645}"/>
-              </a:ext>
-            </a:extLst>
-          </p:cNvPr>
-          <p:cNvSpPr>
-            <a:spLocks noGrp="1"/>
-          </p:cNvSpPr>
-          <p:nvPr>
-            <p:ph type="sldNum" sz="quarter" idx="20"/>
-          </p:nvPr>
-        </p:nvSpPr>
-        <p:spPr/>
-        <p:txBody>
-          <a:bodyPr/>
-          <a:lstStyle/>
-          <a:p>
-            <a:fld id="{E1E1CD7C-2161-7D43-862E-CE4C333CD873}" type="slidenum">
-              <a:rPr lang="fr-FR" smtClean="0"/>
-              <a:pPr/>
-              <a:t>20</a:t>
-            </a:fld>
-            <a:endParaRPr lang="fr-FR" dirty="0"/>
-          </a:p>
-        </p:txBody>
-      </p:sp>
-      <p:sp>
-        <p:nvSpPr>
-          <p:cNvPr id="7" name="Titre 6">
-            <a:extLst>
-              <a:ext uri="{FF2B5EF4-FFF2-40B4-BE49-F238E27FC236}">
-                <a16:creationId xmlns:a16="http://schemas.microsoft.com/office/drawing/2014/main" id="{B2CF7EEE-D0B7-6648-AE4B-B2B65E993964}"/>
-              </a:ext>
-            </a:extLst>
-          </p:cNvPr>
-          <p:cNvSpPr>
-            <a:spLocks noGrp="1"/>
-          </p:cNvSpPr>
-          <p:nvPr>
-            <p:ph type="title"/>
-          </p:nvPr>
-        </p:nvSpPr>
-        <p:spPr>
-          <a:xfrm>
-            <a:off x="904875" y="358815"/>
-            <a:ext cx="5070509" cy="636673"/>
-          </a:xfrm>
-        </p:spPr>
-        <p:txBody>
-          <a:bodyPr/>
-          <a:lstStyle/>
-          <a:p>
-            <a:r>
-              <a:rPr lang="fr-CH" dirty="0" err="1"/>
-              <a:t>References</a:t>
-            </a:r>
-            <a:endParaRPr lang="en-GB" dirty="0"/>
-          </a:p>
-        </p:txBody>
-      </p:sp>
-    </p:spTree>
-    <p:extLst>
-      <p:ext uri="{BB962C8B-B14F-4D97-AF65-F5344CB8AC3E}">
-        <p14:creationId xmlns:p14="http://schemas.microsoft.com/office/powerpoint/2010/main" val="3589086254"/>
       </p:ext>
     </p:extLst>
   </p:cSld>
@@ -9590,7 +9501,7 @@
           <a:p>
             <a:r>
               <a:rPr lang="fr-CH" dirty="0"/>
-              <a:t>ALEXIA PARATTE / SEMESTER PROJECT MIDTERM PRESENTATION</a:t>
+              <a:t>ALEXIA PARATTE / SEMESTER PROJECT FINAL PRESENTATION</a:t>
             </a:r>
             <a:endParaRPr lang="fr-FR" dirty="0"/>
           </a:p>
@@ -9856,7 +9767,7 @@
           <a:p>
             <a:r>
               <a:rPr lang="fr-CH" dirty="0"/>
-              <a:t>ALEXIA PARATTE / SEMESTER PROJECT MIDTERM PRESENTATION</a:t>
+              <a:t>ALEXIA PARATTE / SEMESTER PROJECT FINAL PRESENTATION</a:t>
             </a:r>
             <a:endParaRPr lang="fr-FR" dirty="0"/>
           </a:p>
@@ -10132,7 +10043,7 @@
           <a:p>
             <a:r>
               <a:rPr lang="fr-CH" dirty="0"/>
-              <a:t>ALEXIA PARATTE / SEMESTER PROJECT MIDTERM PRESENTATION</a:t>
+              <a:t>ALEXIA PARATTE / SEMESTER PROJECT FINAL PRESENTATION</a:t>
             </a:r>
             <a:endParaRPr lang="fr-FR" dirty="0"/>
           </a:p>
@@ -10269,7 +10180,7 @@
           <p:cNvPr id="2" name="Titre 1">
             <a:extLst>
               <a:ext uri="{FF2B5EF4-FFF2-40B4-BE49-F238E27FC236}">
-                <a16:creationId xmlns:a16="http://schemas.microsoft.com/office/drawing/2014/main" id="{F18C2303-32F1-B840-8826-D5D2A570F50B}"/>
+                <a16:creationId xmlns:a16="http://schemas.microsoft.com/office/drawing/2014/main" id="{2A4776B6-45F5-40A1-6CEA-9BC5A45CB47F}"/>
               </a:ext>
             </a:extLst>
           </p:cNvPr>
@@ -10286,9 +10197,29 @@
           <a:lstStyle/>
           <a:p>
             <a:r>
+              <a:rPr lang="fr-FR" dirty="0" err="1"/>
+              <a:t>Recap</a:t>
+            </a:r>
+            <a:r>
               <a:rPr lang="fr-FR" dirty="0"/>
-              <a:t>First Model</a:t>
-            </a:r>
+              <a:t> – </a:t>
+            </a:r>
+            <a:br>
+              <a:rPr lang="fr-FR" dirty="0"/>
+            </a:br>
+            <a:r>
+              <a:rPr lang="fr-FR" dirty="0" err="1"/>
+              <a:t>Midterm</a:t>
+            </a:r>
+            <a:r>
+              <a:rPr lang="fr-FR" dirty="0"/>
+              <a:t> </a:t>
+            </a:r>
+            <a:r>
+              <a:rPr lang="fr-FR" dirty="0" err="1"/>
+              <a:t>Presentation</a:t>
+            </a:r>
+            <a:endParaRPr lang="en-GB" dirty="0"/>
           </a:p>
         </p:txBody>
       </p:sp>
@@ -10297,7 +10228,7 @@
           <p:cNvPr id="3" name="Espace réservé du texte 2">
             <a:extLst>
               <a:ext uri="{FF2B5EF4-FFF2-40B4-BE49-F238E27FC236}">
-                <a16:creationId xmlns:a16="http://schemas.microsoft.com/office/drawing/2014/main" id="{935D3C24-6B99-BB48-AB10-AA3CB1F67CB4}"/>
+                <a16:creationId xmlns:a16="http://schemas.microsoft.com/office/drawing/2014/main" id="{26240A8C-BF8F-A82B-4D3D-1C69989BB8AC}"/>
               </a:ext>
             </a:extLst>
           </p:cNvPr>
@@ -10331,8 +10262,25 @@
             </a:r>
             <a:r>
               <a:rPr lang="fr-FR" i="1" dirty="0"/>
-              <a:t> Model</a:t>
-            </a:r>
+              <a:t> model</a:t>
+            </a:r>
+          </a:p>
+          <a:p>
+            <a:r>
+              <a:rPr lang="fr-FR" i="1" dirty="0"/>
+              <a:t>MMNL </a:t>
+            </a:r>
+            <a:r>
+              <a:rPr lang="fr-FR" i="1" dirty="0" err="1"/>
+              <a:t>Preference</a:t>
+            </a:r>
+            <a:r>
+              <a:rPr lang="fr-FR" i="1" dirty="0"/>
+              <a:t> model</a:t>
+            </a:r>
+          </a:p>
+          <a:p>
+            <a:endParaRPr lang="en-GB" dirty="0"/>
           </a:p>
         </p:txBody>
       </p:sp>
@@ -10341,7 +10289,7 @@
           <p:cNvPr id="5" name="Espace réservé de la date 4">
             <a:extLst>
               <a:ext uri="{FF2B5EF4-FFF2-40B4-BE49-F238E27FC236}">
-                <a16:creationId xmlns:a16="http://schemas.microsoft.com/office/drawing/2014/main" id="{78B9CEE1-BEF6-B540-A7CE-B486EF936241}"/>
+                <a16:creationId xmlns:a16="http://schemas.microsoft.com/office/drawing/2014/main" id="{748D534A-02F0-97B9-040F-BFAE0F41A644}"/>
               </a:ext>
             </a:extLst>
           </p:cNvPr>
@@ -10359,7 +10307,7 @@
           <a:p>
             <a:r>
               <a:rPr lang="fr-CH" dirty="0"/>
-              <a:t>ALEXIA PARATTE / SEMESTER PROJECT MIDTERM PRESENTATION</a:t>
+              <a:t>ALEXIA PARATTE / SEMESTER PROJECT FINAL PRESENTATION</a:t>
             </a:r>
             <a:endParaRPr lang="fr-FR" dirty="0"/>
           </a:p>
@@ -10367,10 +10315,39 @@
       </p:sp>
       <p:sp>
         <p:nvSpPr>
+          <p:cNvPr id="6" name="Espace réservé du pied de page 5">
+            <a:extLst>
+              <a:ext uri="{FF2B5EF4-FFF2-40B4-BE49-F238E27FC236}">
+                <a16:creationId xmlns:a16="http://schemas.microsoft.com/office/drawing/2014/main" id="{CA9ABDF0-5A49-A37F-5225-712281EAACAF}"/>
+              </a:ext>
+            </a:extLst>
+          </p:cNvPr>
+          <p:cNvSpPr>
+            <a:spLocks noGrp="1"/>
+          </p:cNvSpPr>
+          <p:nvPr>
+            <p:ph type="ftr" sz="quarter" idx="15"/>
+          </p:nvPr>
+        </p:nvSpPr>
+        <p:spPr/>
+        <p:txBody>
+          <a:bodyPr/>
+          <a:lstStyle/>
+          <a:p>
+            <a:r>
+              <a:rPr lang="fr-FR"/>
+              <a:t>Speaker </a:t>
+            </a:r>
+            <a:endParaRPr lang="fr-FR" dirty="0"/>
+          </a:p>
+        </p:txBody>
+      </p:sp>
+      <p:sp>
+        <p:nvSpPr>
           <p:cNvPr id="7" name="Espace réservé du numéro de diapositive 6">
             <a:extLst>
               <a:ext uri="{FF2B5EF4-FFF2-40B4-BE49-F238E27FC236}">
-                <a16:creationId xmlns:a16="http://schemas.microsoft.com/office/drawing/2014/main" id="{DF64CCD5-5BA5-E94A-A85A-BF62861AABF7}"/>
+                <a16:creationId xmlns:a16="http://schemas.microsoft.com/office/drawing/2014/main" id="{735A3276-75D5-167F-51B5-111DA2C0A9B2}"/>
               </a:ext>
             </a:extLst>
           </p:cNvPr>
@@ -10398,7 +10375,7 @@
     </p:spTree>
     <p:extLst>
       <p:ext uri="{BB962C8B-B14F-4D97-AF65-F5344CB8AC3E}">
-        <p14:creationId xmlns:p14="http://schemas.microsoft.com/office/powerpoint/2010/main" val="4061495412"/>
+        <p14:creationId xmlns:p14="http://schemas.microsoft.com/office/powerpoint/2010/main" val="2201868702"/>
       </p:ext>
     </p:extLst>
   </p:cSld>
@@ -10579,7 +10556,7 @@
           <a:p>
             <a:r>
               <a:rPr lang="fr-CH" dirty="0"/>
-              <a:t>ALEXIA PARATTE / SEMESTER PROJECT MIDTERM PRESENTATION</a:t>
+              <a:t>ALEXIA PARATTE / SEMESTER PROJECT FINAL PRESENTATION</a:t>
             </a:r>
             <a:endParaRPr lang="fr-FR" dirty="0"/>
           </a:p>
@@ -10713,18 +10690,18 @@
       </p:grpSpPr>
       <p:sp>
         <p:nvSpPr>
-          <p:cNvPr id="4" name="Espace réservé de la date 3">
-            <a:extLst>
-              <a:ext uri="{FF2B5EF4-FFF2-40B4-BE49-F238E27FC236}">
-                <a16:creationId xmlns:a16="http://schemas.microsoft.com/office/drawing/2014/main" id="{A468D869-FEAE-4E41-8088-2B1F1C600E34}"/>
-              </a:ext>
-            </a:extLst>
-          </p:cNvPr>
-          <p:cNvSpPr>
-            <a:spLocks noGrp="1"/>
-          </p:cNvSpPr>
-          <p:nvPr>
-            <p:ph type="dt" sz="half" idx="18"/>
+          <p:cNvPr id="2" name="Titre 1">
+            <a:extLst>
+              <a:ext uri="{FF2B5EF4-FFF2-40B4-BE49-F238E27FC236}">
+                <a16:creationId xmlns:a16="http://schemas.microsoft.com/office/drawing/2014/main" id="{F18C2303-32F1-B840-8826-D5D2A570F50B}"/>
+              </a:ext>
+            </a:extLst>
+          </p:cNvPr>
+          <p:cNvSpPr>
+            <a:spLocks noGrp="1"/>
+          </p:cNvSpPr>
+          <p:nvPr>
+            <p:ph type="title"/>
           </p:nvPr>
         </p:nvSpPr>
         <p:spPr/>
@@ -10733,8 +10710,79 @@
           <a:lstStyle/>
           <a:p>
             <a:r>
+              <a:rPr lang="fr-FR" dirty="0" err="1"/>
+              <a:t>Swissmetro</a:t>
+            </a:r>
+            <a:endParaRPr lang="fr-FR" dirty="0"/>
+          </a:p>
+        </p:txBody>
+      </p:sp>
+      <p:sp>
+        <p:nvSpPr>
+          <p:cNvPr id="3" name="Espace réservé du texte 2">
+            <a:extLst>
+              <a:ext uri="{FF2B5EF4-FFF2-40B4-BE49-F238E27FC236}">
+                <a16:creationId xmlns:a16="http://schemas.microsoft.com/office/drawing/2014/main" id="{935D3C24-6B99-BB48-AB10-AA3CB1F67CB4}"/>
+              </a:ext>
+            </a:extLst>
+          </p:cNvPr>
+          <p:cNvSpPr>
+            <a:spLocks noGrp="1"/>
+          </p:cNvSpPr>
+          <p:nvPr>
+            <p:ph type="body" idx="1"/>
+          </p:nvPr>
+        </p:nvSpPr>
+        <p:spPr/>
+        <p:txBody>
+          <a:bodyPr/>
+          <a:lstStyle/>
+          <a:p>
+            <a:r>
+              <a:rPr lang="fr-FR" i="1" dirty="0"/>
+              <a:t>MMNL Model</a:t>
+            </a:r>
+          </a:p>
+          <a:p>
+            <a:r>
+              <a:rPr lang="fr-FR" i="1" dirty="0"/>
+              <a:t>1 </a:t>
+            </a:r>
+            <a:r>
+              <a:rPr lang="fr-FR" i="1" dirty="0" err="1"/>
+              <a:t>random</a:t>
+            </a:r>
+            <a:r>
+              <a:rPr lang="fr-FR" i="1" dirty="0"/>
+              <a:t> coefficient</a:t>
+            </a:r>
+          </a:p>
+        </p:txBody>
+      </p:sp>
+      <p:sp>
+        <p:nvSpPr>
+          <p:cNvPr id="5" name="Espace réservé de la date 4">
+            <a:extLst>
+              <a:ext uri="{FF2B5EF4-FFF2-40B4-BE49-F238E27FC236}">
+                <a16:creationId xmlns:a16="http://schemas.microsoft.com/office/drawing/2014/main" id="{78B9CEE1-BEF6-B540-A7CE-B486EF936241}"/>
+              </a:ext>
+            </a:extLst>
+          </p:cNvPr>
+          <p:cNvSpPr>
+            <a:spLocks noGrp="1"/>
+          </p:cNvSpPr>
+          <p:nvPr>
+            <p:ph type="dt" sz="half" idx="14"/>
+          </p:nvPr>
+        </p:nvSpPr>
+        <p:spPr/>
+        <p:txBody>
+          <a:bodyPr/>
+          <a:lstStyle/>
+          <a:p>
+            <a:r>
               <a:rPr lang="fr-CH" dirty="0"/>
-              <a:t>ALEXIA PARATTE / SEMESTER PROJECT MIDTERM PRESENTATION</a:t>
+              <a:t>ALEXIA PARATTE / SEMESTER PROJECT FINAL PRESENTATION</a:t>
             </a:r>
             <a:endParaRPr lang="fr-FR" dirty="0"/>
           </a:p>
@@ -10742,51 +10790,18 @@
       </p:sp>
       <p:sp>
         <p:nvSpPr>
-          <p:cNvPr id="5" name="Espace réservé du pied de page 4">
-            <a:extLst>
-              <a:ext uri="{FF2B5EF4-FFF2-40B4-BE49-F238E27FC236}">
-                <a16:creationId xmlns:a16="http://schemas.microsoft.com/office/drawing/2014/main" id="{E2DA19A9-7B92-DE45-BDD7-1BC0F4B0E8A0}"/>
-              </a:ext>
-            </a:extLst>
-          </p:cNvPr>
-          <p:cNvSpPr>
-            <a:spLocks noGrp="1"/>
-          </p:cNvSpPr>
-          <p:nvPr>
-            <p:ph type="ftr" sz="quarter" idx="19"/>
-          </p:nvPr>
-        </p:nvSpPr>
-        <p:spPr>
-          <a:xfrm rot="16200000">
-            <a:off x="7820359" y="1169694"/>
-            <a:ext cx="2134520" cy="512762"/>
-          </a:xfrm>
-        </p:spPr>
-        <p:txBody>
-          <a:bodyPr/>
-          <a:lstStyle/>
-          <a:p>
-            <a:r>
-              <a:rPr lang="fr-FR" sz="1050" dirty="0"/>
-              <a:t>First Model</a:t>
-            </a:r>
-          </a:p>
-        </p:txBody>
-      </p:sp>
-      <p:sp>
-        <p:nvSpPr>
-          <p:cNvPr id="6" name="Espace réservé du numéro de diapositive 5">
-            <a:extLst>
-              <a:ext uri="{FF2B5EF4-FFF2-40B4-BE49-F238E27FC236}">
-                <a16:creationId xmlns:a16="http://schemas.microsoft.com/office/drawing/2014/main" id="{881B401C-18BC-4649-B2B0-EB3EECC87645}"/>
-              </a:ext>
-            </a:extLst>
-          </p:cNvPr>
-          <p:cNvSpPr>
-            <a:spLocks noGrp="1"/>
-          </p:cNvSpPr>
-          <p:nvPr>
-            <p:ph type="sldNum" sz="quarter" idx="20"/>
+          <p:cNvPr id="7" name="Espace réservé du numéro de diapositive 6">
+            <a:extLst>
+              <a:ext uri="{FF2B5EF4-FFF2-40B4-BE49-F238E27FC236}">
+                <a16:creationId xmlns:a16="http://schemas.microsoft.com/office/drawing/2014/main" id="{DF64CCD5-5BA5-E94A-A85A-BF62861AABF7}"/>
+              </a:ext>
+            </a:extLst>
+          </p:cNvPr>
+          <p:cNvSpPr>
+            <a:spLocks noGrp="1"/>
+          </p:cNvSpPr>
+          <p:nvPr>
+            <p:ph type="sldNum" sz="quarter" idx="16"/>
           </p:nvPr>
         </p:nvSpPr>
         <p:spPr/>
@@ -10803,694 +10818,10 @@
           </a:p>
         </p:txBody>
       </p:sp>
-      <p:sp>
-        <p:nvSpPr>
-          <p:cNvPr id="7" name="Titre 6">
-            <a:extLst>
-              <a:ext uri="{FF2B5EF4-FFF2-40B4-BE49-F238E27FC236}">
-                <a16:creationId xmlns:a16="http://schemas.microsoft.com/office/drawing/2014/main" id="{B2CF7EEE-D0B7-6648-AE4B-B2B65E993964}"/>
-              </a:ext>
-            </a:extLst>
-          </p:cNvPr>
-          <p:cNvSpPr>
-            <a:spLocks noGrp="1"/>
-          </p:cNvSpPr>
-          <p:nvPr>
-            <p:ph type="title"/>
-          </p:nvPr>
-        </p:nvSpPr>
-        <p:spPr>
-          <a:xfrm>
-            <a:off x="904875" y="358815"/>
-            <a:ext cx="4698483" cy="568249"/>
-          </a:xfrm>
-        </p:spPr>
-        <p:txBody>
-          <a:bodyPr/>
-          <a:lstStyle/>
-          <a:p>
-            <a:r>
-              <a:rPr lang="fr-FR" dirty="0"/>
-              <a:t>Estimation </a:t>
-            </a:r>
-            <a:r>
-              <a:rPr lang="fr-FR" dirty="0" err="1"/>
-              <a:t>Results</a:t>
-            </a:r>
-            <a:endParaRPr lang="fr-FR" dirty="0"/>
-          </a:p>
-        </p:txBody>
-      </p:sp>
-      <p:graphicFrame>
-        <p:nvGraphicFramePr>
-          <p:cNvPr id="2" name="Tableau 1">
-            <a:extLst>
-              <a:ext uri="{FF2B5EF4-FFF2-40B4-BE49-F238E27FC236}">
-                <a16:creationId xmlns:a16="http://schemas.microsoft.com/office/drawing/2014/main" id="{DDC193A3-489A-38B3-2AA3-82B8F49313F0}"/>
-              </a:ext>
-            </a:extLst>
-          </p:cNvPr>
-          <p:cNvGraphicFramePr>
-            <a:graphicFrameLocks noGrp="1"/>
-          </p:cNvGraphicFramePr>
-          <p:nvPr>
-            <p:extLst>
-              <p:ext uri="{D42A27DB-BD31-4B8C-83A1-F6EECF244321}">
-                <p14:modId xmlns:p14="http://schemas.microsoft.com/office/powerpoint/2010/main" val="2858518093"/>
-              </p:ext>
-            </p:extLst>
-          </p:nvPr>
-        </p:nvGraphicFramePr>
-        <p:xfrm>
-          <a:off x="1187537" y="1012395"/>
-          <a:ext cx="6768926" cy="3118710"/>
-        </p:xfrm>
-        <a:graphic>
-          <a:graphicData uri="http://schemas.openxmlformats.org/drawingml/2006/table">
-            <a:tbl>
-              <a:tblPr firstRow="1" bandRow="1">
-                <a:tableStyleId>{21E4AEA4-8DFA-4A89-87EB-49C32662AFE0}</a:tableStyleId>
-              </a:tblPr>
-              <a:tblGrid>
-                <a:gridCol w="2470078">
-                  <a:extLst>
-                    <a:ext uri="{9D8B030D-6E8A-4147-A177-3AD203B41FA5}">
-                      <a16:colId xmlns:a16="http://schemas.microsoft.com/office/drawing/2014/main" val="1806313233"/>
-                    </a:ext>
-                  </a:extLst>
-                </a:gridCol>
-                <a:gridCol w="2043633">
-                  <a:extLst>
-                    <a:ext uri="{9D8B030D-6E8A-4147-A177-3AD203B41FA5}">
-                      <a16:colId xmlns:a16="http://schemas.microsoft.com/office/drawing/2014/main" val="1721530599"/>
-                    </a:ext>
-                  </a:extLst>
-                </a:gridCol>
-                <a:gridCol w="2255215">
-                  <a:extLst>
-                    <a:ext uri="{9D8B030D-6E8A-4147-A177-3AD203B41FA5}">
-                      <a16:colId xmlns:a16="http://schemas.microsoft.com/office/drawing/2014/main" val="441806123"/>
-                    </a:ext>
-                  </a:extLst>
-                </a:gridCol>
-              </a:tblGrid>
-              <a:tr h="311871">
-                <a:tc>
-                  <a:txBody>
-                    <a:bodyPr/>
-                    <a:lstStyle/>
-                    <a:p>
-                      <a:pPr algn="ctr"/>
-                      <a:r>
-                        <a:rPr lang="en-GB" dirty="0"/>
-                        <a:t>PARAMETERS</a:t>
-                      </a:r>
-                    </a:p>
-                  </a:txBody>
-                  <a:tcPr/>
-                </a:tc>
-                <a:tc>
-                  <a:txBody>
-                    <a:bodyPr/>
-                    <a:lstStyle/>
-                    <a:p>
-                      <a:pPr algn="ctr"/>
-                      <a:r>
-                        <a:rPr lang="en-GB" dirty="0"/>
-                        <a:t>VALUE IN APOLLO</a:t>
-                      </a:r>
-                    </a:p>
-                  </a:txBody>
-                  <a:tcPr/>
-                </a:tc>
-                <a:tc>
-                  <a:txBody>
-                    <a:bodyPr/>
-                    <a:lstStyle/>
-                    <a:p>
-                      <a:pPr algn="ctr"/>
-                      <a:r>
-                        <a:rPr lang="en-GB" dirty="0"/>
-                        <a:t>VALUE IN BIOGEME</a:t>
-                      </a:r>
-                    </a:p>
-                  </a:txBody>
-                  <a:tcPr/>
-                </a:tc>
-                <a:extLst>
-                  <a:ext uri="{0D108BD9-81ED-4DB2-BD59-A6C34878D82A}">
-                    <a16:rowId xmlns:a16="http://schemas.microsoft.com/office/drawing/2014/main" val="3574925640"/>
-                  </a:ext>
-                </a:extLst>
-              </a:tr>
-              <a:tr h="311871">
-                <a:tc>
-                  <a:txBody>
-                    <a:bodyPr/>
-                    <a:lstStyle/>
-                    <a:p>
-                      <a:r>
-                        <a:rPr lang="en-GB" dirty="0">
-                          <a:latin typeface="Cascadia Code Light" panose="020B0609020000020004" pitchFamily="49" charset="0"/>
-                          <a:ea typeface="Cascadia Code Light" panose="020B0609020000020004" pitchFamily="49" charset="0"/>
-                          <a:cs typeface="Cascadia Code Light" panose="020B0609020000020004" pitchFamily="49" charset="0"/>
-                        </a:rPr>
-                        <a:t>ASC_BUS</a:t>
-                      </a:r>
-                    </a:p>
-                  </a:txBody>
-                  <a:tcPr/>
-                </a:tc>
-                <a:tc>
-                  <a:txBody>
-                    <a:bodyPr/>
-                    <a:lstStyle/>
-                    <a:p>
-                      <a:pPr algn="r"/>
-                      <a:r>
-                        <a:rPr lang="en-GB" sz="1400" b="1" dirty="0">
-                          <a:latin typeface="Abadi Extra Light" panose="020B0204020104020204" pitchFamily="34" charset="0"/>
-                          <a:ea typeface="Cascadia Code Light" panose="020B0609020000020004" pitchFamily="49" charset="0"/>
-                          <a:cs typeface="Cascadia Code Light" panose="020B0609020000020004" pitchFamily="49" charset="0"/>
-                        </a:rPr>
-                        <a:t>0.475</a:t>
-                      </a:r>
-                    </a:p>
-                  </a:txBody>
-                  <a:tcPr/>
-                </a:tc>
-                <a:tc>
-                  <a:txBody>
-                    <a:bodyPr/>
-                    <a:lstStyle/>
-                    <a:p>
-                      <a:pPr algn="r"/>
-                      <a:r>
-                        <a:rPr lang="en-GB" sz="1400" b="1" dirty="0">
-                          <a:latin typeface="Abadi Extra Light" panose="020B0204020104020204" pitchFamily="34" charset="0"/>
-                          <a:ea typeface="Cascadia Code Light" panose="020B0609020000020004" pitchFamily="49" charset="0"/>
-                          <a:cs typeface="Cascadia Code Light" panose="020B0609020000020004" pitchFamily="49" charset="0"/>
-                        </a:rPr>
-                        <a:t>0.471</a:t>
-                      </a:r>
-                    </a:p>
-                  </a:txBody>
-                  <a:tcPr/>
-                </a:tc>
-                <a:extLst>
-                  <a:ext uri="{0D108BD9-81ED-4DB2-BD59-A6C34878D82A}">
-                    <a16:rowId xmlns:a16="http://schemas.microsoft.com/office/drawing/2014/main" val="3843540648"/>
-                  </a:ext>
-                </a:extLst>
-              </a:tr>
-              <a:tr h="311871">
-                <a:tc>
-                  <a:txBody>
-                    <a:bodyPr/>
-                    <a:lstStyle/>
-                    <a:p>
-                      <a:r>
-                        <a:rPr lang="en-GB" dirty="0">
-                          <a:latin typeface="Cascadia Code Light" panose="020B0609020000020004" pitchFamily="49" charset="0"/>
-                          <a:ea typeface="Cascadia Code Light" panose="020B0609020000020004" pitchFamily="49" charset="0"/>
-                          <a:cs typeface="Cascadia Code Light" panose="020B0609020000020004" pitchFamily="49" charset="0"/>
-                        </a:rPr>
-                        <a:t>ASC_AIR</a:t>
-                      </a:r>
-                    </a:p>
-                  </a:txBody>
-                  <a:tcPr/>
-                </a:tc>
-                <a:tc>
-                  <a:txBody>
-                    <a:bodyPr/>
-                    <a:lstStyle/>
-                    <a:p>
-                      <a:pPr algn="r"/>
-                      <a:r>
-                        <a:rPr lang="en-GB" sz="1400" b="1" dirty="0">
-                          <a:latin typeface="Abadi Extra Light" panose="020B0204020104020204" pitchFamily="34" charset="0"/>
-                          <a:ea typeface="Cascadia Code Light" panose="020B0609020000020004" pitchFamily="49" charset="0"/>
-                          <a:cs typeface="Cascadia Code Light" panose="020B0609020000020004" pitchFamily="49" charset="0"/>
-                        </a:rPr>
-                        <a:t>1.629</a:t>
-                      </a:r>
-                    </a:p>
-                  </a:txBody>
-                  <a:tcPr/>
-                </a:tc>
-                <a:tc>
-                  <a:txBody>
-                    <a:bodyPr/>
-                    <a:lstStyle/>
-                    <a:p>
-                      <a:pPr algn="r"/>
-                      <a:r>
-                        <a:rPr lang="en-GB" sz="1400" b="1" dirty="0">
-                          <a:latin typeface="Abadi Extra Light" panose="020B0204020104020204" pitchFamily="34" charset="0"/>
-                          <a:ea typeface="Cascadia Code Light" panose="020B0609020000020004" pitchFamily="49" charset="0"/>
-                          <a:cs typeface="Cascadia Code Light" panose="020B0609020000020004" pitchFamily="49" charset="0"/>
-                        </a:rPr>
-                        <a:t>1.630</a:t>
-                      </a:r>
-                    </a:p>
-                  </a:txBody>
-                  <a:tcPr/>
-                </a:tc>
-                <a:extLst>
-                  <a:ext uri="{0D108BD9-81ED-4DB2-BD59-A6C34878D82A}">
-                    <a16:rowId xmlns:a16="http://schemas.microsoft.com/office/drawing/2014/main" val="4157712979"/>
-                  </a:ext>
-                </a:extLst>
-              </a:tr>
-              <a:tr h="311871">
-                <a:tc>
-                  <a:txBody>
-                    <a:bodyPr/>
-                    <a:lstStyle/>
-                    <a:p>
-                      <a:r>
-                        <a:rPr lang="en-GB" dirty="0">
-                          <a:latin typeface="Cascadia Code Light" panose="020B0609020000020004" pitchFamily="49" charset="0"/>
-                          <a:ea typeface="Cascadia Code Light" panose="020B0609020000020004" pitchFamily="49" charset="0"/>
-                          <a:cs typeface="Cascadia Code Light" panose="020B0609020000020004" pitchFamily="49" charset="0"/>
-                        </a:rPr>
-                        <a:t>ASC_RAIL</a:t>
-                      </a:r>
-                    </a:p>
-                  </a:txBody>
-                  <a:tcPr/>
-                </a:tc>
-                <a:tc>
-                  <a:txBody>
-                    <a:bodyPr/>
-                    <a:lstStyle/>
-                    <a:p>
-                      <a:pPr algn="r"/>
-                      <a:r>
-                        <a:rPr lang="en-GB" sz="1400" b="1" dirty="0">
-                          <a:latin typeface="Abadi Extra Light" panose="020B0204020104020204" pitchFamily="34" charset="0"/>
-                          <a:ea typeface="Cascadia Code Light" panose="020B0609020000020004" pitchFamily="49" charset="0"/>
-                          <a:cs typeface="Cascadia Code Light" panose="020B0609020000020004" pitchFamily="49" charset="0"/>
-                        </a:rPr>
-                        <a:t>0.945</a:t>
-                      </a:r>
-                    </a:p>
-                  </a:txBody>
-                  <a:tcPr/>
-                </a:tc>
-                <a:tc>
-                  <a:txBody>
-                    <a:bodyPr/>
-                    <a:lstStyle/>
-                    <a:p>
-                      <a:pPr algn="r"/>
-                      <a:r>
-                        <a:rPr lang="en-GB" sz="1400" b="1" dirty="0">
-                          <a:latin typeface="Abadi Extra Light" panose="020B0204020104020204" pitchFamily="34" charset="0"/>
-                          <a:ea typeface="Cascadia Code Light" panose="020B0609020000020004" pitchFamily="49" charset="0"/>
-                          <a:cs typeface="Cascadia Code Light" panose="020B0609020000020004" pitchFamily="49" charset="0"/>
-                        </a:rPr>
-                        <a:t>0.941</a:t>
-                      </a:r>
-                    </a:p>
-                  </a:txBody>
-                  <a:tcPr/>
-                </a:tc>
-                <a:extLst>
-                  <a:ext uri="{0D108BD9-81ED-4DB2-BD59-A6C34878D82A}">
-                    <a16:rowId xmlns:a16="http://schemas.microsoft.com/office/drawing/2014/main" val="4176831915"/>
-                  </a:ext>
-                </a:extLst>
-              </a:tr>
-              <a:tr h="311871">
-                <a:tc>
-                  <a:txBody>
-                    <a:bodyPr/>
-                    <a:lstStyle/>
-                    <a:p>
-                      <a:r>
-                        <a:rPr lang="en-GB" dirty="0">
-                          <a:latin typeface="Cascadia Code Light" panose="020B0609020000020004" pitchFamily="49" charset="0"/>
-                          <a:ea typeface="Cascadia Code Light" panose="020B0609020000020004" pitchFamily="49" charset="0"/>
-                          <a:cs typeface="Cascadia Code Light" panose="020B0609020000020004" pitchFamily="49" charset="0"/>
-                        </a:rPr>
-                        <a:t>BETA_TT_CAR</a:t>
-                      </a:r>
-                    </a:p>
-                  </a:txBody>
-                  <a:tcPr/>
-                </a:tc>
-                <a:tc>
-                  <a:txBody>
-                    <a:bodyPr/>
-                    <a:lstStyle/>
-                    <a:p>
-                      <a:pPr algn="r"/>
-                      <a:r>
-                        <a:rPr lang="en-GB" sz="1400" b="1" dirty="0">
-                          <a:latin typeface="Abadi Extra Light" panose="020B0204020104020204" pitchFamily="34" charset="0"/>
-                          <a:ea typeface="Cascadia Code Light" panose="020B0609020000020004" pitchFamily="49" charset="0"/>
-                          <a:cs typeface="Cascadia Code Light" panose="020B0609020000020004" pitchFamily="49" charset="0"/>
-                        </a:rPr>
-                        <a:t>- 0.004</a:t>
-                      </a:r>
-                    </a:p>
-                  </a:txBody>
-                  <a:tcPr/>
-                </a:tc>
-                <a:tc>
-                  <a:txBody>
-                    <a:bodyPr/>
-                    <a:lstStyle/>
-                    <a:p>
-                      <a:pPr algn="r"/>
-                      <a:r>
-                        <a:rPr lang="en-GB" sz="1400" b="1" dirty="0">
-                          <a:latin typeface="Abadi Extra Light" panose="020B0204020104020204" pitchFamily="34" charset="0"/>
-                          <a:ea typeface="Cascadia Code Light" panose="020B0609020000020004" pitchFamily="49" charset="0"/>
-                          <a:cs typeface="Cascadia Code Light" panose="020B0609020000020004" pitchFamily="49" charset="0"/>
-                        </a:rPr>
-                        <a:t>- 0.004</a:t>
-                      </a:r>
-                    </a:p>
-                  </a:txBody>
-                  <a:tcPr/>
-                </a:tc>
-                <a:extLst>
-                  <a:ext uri="{0D108BD9-81ED-4DB2-BD59-A6C34878D82A}">
-                    <a16:rowId xmlns:a16="http://schemas.microsoft.com/office/drawing/2014/main" val="3112634718"/>
-                  </a:ext>
-                </a:extLst>
-              </a:tr>
-              <a:tr h="311871">
-                <a:tc>
-                  <a:txBody>
-                    <a:bodyPr/>
-                    <a:lstStyle/>
-                    <a:p>
-                      <a:r>
-                        <a:rPr lang="en-GB" dirty="0">
-                          <a:latin typeface="Cascadia Code Light" panose="020B0609020000020004" pitchFamily="49" charset="0"/>
-                          <a:ea typeface="Cascadia Code Light" panose="020B0609020000020004" pitchFamily="49" charset="0"/>
-                          <a:cs typeface="Cascadia Code Light" panose="020B0609020000020004" pitchFamily="49" charset="0"/>
-                        </a:rPr>
-                        <a:t>BETA_TT_BUS</a:t>
-                      </a:r>
-                    </a:p>
-                  </a:txBody>
-                  <a:tcPr/>
-                </a:tc>
-                <a:tc>
-                  <a:txBody>
-                    <a:bodyPr/>
-                    <a:lstStyle/>
-                    <a:p>
-                      <a:pPr algn="r"/>
-                      <a:r>
-                        <a:rPr lang="en-GB" sz="1400" b="1" dirty="0">
-                          <a:latin typeface="Abadi Extra Light" panose="020B0204020104020204" pitchFamily="34" charset="0"/>
-                          <a:ea typeface="Cascadia Code Light" panose="020B0609020000020004" pitchFamily="49" charset="0"/>
-                          <a:cs typeface="Cascadia Code Light" panose="020B0609020000020004" pitchFamily="49" charset="0"/>
-                        </a:rPr>
-                        <a:t>- 0.009</a:t>
-                      </a:r>
-                    </a:p>
-                  </a:txBody>
-                  <a:tcPr/>
-                </a:tc>
-                <a:tc>
-                  <a:txBody>
-                    <a:bodyPr/>
-                    <a:lstStyle/>
-                    <a:p>
-                      <a:pPr algn="r"/>
-                      <a:r>
-                        <a:rPr lang="en-GB" sz="1400" b="1" dirty="0">
-                          <a:latin typeface="Abadi Extra Light" panose="020B0204020104020204" pitchFamily="34" charset="0"/>
-                          <a:ea typeface="Cascadia Code Light" panose="020B0609020000020004" pitchFamily="49" charset="0"/>
-                          <a:cs typeface="Cascadia Code Light" panose="020B0609020000020004" pitchFamily="49" charset="0"/>
-                        </a:rPr>
-                        <a:t>- 0.009</a:t>
-                      </a:r>
-                    </a:p>
-                  </a:txBody>
-                  <a:tcPr/>
-                </a:tc>
-                <a:extLst>
-                  <a:ext uri="{0D108BD9-81ED-4DB2-BD59-A6C34878D82A}">
-                    <a16:rowId xmlns:a16="http://schemas.microsoft.com/office/drawing/2014/main" val="3924252162"/>
-                  </a:ext>
-                </a:extLst>
-              </a:tr>
-              <a:tr h="311871">
-                <a:tc>
-                  <a:txBody>
-                    <a:bodyPr/>
-                    <a:lstStyle/>
-                    <a:p>
-                      <a:r>
-                        <a:rPr lang="en-GB" dirty="0">
-                          <a:latin typeface="Cascadia Code Light" panose="020B0609020000020004" pitchFamily="49" charset="0"/>
-                          <a:ea typeface="Cascadia Code Light" panose="020B0609020000020004" pitchFamily="49" charset="0"/>
-                          <a:cs typeface="Cascadia Code Light" panose="020B0609020000020004" pitchFamily="49" charset="0"/>
-                        </a:rPr>
-                        <a:t>BETA_TT_AIR</a:t>
-                      </a:r>
-                    </a:p>
-                  </a:txBody>
-                  <a:tcPr/>
-                </a:tc>
-                <a:tc>
-                  <a:txBody>
-                    <a:bodyPr/>
-                    <a:lstStyle/>
-                    <a:p>
-                      <a:pPr algn="r"/>
-                      <a:r>
-                        <a:rPr lang="en-GB" sz="1400" b="1" dirty="0">
-                          <a:latin typeface="Abadi Extra Light" panose="020B0204020104020204" pitchFamily="34" charset="0"/>
-                          <a:ea typeface="Cascadia Code Light" panose="020B0609020000020004" pitchFamily="49" charset="0"/>
-                          <a:cs typeface="Cascadia Code Light" panose="020B0609020000020004" pitchFamily="49" charset="0"/>
-                        </a:rPr>
-                        <a:t>- 0.021</a:t>
-                      </a:r>
-                    </a:p>
-                  </a:txBody>
-                  <a:tcPr/>
-                </a:tc>
-                <a:tc>
-                  <a:txBody>
-                    <a:bodyPr/>
-                    <a:lstStyle/>
-                    <a:p>
-                      <a:pPr algn="r"/>
-                      <a:r>
-                        <a:rPr lang="en-GB" sz="1400" b="1" dirty="0">
-                          <a:latin typeface="Abadi Extra Light" panose="020B0204020104020204" pitchFamily="34" charset="0"/>
-                          <a:ea typeface="Cascadia Code Light" panose="020B0609020000020004" pitchFamily="49" charset="0"/>
-                          <a:cs typeface="Cascadia Code Light" panose="020B0609020000020004" pitchFamily="49" charset="0"/>
-                        </a:rPr>
-                        <a:t>- 0.021</a:t>
-                      </a:r>
-                    </a:p>
-                  </a:txBody>
-                  <a:tcPr/>
-                </a:tc>
-                <a:extLst>
-                  <a:ext uri="{0D108BD9-81ED-4DB2-BD59-A6C34878D82A}">
-                    <a16:rowId xmlns:a16="http://schemas.microsoft.com/office/drawing/2014/main" val="83022797"/>
-                  </a:ext>
-                </a:extLst>
-              </a:tr>
-              <a:tr h="311871">
-                <a:tc>
-                  <a:txBody>
-                    <a:bodyPr/>
-                    <a:lstStyle/>
-                    <a:p>
-                      <a:r>
-                        <a:rPr lang="en-GB" dirty="0">
-                          <a:latin typeface="Cascadia Code Light" panose="020B0609020000020004" pitchFamily="49" charset="0"/>
-                          <a:ea typeface="Cascadia Code Light" panose="020B0609020000020004" pitchFamily="49" charset="0"/>
-                          <a:cs typeface="Cascadia Code Light" panose="020B0609020000020004" pitchFamily="49" charset="0"/>
-                        </a:rPr>
-                        <a:t>BETA_TT_RAIL</a:t>
-                      </a:r>
-                    </a:p>
-                  </a:txBody>
-                  <a:tcPr/>
-                </a:tc>
-                <a:tc>
-                  <a:txBody>
-                    <a:bodyPr/>
-                    <a:lstStyle/>
-                    <a:p>
-                      <a:pPr algn="r"/>
-                      <a:r>
-                        <a:rPr lang="en-GB" sz="1400" b="1" dirty="0">
-                          <a:latin typeface="Abadi Extra Light" panose="020B0204020104020204" pitchFamily="34" charset="0"/>
-                          <a:ea typeface="Cascadia Code Light" panose="020B0609020000020004" pitchFamily="49" charset="0"/>
-                          <a:cs typeface="Cascadia Code Light" panose="020B0609020000020004" pitchFamily="49" charset="0"/>
-                        </a:rPr>
-                        <a:t>- 0.011</a:t>
-                      </a:r>
-                    </a:p>
-                  </a:txBody>
-                  <a:tcPr/>
-                </a:tc>
-                <a:tc>
-                  <a:txBody>
-                    <a:bodyPr/>
-                    <a:lstStyle/>
-                    <a:p>
-                      <a:pPr algn="r"/>
-                      <a:r>
-                        <a:rPr lang="en-GB" sz="1400" b="1" dirty="0">
-                          <a:latin typeface="Abadi Extra Light" panose="020B0204020104020204" pitchFamily="34" charset="0"/>
-                          <a:ea typeface="Cascadia Code Light" panose="020B0609020000020004" pitchFamily="49" charset="0"/>
-                          <a:cs typeface="Cascadia Code Light" panose="020B0609020000020004" pitchFamily="49" charset="0"/>
-                        </a:rPr>
-                        <a:t>- 0.011</a:t>
-                      </a:r>
-                    </a:p>
-                  </a:txBody>
-                  <a:tcPr/>
-                </a:tc>
-                <a:extLst>
-                  <a:ext uri="{0D108BD9-81ED-4DB2-BD59-A6C34878D82A}">
-                    <a16:rowId xmlns:a16="http://schemas.microsoft.com/office/drawing/2014/main" val="3167267015"/>
-                  </a:ext>
-                </a:extLst>
-              </a:tr>
-              <a:tr h="311871">
-                <a:tc>
-                  <a:txBody>
-                    <a:bodyPr/>
-                    <a:lstStyle/>
-                    <a:p>
-                      <a:r>
-                        <a:rPr lang="en-GB" dirty="0">
-                          <a:latin typeface="Cascadia Code Light" panose="020B0609020000020004" pitchFamily="49" charset="0"/>
-                          <a:ea typeface="Cascadia Code Light" panose="020B0609020000020004" pitchFamily="49" charset="0"/>
-                          <a:cs typeface="Cascadia Code Light" panose="020B0609020000020004" pitchFamily="49" charset="0"/>
-                        </a:rPr>
-                        <a:t>B_ACCESS</a:t>
-                      </a:r>
-                    </a:p>
-                  </a:txBody>
-                  <a:tcPr/>
-                </a:tc>
-                <a:tc>
-                  <a:txBody>
-                    <a:bodyPr/>
-                    <a:lstStyle/>
-                    <a:p>
-                      <a:pPr algn="r"/>
-                      <a:r>
-                        <a:rPr lang="en-GB" sz="1400" b="1" dirty="0">
-                          <a:latin typeface="Abadi Extra Light" panose="020B0204020104020204" pitchFamily="34" charset="0"/>
-                          <a:ea typeface="Cascadia Code Light" panose="020B0609020000020004" pitchFamily="49" charset="0"/>
-                          <a:cs typeface="Cascadia Code Light" panose="020B0609020000020004" pitchFamily="49" charset="0"/>
-                        </a:rPr>
-                        <a:t>- 0.011</a:t>
-                      </a:r>
-                    </a:p>
-                  </a:txBody>
-                  <a:tcPr/>
-                </a:tc>
-                <a:tc>
-                  <a:txBody>
-                    <a:bodyPr/>
-                    <a:lstStyle/>
-                    <a:p>
-                      <a:pPr algn="r"/>
-                      <a:r>
-                        <a:rPr lang="en-GB" sz="1400" b="1" dirty="0">
-                          <a:latin typeface="Abadi Extra Light" panose="020B0204020104020204" pitchFamily="34" charset="0"/>
-                          <a:ea typeface="Cascadia Code Light" panose="020B0609020000020004" pitchFamily="49" charset="0"/>
-                          <a:cs typeface="Cascadia Code Light" panose="020B0609020000020004" pitchFamily="49" charset="0"/>
-                        </a:rPr>
-                        <a:t>- 0.012</a:t>
-                      </a:r>
-                    </a:p>
-                  </a:txBody>
-                  <a:tcPr/>
-                </a:tc>
-                <a:extLst>
-                  <a:ext uri="{0D108BD9-81ED-4DB2-BD59-A6C34878D82A}">
-                    <a16:rowId xmlns:a16="http://schemas.microsoft.com/office/drawing/2014/main" val="969453842"/>
-                  </a:ext>
-                </a:extLst>
-              </a:tr>
-              <a:tr h="311871">
-                <a:tc>
-                  <a:txBody>
-                    <a:bodyPr/>
-                    <a:lstStyle/>
-                    <a:p>
-                      <a:r>
-                        <a:rPr lang="en-GB" dirty="0">
-                          <a:latin typeface="Cascadia Code Light" panose="020B0609020000020004" pitchFamily="49" charset="0"/>
-                          <a:ea typeface="Cascadia Code Light" panose="020B0609020000020004" pitchFamily="49" charset="0"/>
-                          <a:cs typeface="Cascadia Code Light" panose="020B0609020000020004" pitchFamily="49" charset="0"/>
-                        </a:rPr>
-                        <a:t>B_COST</a:t>
-                      </a:r>
-                    </a:p>
-                  </a:txBody>
-                  <a:tcPr/>
-                </a:tc>
-                <a:tc>
-                  <a:txBody>
-                    <a:bodyPr/>
-                    <a:lstStyle/>
-                    <a:p>
-                      <a:pPr algn="r"/>
-                      <a:r>
-                        <a:rPr lang="en-GB" sz="1400" b="1" dirty="0">
-                          <a:latin typeface="Abadi Extra Light" panose="020B0204020104020204" pitchFamily="34" charset="0"/>
-                          <a:ea typeface="Cascadia Code Light" panose="020B0609020000020004" pitchFamily="49" charset="0"/>
-                          <a:cs typeface="Cascadia Code Light" panose="020B0609020000020004" pitchFamily="49" charset="0"/>
-                        </a:rPr>
-                        <a:t>- 0.034</a:t>
-                      </a:r>
-                    </a:p>
-                  </a:txBody>
-                  <a:tcPr/>
-                </a:tc>
-                <a:tc>
-                  <a:txBody>
-                    <a:bodyPr/>
-                    <a:lstStyle/>
-                    <a:p>
-                      <a:pPr algn="r"/>
-                      <a:r>
-                        <a:rPr lang="en-GB" sz="1400" b="1" dirty="0">
-                          <a:latin typeface="Abadi Extra Light" panose="020B0204020104020204" pitchFamily="34" charset="0"/>
-                          <a:ea typeface="Cascadia Code Light" panose="020B0609020000020004" pitchFamily="49" charset="0"/>
-                          <a:cs typeface="Cascadia Code Light" panose="020B0609020000020004" pitchFamily="49" charset="0"/>
-                        </a:rPr>
-                        <a:t>- 0.034</a:t>
-                      </a:r>
-                    </a:p>
-                  </a:txBody>
-                  <a:tcPr/>
-                </a:tc>
-                <a:extLst>
-                  <a:ext uri="{0D108BD9-81ED-4DB2-BD59-A6C34878D82A}">
-                    <a16:rowId xmlns:a16="http://schemas.microsoft.com/office/drawing/2014/main" val="573505610"/>
-                  </a:ext>
-                </a:extLst>
-              </a:tr>
-            </a:tbl>
-          </a:graphicData>
-        </a:graphic>
-      </p:graphicFrame>
     </p:spTree>
     <p:extLst>
       <p:ext uri="{BB962C8B-B14F-4D97-AF65-F5344CB8AC3E}">
-        <p14:creationId xmlns:p14="http://schemas.microsoft.com/office/powerpoint/2010/main" val="1241143514"/>
+        <p14:creationId xmlns:p14="http://schemas.microsoft.com/office/powerpoint/2010/main" val="1777885383"/>
       </p:ext>
     </p:extLst>
   </p:cSld>
@@ -11519,6 +10850,231 @@
       </p:grpSpPr>
       <p:sp>
         <p:nvSpPr>
+          <p:cNvPr id="3" name="Espace réservé du texte 2">
+            <a:extLst>
+              <a:ext uri="{FF2B5EF4-FFF2-40B4-BE49-F238E27FC236}">
+                <a16:creationId xmlns:a16="http://schemas.microsoft.com/office/drawing/2014/main" id="{334C28A0-A184-8649-A9A4-2BFB1D02EBB5}"/>
+              </a:ext>
+            </a:extLst>
+          </p:cNvPr>
+          <p:cNvSpPr>
+            <a:spLocks noGrp="1"/>
+          </p:cNvSpPr>
+          <p:nvPr>
+            <p:ph type="body" sz="quarter" idx="17"/>
+          </p:nvPr>
+        </p:nvSpPr>
+        <p:spPr>
+          <a:xfrm>
+            <a:off x="904875" y="1105146"/>
+            <a:ext cx="7646988" cy="3573067"/>
+          </a:xfrm>
+        </p:spPr>
+        <p:txBody>
+          <a:bodyPr>
+            <a:normAutofit/>
+          </a:bodyPr>
+          <a:lstStyle/>
+          <a:p>
+            <a:r>
+              <a:rPr lang="en-US" sz="1800" b="0" i="0" u="none" strike="noStrike" baseline="0" dirty="0">
+                <a:latin typeface="CMR12"/>
+              </a:rPr>
+              <a:t>MMNL Model  called </a:t>
+            </a:r>
+            <a:r>
+              <a:rPr lang="en-US" sz="1600" b="0" i="0" u="none" strike="noStrike" baseline="0" dirty="0" err="1">
+                <a:latin typeface="Cascadia Code Light" panose="020B0609020000020004" pitchFamily="49" charset="0"/>
+                <a:ea typeface="Cascadia Code Light" panose="020B0609020000020004" pitchFamily="49" charset="0"/>
+                <a:cs typeface="Cascadia Code Light" panose="020B0609020000020004" pitchFamily="49" charset="0"/>
+              </a:rPr>
+              <a:t>swissmetro</a:t>
+            </a:r>
+            <a:endParaRPr lang="en-US" sz="1600" b="0" i="0" u="none" strike="noStrike" baseline="0" dirty="0">
+              <a:latin typeface="Cascadia Code Light" panose="020B0609020000020004" pitchFamily="49" charset="0"/>
+              <a:ea typeface="Cascadia Code Light" panose="020B0609020000020004" pitchFamily="49" charset="0"/>
+              <a:cs typeface="Cascadia Code Light" panose="020B0609020000020004" pitchFamily="49" charset="0"/>
+            </a:endParaRPr>
+          </a:p>
+          <a:p>
+            <a:pPr algn="l"/>
+            <a:r>
+              <a:rPr lang="en-US" sz="1600" dirty="0" err="1">
+                <a:latin typeface="Cascadia Code Light" panose="020B0609020000020004" pitchFamily="49" charset="0"/>
+                <a:ea typeface="Cascadia Code Light" panose="020B0609020000020004" pitchFamily="49" charset="0"/>
+                <a:cs typeface="Cascadia Code Light" panose="020B0609020000020004" pitchFamily="49" charset="0"/>
+              </a:rPr>
+              <a:t>biogeme_swissmetro</a:t>
+            </a:r>
+            <a:r>
+              <a:rPr lang="en-US" sz="1600" dirty="0">
+                <a:latin typeface="Cascadia Code Light" panose="020B0609020000020004" pitchFamily="49" charset="0"/>
+                <a:ea typeface="Cascadia Code Light" panose="020B0609020000020004" pitchFamily="49" charset="0"/>
+                <a:cs typeface="Cascadia Code Light" panose="020B0609020000020004" pitchFamily="49" charset="0"/>
+              </a:rPr>
+              <a:t>,</a:t>
+            </a:r>
+            <a:r>
+              <a:rPr lang="en-US" dirty="0">
+                <a:latin typeface="CMR12"/>
+              </a:rPr>
+              <a:t> </a:t>
+            </a:r>
+            <a:r>
+              <a:rPr lang="en-US" sz="1800" b="0" i="0" u="none" strike="noStrike" baseline="0" dirty="0">
+                <a:latin typeface="CMR12"/>
+              </a:rPr>
+              <a:t>data collected on trains between St. Gallen and Geneva,</a:t>
+            </a:r>
+            <a:r>
+              <a:rPr lang="en-GB" sz="1800" b="0" i="0" u="none" strike="noStrike" baseline="0" dirty="0">
+                <a:latin typeface="CMR12"/>
+              </a:rPr>
+              <a:t>Switzerland, in March 1998 (</a:t>
+            </a:r>
+            <a:r>
+              <a:rPr lang="en-GB" sz="1800" b="0" i="1" u="none" strike="noStrike" baseline="0" dirty="0" err="1">
+                <a:latin typeface="CMR12"/>
+              </a:rPr>
+              <a:t>Axhausen</a:t>
+            </a:r>
+            <a:r>
+              <a:rPr lang="en-GB" sz="1800" b="0" i="1" u="none" strike="noStrike" baseline="0" dirty="0">
+                <a:latin typeface="CMR12"/>
+              </a:rPr>
+              <a:t> et al. (2001)</a:t>
+            </a:r>
+            <a:r>
+              <a:rPr lang="en-GB" sz="1800" b="0" u="none" strike="noStrike" baseline="0" dirty="0">
+                <a:latin typeface="CMR12"/>
+              </a:rPr>
+              <a:t>)</a:t>
+            </a:r>
+            <a:endParaRPr lang="en-GB" sz="1800" b="0" i="1" u="none" strike="noStrike" baseline="0" dirty="0">
+              <a:latin typeface="CMR12"/>
+            </a:endParaRPr>
+          </a:p>
+          <a:p>
+            <a:pPr algn="l"/>
+            <a:r>
+              <a:rPr lang="en-GB" sz="1800" b="0" i="0" u="none" strike="noStrike" baseline="0" dirty="0">
+                <a:latin typeface="CMR12"/>
+              </a:rPr>
+              <a:t>441 individuals, 9 stated choice situation, 3 alternatives: </a:t>
+            </a:r>
+            <a:r>
+              <a:rPr lang="en-GB" sz="1800" b="0" i="1" u="none" strike="noStrike" baseline="0" dirty="0">
+                <a:latin typeface="CMR12"/>
+              </a:rPr>
+              <a:t>rail, </a:t>
+            </a:r>
+            <a:r>
+              <a:rPr lang="en-GB" sz="1800" b="0" i="1" u="none" strike="noStrike" baseline="0" dirty="0" err="1">
+                <a:latin typeface="CMR12"/>
+              </a:rPr>
+              <a:t>Swissmetro</a:t>
+            </a:r>
+            <a:r>
+              <a:rPr lang="en-GB" sz="1800" b="0" i="1" u="none" strike="noStrike" baseline="0" dirty="0">
+                <a:latin typeface="CMR12"/>
+              </a:rPr>
+              <a:t>, car</a:t>
+            </a:r>
+            <a:endParaRPr lang="en-GB" sz="1800" b="0" i="0" u="none" strike="noStrike" baseline="0" dirty="0">
+              <a:latin typeface="CMR12"/>
+            </a:endParaRPr>
+          </a:p>
+          <a:p>
+            <a:pPr algn="l"/>
+            <a:r>
+              <a:rPr lang="en-US" dirty="0">
+                <a:latin typeface="CMR12"/>
+              </a:rPr>
+              <a:t>Panel data (added to the original script)</a:t>
+            </a:r>
+            <a:endParaRPr lang="en-US" sz="1800" b="0" u="none" strike="noStrike" baseline="0" dirty="0">
+              <a:latin typeface="CMTI12"/>
+            </a:endParaRPr>
+          </a:p>
+          <a:p>
+            <a:r>
+              <a:rPr lang="en-US" dirty="0">
+                <a:latin typeface="CMR12"/>
+              </a:rPr>
+              <a:t>Availabilities</a:t>
+            </a:r>
+            <a:endParaRPr lang="en-US" sz="1800" b="0" i="0" u="none" strike="noStrike" baseline="0" dirty="0">
+              <a:latin typeface="CMR12"/>
+            </a:endParaRPr>
+          </a:p>
+          <a:p>
+            <a:r>
+              <a:rPr lang="en-US" sz="1800" b="0" i="0" u="none" strike="noStrike" baseline="0" dirty="0">
+                <a:latin typeface="CMR12"/>
+              </a:rPr>
+              <a:t>Halton Draws, Monte-Carlo Estimation</a:t>
+            </a:r>
+          </a:p>
+          <a:p>
+            <a:pPr marL="0" indent="0">
+              <a:buNone/>
+            </a:pPr>
+            <a:endParaRPr lang="en-US" sz="1800" b="0" i="0" u="none" strike="noStrike" baseline="0" dirty="0">
+              <a:latin typeface="CMR12"/>
+            </a:endParaRPr>
+          </a:p>
+          <a:p>
+            <a:r>
+              <a:rPr lang="en-US" dirty="0" err="1">
+                <a:latin typeface="CMR12"/>
+              </a:rPr>
+              <a:t>Biogeme</a:t>
+            </a:r>
+            <a:r>
+              <a:rPr lang="en-US" dirty="0">
+                <a:latin typeface="CMR12"/>
+              </a:rPr>
+              <a:t>: Newton w/ simple bounds </a:t>
+            </a:r>
+            <a:r>
+              <a:rPr lang="en-US" dirty="0">
+                <a:latin typeface="CMR12"/>
+                <a:sym typeface="Wingdings" panose="05000000000000000000" pitchFamily="2" charset="2"/>
+              </a:rPr>
+              <a:t></a:t>
+            </a:r>
+            <a:r>
+              <a:rPr lang="en-US" dirty="0">
+                <a:latin typeface="CMR12"/>
+              </a:rPr>
+              <a:t> BFGS w/ simple bounds</a:t>
+            </a:r>
+          </a:p>
+          <a:p>
+            <a:r>
+              <a:rPr lang="en-US" dirty="0">
+                <a:latin typeface="CMR12"/>
+              </a:rPr>
+              <a:t>Apollo: BGW </a:t>
+            </a:r>
+            <a:r>
+              <a:rPr lang="en-US" dirty="0">
+                <a:latin typeface="CMR12"/>
+                <a:sym typeface="Wingdings" panose="05000000000000000000" pitchFamily="2" charset="2"/>
+              </a:rPr>
+              <a:t></a:t>
+            </a:r>
+            <a:r>
+              <a:rPr lang="en-US" dirty="0">
+                <a:latin typeface="CMR12"/>
+              </a:rPr>
+              <a:t> BFGS</a:t>
+            </a:r>
+          </a:p>
+        </p:txBody>
+      </p:sp>
+      <p:sp>
+        <p:nvSpPr>
           <p:cNvPr id="4" name="Espace réservé de la date 3">
             <a:extLst>
               <a:ext uri="{FF2B5EF4-FFF2-40B4-BE49-F238E27FC236}">
@@ -11540,7 +11096,7 @@
           <a:p>
             <a:r>
               <a:rPr lang="fr-CH" dirty="0"/>
-              <a:t>ALEXIA PARATTE / SEMESTER PROJECT MIDTERM PRESENTATION</a:t>
+              <a:t>ALEXIA PARATTE / SEMESTER PROJECT FINAL PRESENTATION</a:t>
             </a:r>
             <a:endParaRPr lang="fr-FR" dirty="0"/>
           </a:p>
@@ -11573,9 +11129,10 @@
           <a:lstStyle/>
           <a:p>
             <a:r>
-              <a:rPr lang="fr-FR" sz="1050" dirty="0"/>
-              <a:t>First Model</a:t>
-            </a:r>
+              <a:rPr lang="fr-FR" sz="1050" dirty="0" err="1"/>
+              <a:t>Swissmetro</a:t>
+            </a:r>
+            <a:endParaRPr lang="fr-FR" sz="1050" dirty="0"/>
           </a:p>
         </p:txBody>
       </p:sp>
@@ -11628,7 +11185,7 @@
         <p:spPr>
           <a:xfrm>
             <a:off x="904875" y="358815"/>
-            <a:ext cx="4557076" cy="670902"/>
+            <a:ext cx="4698483" cy="568249"/>
           </a:xfrm>
         </p:spPr>
         <p:txBody>
@@ -11636,325 +11193,16 @@
           <a:lstStyle/>
           <a:p>
             <a:r>
-              <a:rPr lang="fr-FR" dirty="0" err="1"/>
-              <a:t>Statistics</a:t>
-            </a:r>
-            <a:r>
               <a:rPr lang="fr-FR" dirty="0"/>
-              <a:t> </a:t>
-            </a:r>
-          </a:p>
-        </p:txBody>
-      </p:sp>
-      <p:graphicFrame>
-        <p:nvGraphicFramePr>
-          <p:cNvPr id="10" name="Tableau 9">
-            <a:extLst>
-              <a:ext uri="{FF2B5EF4-FFF2-40B4-BE49-F238E27FC236}">
-                <a16:creationId xmlns:a16="http://schemas.microsoft.com/office/drawing/2014/main" id="{F5B80B57-8FDD-534C-9A27-F75A32A7B15A}"/>
-              </a:ext>
-            </a:extLst>
-          </p:cNvPr>
-          <p:cNvGraphicFramePr>
-            <a:graphicFrameLocks noGrp="1"/>
-          </p:cNvGraphicFramePr>
-          <p:nvPr>
-            <p:extLst>
-              <p:ext uri="{D42A27DB-BD31-4B8C-83A1-F6EECF244321}">
-                <p14:modId xmlns:p14="http://schemas.microsoft.com/office/powerpoint/2010/main" val="1935134874"/>
-              </p:ext>
-            </p:extLst>
-          </p:nvPr>
-        </p:nvGraphicFramePr>
-        <p:xfrm>
-          <a:off x="1123784" y="1848648"/>
-          <a:ext cx="6896432" cy="1446204"/>
-        </p:xfrm>
-        <a:graphic>
-          <a:graphicData uri="http://schemas.openxmlformats.org/drawingml/2006/table">
-            <a:tbl>
-              <a:tblPr firstRow="1" bandRow="1">
-                <a:tableStyleId>{21E4AEA4-8DFA-4A89-87EB-49C32662AFE0}</a:tableStyleId>
-              </a:tblPr>
-              <a:tblGrid>
-                <a:gridCol w="2827537">
-                  <a:extLst>
-                    <a:ext uri="{9D8B030D-6E8A-4147-A177-3AD203B41FA5}">
-                      <a16:colId xmlns:a16="http://schemas.microsoft.com/office/drawing/2014/main" val="164566094"/>
-                    </a:ext>
-                  </a:extLst>
-                </a:gridCol>
-                <a:gridCol w="1770084">
-                  <a:extLst>
-                    <a:ext uri="{9D8B030D-6E8A-4147-A177-3AD203B41FA5}">
-                      <a16:colId xmlns:a16="http://schemas.microsoft.com/office/drawing/2014/main" val="1925316795"/>
-                    </a:ext>
-                  </a:extLst>
-                </a:gridCol>
-                <a:gridCol w="2298811">
-                  <a:extLst>
-                    <a:ext uri="{9D8B030D-6E8A-4147-A177-3AD203B41FA5}">
-                      <a16:colId xmlns:a16="http://schemas.microsoft.com/office/drawing/2014/main" val="628783585"/>
-                    </a:ext>
-                  </a:extLst>
-                </a:gridCol>
-              </a:tblGrid>
-              <a:tr h="361551">
-                <a:tc>
-                  <a:txBody>
-                    <a:bodyPr/>
-                    <a:lstStyle/>
-                    <a:p>
-                      <a:pPr algn="ctr"/>
-                      <a:endParaRPr lang="en-GB" dirty="0"/>
-                    </a:p>
-                  </a:txBody>
-                  <a:tcPr/>
-                </a:tc>
-                <a:tc>
-                  <a:txBody>
-                    <a:bodyPr/>
-                    <a:lstStyle/>
-                    <a:p>
-                      <a:pPr algn="ctr"/>
-                      <a:r>
-                        <a:rPr lang="en-GB" dirty="0"/>
-                        <a:t>VALUE IN APOLLO</a:t>
-                      </a:r>
-                    </a:p>
-                  </a:txBody>
-                  <a:tcPr/>
-                </a:tc>
-                <a:tc>
-                  <a:txBody>
-                    <a:bodyPr/>
-                    <a:lstStyle/>
-                    <a:p>
-                      <a:pPr algn="ctr"/>
-                      <a:r>
-                        <a:rPr lang="en-GB" dirty="0"/>
-                        <a:t>VALUE IN BIOGEME</a:t>
-                      </a:r>
-                    </a:p>
-                  </a:txBody>
-                  <a:tcPr/>
-                </a:tc>
-                <a:extLst>
-                  <a:ext uri="{0D108BD9-81ED-4DB2-BD59-A6C34878D82A}">
-                    <a16:rowId xmlns:a16="http://schemas.microsoft.com/office/drawing/2014/main" val="406676233"/>
-                  </a:ext>
-                </a:extLst>
-              </a:tr>
-              <a:tr h="361551">
-                <a:tc>
-                  <a:txBody>
-                    <a:bodyPr/>
-                    <a:lstStyle/>
-                    <a:p>
-                      <a:r>
-                        <a:rPr lang="en-GB" dirty="0">
-                          <a:latin typeface="Cascadia Code Light" panose="020B0609020000020004" pitchFamily="49" charset="0"/>
-                          <a:ea typeface="Cascadia Code Light" panose="020B0609020000020004" pitchFamily="49" charset="0"/>
-                          <a:cs typeface="Cascadia Code Light" panose="020B0609020000020004" pitchFamily="49" charset="0"/>
-                        </a:rPr>
-                        <a:t>Initial Loglikelihood</a:t>
-                      </a:r>
-                    </a:p>
-                  </a:txBody>
-                  <a:tcPr/>
-                </a:tc>
-                <a:tc>
-                  <a:txBody>
-                    <a:bodyPr/>
-                    <a:lstStyle/>
-                    <a:p>
-                      <a:pPr algn="r"/>
-                      <a:r>
-                        <a:rPr lang="en-GB" sz="1600" b="0" dirty="0">
-                          <a:latin typeface="Abadi Extra Light" panose="020B0204020104020204" pitchFamily="34" charset="0"/>
-                        </a:rPr>
-                        <a:t>-1170.86</a:t>
-                      </a:r>
-                    </a:p>
-                  </a:txBody>
-                  <a:tcPr/>
-                </a:tc>
-                <a:tc>
-                  <a:txBody>
-                    <a:bodyPr/>
-                    <a:lstStyle/>
-                    <a:p>
-                      <a:pPr algn="r"/>
-                      <a:r>
-                        <a:rPr lang="en-GB" sz="1600" b="0" dirty="0">
-                          <a:latin typeface="Abadi Extra Light" panose="020B0204020104020204" pitchFamily="34" charset="0"/>
-                        </a:rPr>
-                        <a:t>-1170.86</a:t>
-                      </a:r>
-                    </a:p>
-                  </a:txBody>
-                  <a:tcPr/>
-                </a:tc>
-                <a:extLst>
-                  <a:ext uri="{0D108BD9-81ED-4DB2-BD59-A6C34878D82A}">
-                    <a16:rowId xmlns:a16="http://schemas.microsoft.com/office/drawing/2014/main" val="4068008101"/>
-                  </a:ext>
-                </a:extLst>
-              </a:tr>
-              <a:tr h="361551">
-                <a:tc>
-                  <a:txBody>
-                    <a:bodyPr/>
-                    <a:lstStyle/>
-                    <a:p>
-                      <a:pPr marL="0" marR="0" lvl="0" indent="0" algn="l" defTabSz="685800" rtl="0" eaLnBrk="1" fontAlgn="auto" latinLnBrk="0" hangingPunct="1">
-                        <a:lnSpc>
-                          <a:spcPct val="100000"/>
-                        </a:lnSpc>
-                        <a:spcBef>
-                          <a:spcPts val="0"/>
-                        </a:spcBef>
-                        <a:spcAft>
-                          <a:spcPts val="0"/>
-                        </a:spcAft>
-                        <a:buClrTx/>
-                        <a:buSzTx/>
-                        <a:buFontTx/>
-                        <a:buNone/>
-                        <a:tabLst/>
-                        <a:defRPr/>
-                      </a:pPr>
-                      <a:r>
-                        <a:rPr lang="en-GB" dirty="0">
-                          <a:latin typeface="Cascadia Code Light" panose="020B0609020000020004" pitchFamily="49" charset="0"/>
-                          <a:ea typeface="Cascadia Code Light" panose="020B0609020000020004" pitchFamily="49" charset="0"/>
-                          <a:cs typeface="Cascadia Code Light" panose="020B0609020000020004" pitchFamily="49" charset="0"/>
-                        </a:rPr>
-                        <a:t>Final Loglikelihood</a:t>
-                      </a:r>
-                    </a:p>
-                  </a:txBody>
-                  <a:tcPr/>
-                </a:tc>
-                <a:tc>
-                  <a:txBody>
-                    <a:bodyPr/>
-                    <a:lstStyle/>
-                    <a:p>
-                      <a:pPr algn="r"/>
-                      <a:r>
-                        <a:rPr lang="en-GB" sz="1600" b="0" dirty="0">
-                          <a:latin typeface="Abadi Extra Light" panose="020B0204020104020204" pitchFamily="34" charset="0"/>
-                        </a:rPr>
-                        <a:t>-1025.76</a:t>
-                      </a:r>
-                    </a:p>
-                  </a:txBody>
-                  <a:tcPr/>
-                </a:tc>
-                <a:tc>
-                  <a:txBody>
-                    <a:bodyPr/>
-                    <a:lstStyle/>
-                    <a:p>
-                      <a:pPr algn="r"/>
-                      <a:r>
-                        <a:rPr lang="fr-CH" sz="1600" b="0" dirty="0">
-                          <a:latin typeface="Abadi Extra Light" panose="020B0204020104020204" pitchFamily="34" charset="0"/>
-                        </a:rPr>
-                        <a:t>-1025.756</a:t>
-                      </a:r>
-                    </a:p>
-                  </a:txBody>
-                  <a:tcPr anchor="ctr"/>
-                </a:tc>
-                <a:extLst>
-                  <a:ext uri="{0D108BD9-81ED-4DB2-BD59-A6C34878D82A}">
-                    <a16:rowId xmlns:a16="http://schemas.microsoft.com/office/drawing/2014/main" val="459521361"/>
-                  </a:ext>
-                </a:extLst>
-              </a:tr>
-              <a:tr h="361551">
-                <a:tc>
-                  <a:txBody>
-                    <a:bodyPr/>
-                    <a:lstStyle/>
-                    <a:p>
-                      <a:pPr marL="0" marR="0" lvl="0" indent="0" algn="l" defTabSz="685800" rtl="0" eaLnBrk="1" fontAlgn="auto" latinLnBrk="0" hangingPunct="1">
-                        <a:lnSpc>
-                          <a:spcPct val="100000"/>
-                        </a:lnSpc>
-                        <a:spcBef>
-                          <a:spcPts val="0"/>
-                        </a:spcBef>
-                        <a:spcAft>
-                          <a:spcPts val="0"/>
-                        </a:spcAft>
-                        <a:buClrTx/>
-                        <a:buSzTx/>
-                        <a:buFontTx/>
-                        <a:buNone/>
-                        <a:tabLst/>
-                        <a:defRPr/>
-                      </a:pPr>
-                      <a:r>
-                        <a:rPr lang="en-GB" dirty="0">
-                          <a:latin typeface="Cascadia Code Light" panose="020B0609020000020004" pitchFamily="49" charset="0"/>
-                          <a:ea typeface="Cascadia Code Light" panose="020B0609020000020004" pitchFamily="49" charset="0"/>
-                          <a:cs typeface="Cascadia Code Light" panose="020B0609020000020004" pitchFamily="49" charset="0"/>
-                        </a:rPr>
-                        <a:t>Estimation Time</a:t>
-                      </a:r>
-                    </a:p>
-                  </a:txBody>
-                  <a:tcPr/>
-                </a:tc>
-                <a:tc>
-                  <a:txBody>
-                    <a:bodyPr/>
-                    <a:lstStyle/>
-                    <a:p>
-                      <a:pPr algn="r"/>
-                      <a:r>
-                        <a:rPr lang="en-GB" sz="1600" b="0" dirty="0">
-                          <a:latin typeface="Abadi Extra Light" panose="020B0204020104020204" pitchFamily="34" charset="0"/>
-                        </a:rPr>
-                        <a:t>00 : 00 : 1,51</a:t>
-                      </a:r>
-                    </a:p>
-                  </a:txBody>
-                  <a:tcPr/>
-                </a:tc>
-                <a:tc>
-                  <a:txBody>
-                    <a:bodyPr/>
-                    <a:lstStyle/>
-                    <a:p>
-                      <a:pPr algn="r"/>
-                      <a:r>
-                        <a:rPr lang="en-GB" sz="1600" b="0" dirty="0">
-                          <a:latin typeface="Abadi Extra Light" panose="020B0204020104020204" pitchFamily="34" charset="0"/>
-                        </a:rPr>
-                        <a:t>00 : 00 : 1,54</a:t>
-                      </a:r>
-                    </a:p>
-                  </a:txBody>
-                  <a:tcPr/>
-                </a:tc>
-                <a:extLst>
-                  <a:ext uri="{0D108BD9-81ED-4DB2-BD59-A6C34878D82A}">
-                    <a16:rowId xmlns:a16="http://schemas.microsoft.com/office/drawing/2014/main" val="3786590502"/>
-                  </a:ext>
-                </a:extLst>
-              </a:tr>
-            </a:tbl>
-          </a:graphicData>
-        </a:graphic>
-      </p:graphicFrame>
+              <a:t>Model and data description</a:t>
+            </a:r>
+          </a:p>
+        </p:txBody>
+      </p:sp>
     </p:spTree>
     <p:extLst>
       <p:ext uri="{BB962C8B-B14F-4D97-AF65-F5344CB8AC3E}">
-        <p14:creationId xmlns:p14="http://schemas.microsoft.com/office/powerpoint/2010/main" val="583821565"/>
+        <p14:creationId xmlns:p14="http://schemas.microsoft.com/office/powerpoint/2010/main" val="2344891514"/>
       </p:ext>
     </p:extLst>
   </p:cSld>
@@ -12722,15 +11970,6 @@
 </file>
 
 <file path=customXml/item1.xml><?xml version="1.0" encoding="utf-8"?>
-<?mso-contentType ?>
-<FormTemplates xmlns="http://schemas.microsoft.com/sharepoint/v3/contenttype/forms">
-  <Display>DocumentLibraryForm</Display>
-  <Edit>DocumentLibraryForm</Edit>
-  <New>DocumentLibraryForm</New>
-</FormTemplates>
-</file>
-
-<file path=customXml/item2.xml><?xml version="1.0" encoding="utf-8"?>
 <ct:contentTypeSchema xmlns:ct="http://schemas.microsoft.com/office/2006/metadata/contentType" xmlns:ma="http://schemas.microsoft.com/office/2006/metadata/properties/metaAttributes" ct:_="" ma:_="" ma:contentTypeName="Document" ma:contentTypeID="0x0101001BFC127AB4946248A5685C1F92D54FFE" ma:contentTypeVersion="0" ma:contentTypeDescription="Crée un document." ma:contentTypeScope="" ma:versionID="ef3ff242486930b75c69099c0dd02c57">
   <xsd:schema xmlns:xsd="http://www.w3.org/2001/XMLSchema" xmlns:xs="http://www.w3.org/2001/XMLSchema" xmlns:p="http://schemas.microsoft.com/office/2006/metadata/properties" targetNamespace="http://schemas.microsoft.com/office/2006/metadata/properties" ma:root="true" ma:fieldsID="ab09c1ba23edfaa45a5e9d385267c9b5">
     <xsd:element name="properties">
@@ -12844,21 +12083,22 @@
 </ct:contentTypeSchema>
 </file>
 
-<file path=customXml/item3.xml><?xml version="1.0" encoding="utf-8"?>
+<file path=customXml/item2.xml><?xml version="1.0" encoding="utf-8"?>
 <p:properties xmlns:p="http://schemas.microsoft.com/office/2006/metadata/properties" xmlns:xsi="http://www.w3.org/2001/XMLSchema-instance" xmlns:pc="http://schemas.microsoft.com/office/infopath/2007/PartnerControls">
   <documentManagement/>
 </p:properties>
 </file>
 
-<file path=customXml/itemProps1.xml><?xml version="1.0" encoding="utf-8"?>
-<ds:datastoreItem xmlns:ds="http://schemas.openxmlformats.org/officeDocument/2006/customXml" ds:itemID="{266205E9-12FC-4D6C-B0C7-1E9025EEB158}">
-  <ds:schemaRefs>
-    <ds:schemaRef ds:uri="http://schemas.microsoft.com/sharepoint/v3/contenttype/forms"/>
-  </ds:schemaRefs>
-</ds:datastoreItem>
+<file path=customXml/item3.xml><?xml version="1.0" encoding="utf-8"?>
+<?mso-contentType ?>
+<FormTemplates xmlns="http://schemas.microsoft.com/sharepoint/v3/contenttype/forms">
+  <Display>DocumentLibraryForm</Display>
+  <Edit>DocumentLibraryForm</Edit>
+  <New>DocumentLibraryForm</New>
+</FormTemplates>
 </file>
 
-<file path=customXml/itemProps2.xml><?xml version="1.0" encoding="utf-8"?>
+<file path=customXml/itemProps1.xml><?xml version="1.0" encoding="utf-8"?>
 <ds:datastoreItem xmlns:ds="http://schemas.openxmlformats.org/officeDocument/2006/customXml" ds:itemID="{8F8CE09B-89B1-4B5D-BED2-87C84F077711}">
   <ds:schemaRefs>
     <ds:schemaRef ds:uri="http://schemas.microsoft.com/office/2006/metadata/contentType"/>
@@ -12874,11 +12114,19 @@
 </ds:datastoreItem>
 </file>
 
-<file path=customXml/itemProps3.xml><?xml version="1.0" encoding="utf-8"?>
+<file path=customXml/itemProps2.xml><?xml version="1.0" encoding="utf-8"?>
 <ds:datastoreItem xmlns:ds="http://schemas.openxmlformats.org/officeDocument/2006/customXml" ds:itemID="{348A6C70-7FF5-480A-B09B-7D0A19B2F431}">
   <ds:schemaRefs>
     <ds:schemaRef ds:uri="http://schemas.microsoft.com/office/2006/metadata/properties"/>
     <ds:schemaRef ds:uri="http://schemas.microsoft.com/office/infopath/2007/PartnerControls"/>
   </ds:schemaRefs>
 </ds:datastoreItem>
+</file>
+
+<file path=customXml/itemProps3.xml><?xml version="1.0" encoding="utf-8"?>
+<ds:datastoreItem xmlns:ds="http://schemas.openxmlformats.org/officeDocument/2006/customXml" ds:itemID="{266205E9-12FC-4D6C-B0C7-1E9025EEB158}">
+  <ds:schemaRefs>
+    <ds:schemaRef ds:uri="http://schemas.microsoft.com/sharepoint/v3/contenttype/forms"/>
+  </ds:schemaRefs>
+</ds:datastoreItem>
 </file>